--- a/General_Assembly/IntroToPHP.pptx
+++ b/General_Assembly/IntroToPHP.pptx
@@ -5,7 +5,7 @@
     <p:sldMasterId id="2147483660" r:id="rId1"/>
   </p:sldMasterIdLst>
   <p:notesMasterIdLst>
-    <p:notesMasterId r:id="rId40"/>
+    <p:notesMasterId r:id="rId41"/>
   </p:notesMasterIdLst>
   <p:sldIdLst>
     <p:sldId id="257" r:id="rId2"/>
@@ -17,35 +17,36 @@
     <p:sldId id="325" r:id="rId8"/>
     <p:sldId id="327" r:id="rId9"/>
     <p:sldId id="328" r:id="rId10"/>
-    <p:sldId id="329" r:id="rId11"/>
-    <p:sldId id="330" r:id="rId12"/>
-    <p:sldId id="331" r:id="rId13"/>
-    <p:sldId id="332" r:id="rId14"/>
-    <p:sldId id="333" r:id="rId15"/>
-    <p:sldId id="334" r:id="rId16"/>
-    <p:sldId id="335" r:id="rId17"/>
-    <p:sldId id="337" r:id="rId18"/>
-    <p:sldId id="336" r:id="rId19"/>
-    <p:sldId id="338" r:id="rId20"/>
-    <p:sldId id="339" r:id="rId21"/>
-    <p:sldId id="340" r:id="rId22"/>
-    <p:sldId id="341" r:id="rId23"/>
-    <p:sldId id="342" r:id="rId24"/>
-    <p:sldId id="343" r:id="rId25"/>
-    <p:sldId id="351" r:id="rId26"/>
-    <p:sldId id="350" r:id="rId27"/>
-    <p:sldId id="344" r:id="rId28"/>
-    <p:sldId id="346" r:id="rId29"/>
-    <p:sldId id="345" r:id="rId30"/>
-    <p:sldId id="347" r:id="rId31"/>
-    <p:sldId id="348" r:id="rId32"/>
-    <p:sldId id="349" r:id="rId33"/>
-    <p:sldId id="352" r:id="rId34"/>
-    <p:sldId id="353" r:id="rId35"/>
-    <p:sldId id="354" r:id="rId36"/>
-    <p:sldId id="355" r:id="rId37"/>
-    <p:sldId id="357" r:id="rId38"/>
-    <p:sldId id="293" r:id="rId39"/>
+    <p:sldId id="358" r:id="rId11"/>
+    <p:sldId id="329" r:id="rId12"/>
+    <p:sldId id="330" r:id="rId13"/>
+    <p:sldId id="331" r:id="rId14"/>
+    <p:sldId id="332" r:id="rId15"/>
+    <p:sldId id="333" r:id="rId16"/>
+    <p:sldId id="334" r:id="rId17"/>
+    <p:sldId id="335" r:id="rId18"/>
+    <p:sldId id="337" r:id="rId19"/>
+    <p:sldId id="336" r:id="rId20"/>
+    <p:sldId id="338" r:id="rId21"/>
+    <p:sldId id="339" r:id="rId22"/>
+    <p:sldId id="340" r:id="rId23"/>
+    <p:sldId id="341" r:id="rId24"/>
+    <p:sldId id="342" r:id="rId25"/>
+    <p:sldId id="343" r:id="rId26"/>
+    <p:sldId id="351" r:id="rId27"/>
+    <p:sldId id="350" r:id="rId28"/>
+    <p:sldId id="344" r:id="rId29"/>
+    <p:sldId id="346" r:id="rId30"/>
+    <p:sldId id="345" r:id="rId31"/>
+    <p:sldId id="347" r:id="rId32"/>
+    <p:sldId id="348" r:id="rId33"/>
+    <p:sldId id="349" r:id="rId34"/>
+    <p:sldId id="352" r:id="rId35"/>
+    <p:sldId id="353" r:id="rId36"/>
+    <p:sldId id="354" r:id="rId37"/>
+    <p:sldId id="355" r:id="rId38"/>
+    <p:sldId id="357" r:id="rId39"/>
+    <p:sldId id="293" r:id="rId40"/>
   </p:sldIdLst>
   <p:sldSz cx="9144000" cy="6858000" type="screen4x3"/>
   <p:notesSz cx="6858000" cy="9144000"/>
@@ -607,11 +608,11 @@
         </c:dLbls>
         <c:marker val="1"/>
         <c:smooth val="0"/>
-        <c:axId val="-2059076296"/>
-        <c:axId val="-2058981576"/>
+        <c:axId val="2122521048"/>
+        <c:axId val="2125943816"/>
       </c:lineChart>
       <c:catAx>
-        <c:axId val="-2059076296"/>
+        <c:axId val="2122521048"/>
         <c:scaling>
           <c:orientation val="minMax"/>
         </c:scaling>
@@ -645,7 +646,7 @@
             <a:endParaRPr lang="en-US"/>
           </a:p>
         </c:txPr>
-        <c:crossAx val="-2058981576"/>
+        <c:crossAx val="2125943816"/>
         <c:crosses val="autoZero"/>
         <c:auto val="1"/>
         <c:lblAlgn val="ctr"/>
@@ -653,7 +654,7 @@
         <c:noMultiLvlLbl val="1"/>
       </c:catAx>
       <c:valAx>
-        <c:axId val="-2058981576"/>
+        <c:axId val="2125943816"/>
         <c:scaling>
           <c:orientation val="minMax"/>
         </c:scaling>
@@ -700,7 +701,7 @@
             <a:endParaRPr lang="en-US"/>
           </a:p>
         </c:txPr>
-        <c:crossAx val="-2059076296"/>
+        <c:crossAx val="2122521048"/>
         <c:crosses val="autoZero"/>
         <c:crossBetween val="midCat"/>
         <c:majorUnit val="25.0"/>
@@ -1639,11 +1640,11 @@
         </c:dLbls>
         <c:gapWidth val="150"/>
         <c:overlap val="100"/>
-        <c:axId val="-2099608296"/>
-        <c:axId val="-2055424440"/>
+        <c:axId val="2126071032"/>
+        <c:axId val="2126074600"/>
       </c:barChart>
       <c:catAx>
-        <c:axId val="-2099608296"/>
+        <c:axId val="2126071032"/>
         <c:scaling>
           <c:orientation val="minMax"/>
         </c:scaling>
@@ -1677,7 +1678,7 @@
             <a:endParaRPr lang="en-US"/>
           </a:p>
         </c:txPr>
-        <c:crossAx val="-2055424440"/>
+        <c:crossAx val="2126074600"/>
         <c:crosses val="autoZero"/>
         <c:auto val="1"/>
         <c:lblAlgn val="ctr"/>
@@ -1685,7 +1686,7 @@
         <c:noMultiLvlLbl val="1"/>
       </c:catAx>
       <c:valAx>
-        <c:axId val="-2055424440"/>
+        <c:axId val="2126074600"/>
         <c:scaling>
           <c:orientation val="minMax"/>
         </c:scaling>
@@ -1732,7 +1733,7 @@
             <a:endParaRPr lang="en-US"/>
           </a:p>
         </c:txPr>
-        <c:crossAx val="-2099608296"/>
+        <c:crossAx val="2126071032"/>
         <c:crosses val="autoZero"/>
         <c:crossBetween val="between"/>
         <c:majorUnit val="100.0"/>
@@ -1885,7 +1886,7 @@
           <a:p>
             <a:fld id="{88492384-F816-1E42-8B1E-461E7726626F}" type="datetimeFigureOut">
               <a:rPr lang="en-US" smtClean="0"/>
-              <a:t>1/2/17</a:t>
+              <a:t>2/1/17</a:t>
             </a:fld>
             <a:endParaRPr lang="en-US"/>
           </a:p>
@@ -4040,6 +4041,88 @@
 </file>
 
 <file path=ppt/notesSlides/notesSlide30.xml><?xml version="1.0" encoding="utf-8"?>
+<p:notes xmlns:a="http://schemas.openxmlformats.org/drawingml/2006/main" xmlns:r="http://schemas.openxmlformats.org/officeDocument/2006/relationships" xmlns:p="http://schemas.openxmlformats.org/presentationml/2006/main">
+  <p:cSld>
+    <p:spTree>
+      <p:nvGrpSpPr>
+        <p:cNvPr id="1" name=""/>
+        <p:cNvGrpSpPr/>
+        <p:nvPr/>
+      </p:nvGrpSpPr>
+      <p:grpSpPr>
+        <a:xfrm>
+          <a:off x="0" y="0"/>
+          <a:ext cx="0" cy="0"/>
+          <a:chOff x="0" y="0"/>
+          <a:chExt cx="0" cy="0"/>
+        </a:xfrm>
+      </p:grpSpPr>
+      <p:sp>
+        <p:nvSpPr>
+          <p:cNvPr id="296" name="Shape 296"/>
+          <p:cNvSpPr>
+            <a:spLocks noGrp="1" noRot="1" noChangeAspect="1"/>
+          </p:cNvSpPr>
+          <p:nvPr>
+            <p:ph type="sldImg"/>
+          </p:nvPr>
+        </p:nvSpPr>
+        <p:spPr>
+          <a:xfrm>
+            <a:off x="1143000" y="685800"/>
+            <a:ext cx="4572000" cy="3429000"/>
+          </a:xfrm>
+          <a:prstGeom prst="rect">
+            <a:avLst/>
+          </a:prstGeom>
+        </p:spPr>
+        <p:txBody>
+          <a:bodyPr/>
+          <a:lstStyle/>
+          <a:p>
+            <a:endParaRPr/>
+          </a:p>
+        </p:txBody>
+      </p:sp>
+      <p:sp>
+        <p:nvSpPr>
+          <p:cNvPr id="297" name="Shape 297"/>
+          <p:cNvSpPr>
+            <a:spLocks noGrp="1"/>
+          </p:cNvSpPr>
+          <p:nvPr>
+            <p:ph type="body" sz="quarter" idx="1"/>
+          </p:nvPr>
+        </p:nvSpPr>
+        <p:spPr>
+          <a:prstGeom prst="rect">
+            <a:avLst/>
+          </a:prstGeom>
+        </p:spPr>
+        <p:txBody>
+          <a:bodyPr/>
+          <a:lstStyle>
+            <a:lvl1pPr marL="159657" indent="-159657">
+              <a:buSzPct val="70000"/>
+              <a:buChar char="-"/>
+            </a:lvl1pPr>
+          </a:lstStyle>
+          <a:p>
+            <a:r>
+              <a:t>learning objectives will frame the class and give students reference points</a:t>
+            </a:r>
+          </a:p>
+        </p:txBody>
+      </p:sp>
+    </p:spTree>
+  </p:cSld>
+  <p:clrMapOvr>
+    <a:masterClrMapping/>
+  </p:clrMapOvr>
+</p:notes>
+</file>
+
+<file path=ppt/notesSlides/notesSlide31.xml><?xml version="1.0" encoding="utf-8"?>
 <p:notes xmlns:a="http://schemas.openxmlformats.org/drawingml/2006/main" xmlns:r="http://schemas.openxmlformats.org/officeDocument/2006/relationships" xmlns:p="http://schemas.openxmlformats.org/presentationml/2006/main">
   <p:cSld>
     <p:spTree>
@@ -14384,7 +14467,15 @@
           <a:p>
             <a:r>
               <a:rPr lang="en-US" dirty="0" smtClean="0"/>
-              <a:t>LAMP stack</a:t>
+              <a:t>So what do we need to run a </a:t>
+            </a:r>
+            <a:r>
+              <a:rPr lang="en-US" dirty="0" err="1" smtClean="0"/>
+              <a:t>php</a:t>
+            </a:r>
+            <a:r>
+              <a:rPr lang="en-US" dirty="0" smtClean="0"/>
+              <a:t> app?</a:t>
             </a:r>
             <a:endParaRPr dirty="0"/>
           </a:p>
@@ -14398,7 +14489,7 @@
         </p:nvSpPr>
         <p:spPr>
           <a:xfrm>
-            <a:off x="462275" y="2051437"/>
+            <a:off x="462275" y="2446225"/>
             <a:ext cx="8125271" cy="3578088"/>
           </a:xfrm>
           <a:prstGeom prst="rect">
@@ -14433,150 +14524,42 @@
                 </a:uFill>
               </a:defRPr>
             </a:pPr>
-            <a:r>
-              <a:rPr lang="en-US" b="1" dirty="0" smtClean="0"/>
-              <a:t>Linux: </a:t>
-            </a:r>
-            <a:r>
-              <a:rPr lang="en-US" dirty="0" smtClean="0"/>
-              <a:t>The preferred operating system of most developers (command line based…generally). By operating system- think WINDOWS/MAC</a:t>
-            </a:r>
-          </a:p>
-          <a:p>
-            <a:pPr marL="457200" indent="-457200" defTabSz="510244">
-              <a:spcBef>
-                <a:spcPts val="788"/>
-              </a:spcBef>
-              <a:buSzPct val="70000"/>
-              <a:buFont typeface="Arial"/>
-              <a:buChar char="•"/>
-              <a:defRPr sz="2800">
-                <a:solidFill>
-                  <a:srgbClr val="000000"/>
-                </a:solidFill>
-                <a:uFill>
-                  <a:solidFill>
-                    <a:srgbClr val="000000"/>
-                  </a:solidFill>
-                </a:uFill>
-              </a:defRPr>
-            </a:pPr>
-            <a:r>
-              <a:rPr lang="en-US" b="1" dirty="0" smtClean="0"/>
-              <a:t>Apache:</a:t>
-            </a:r>
-            <a:r>
-              <a:rPr lang="en-US" dirty="0" smtClean="0"/>
-              <a:t> the server that is used to make </a:t>
-            </a:r>
-            <a:r>
-              <a:rPr lang="en-US" dirty="0" err="1" smtClean="0"/>
-              <a:t>php</a:t>
-            </a:r>
-            <a:r>
-              <a:rPr lang="en-US" dirty="0" smtClean="0"/>
-              <a:t> work</a:t>
-            </a:r>
-          </a:p>
-          <a:p>
-            <a:pPr marL="457200" indent="-457200" defTabSz="510244">
-              <a:spcBef>
-                <a:spcPts val="788"/>
-              </a:spcBef>
-              <a:buSzPct val="70000"/>
-              <a:buFont typeface="Arial"/>
-              <a:buChar char="•"/>
-              <a:defRPr sz="2800">
-                <a:solidFill>
-                  <a:srgbClr val="000000"/>
-                </a:solidFill>
-                <a:uFill>
-                  <a:solidFill>
-                    <a:srgbClr val="000000"/>
-                  </a:solidFill>
-                </a:uFill>
-              </a:defRPr>
-            </a:pPr>
-            <a:r>
-              <a:rPr lang="en-US" b="1" dirty="0" smtClean="0"/>
-              <a:t>MySQL:</a:t>
-            </a:r>
-            <a:r>
-              <a:rPr lang="en-US" dirty="0" smtClean="0"/>
-              <a:t> The </a:t>
-            </a:r>
-            <a:r>
-              <a:rPr lang="en-US" dirty="0" err="1" smtClean="0"/>
-              <a:t>databse</a:t>
-            </a:r>
+            <a:endParaRPr dirty="0"/>
+          </a:p>
+        </p:txBody>
+      </p:sp>
+      <p:sp>
+        <p:nvSpPr>
+          <p:cNvPr id="3" name="Rectangle 2"/>
+          <p:cNvSpPr/>
+          <p:nvPr/>
+        </p:nvSpPr>
+        <p:spPr>
+          <a:xfrm>
+            <a:off x="3761190" y="3244334"/>
+            <a:ext cx="1621620" cy="369332"/>
+          </a:xfrm>
+          <a:prstGeom prst="rect">
+            <a:avLst/>
+          </a:prstGeom>
+        </p:spPr>
+        <p:txBody>
+          <a:bodyPr wrap="none">
+            <a:spAutoFit/>
+          </a:bodyPr>
+          <a:lstStyle/>
+          <a:p>
             <a:r>
               <a:rPr lang="en-US" dirty="0"/>
-              <a:t> </a:t>
-            </a:r>
-            <a:r>
-              <a:rPr lang="en-US" dirty="0" smtClean="0"/>
-              <a:t>that PHP talks to in order to retrieve/change (CRUD) data</a:t>
-            </a:r>
-          </a:p>
-          <a:p>
-            <a:pPr marL="457200" indent="-457200" defTabSz="510244">
-              <a:spcBef>
-                <a:spcPts val="788"/>
-              </a:spcBef>
-              <a:buSzPct val="70000"/>
-              <a:buFont typeface="Arial"/>
-              <a:buChar char="•"/>
-              <a:defRPr sz="2800">
-                <a:solidFill>
-                  <a:srgbClr val="000000"/>
-                </a:solidFill>
-                <a:uFill>
-                  <a:solidFill>
-                    <a:srgbClr val="000000"/>
-                  </a:solidFill>
-                </a:uFill>
-              </a:defRPr>
-            </a:pPr>
-            <a:r>
-              <a:rPr lang="en-US" b="1" dirty="0" smtClean="0"/>
-              <a:t>PHP</a:t>
-            </a:r>
-            <a:r>
-              <a:rPr lang="en-US" dirty="0" smtClean="0"/>
-              <a:t>: Obviously</a:t>
-            </a:r>
-            <a:endParaRPr lang="en-US" b="1" dirty="0" smtClean="0"/>
-          </a:p>
-        </p:txBody>
-      </p:sp>
-      <p:pic>
-        <p:nvPicPr>
-          <p:cNvPr id="5" name="Picture 4"/>
-          <p:cNvPicPr>
-            <a:picLocks noChangeAspect="1"/>
-          </p:cNvPicPr>
-          <p:nvPr/>
-        </p:nvPicPr>
-        <p:blipFill>
-          <a:blip r:embed="rId3"/>
-          <a:stretch>
-            <a:fillRect/>
-          </a:stretch>
-        </p:blipFill>
-        <p:spPr>
-          <a:xfrm>
-            <a:off x="7004800" y="4747119"/>
-            <a:ext cx="1923300" cy="1847712"/>
-          </a:xfrm>
-          <a:prstGeom prst="rect">
-            <a:avLst/>
-          </a:prstGeom>
-        </p:spPr>
-      </p:pic>
+              <a:t>BI_SBOX_DB</a:t>
+            </a:r>
+          </a:p>
+        </p:txBody>
+      </p:sp>
     </p:spTree>
     <p:extLst>
       <p:ext uri="{BB962C8B-B14F-4D97-AF65-F5344CB8AC3E}">
-        <p14:creationId xmlns:p14="http://schemas.microsoft.com/office/powerpoint/2010/main" val="1022821460"/>
+        <p14:creationId xmlns:p14="http://schemas.microsoft.com/office/powerpoint/2010/main" val="865778835"/>
       </p:ext>
     </p:extLst>
   </p:cSld>
@@ -14613,15 +14596,19 @@
       </p:grpSpPr>
       <p:sp>
         <p:nvSpPr>
-          <p:cNvPr id="2" name="Text Placeholder 1"/>
+          <p:cNvPr id="293" name="Shape 293"/>
           <p:cNvSpPr>
             <a:spLocks noGrp="1"/>
           </p:cNvSpPr>
           <p:nvPr>
-            <p:ph type="body" sz="quarter" idx="13"/>
+            <p:ph type="body" idx="13"/>
           </p:nvPr>
         </p:nvSpPr>
-        <p:spPr/>
+        <p:spPr>
+          <a:prstGeom prst="rect">
+            <a:avLst/>
+          </a:prstGeom>
+        </p:spPr>
         <p:txBody>
           <a:bodyPr/>
           <a:lstStyle/>
@@ -14632,51 +14619,233 @@
             </a:r>
             <a:r>
               <a:rPr lang="en-US" dirty="0" err="1" smtClean="0"/>
-              <a:t>php</a:t>
-            </a:r>
-            <a:endParaRPr lang="en-US" dirty="0"/>
-          </a:p>
-        </p:txBody>
-      </p:sp>
-      <p:sp>
-        <p:nvSpPr>
-          <p:cNvPr id="3" name="Text Placeholder 2"/>
+              <a:t>Php</a:t>
+            </a:r>
+            <a:endParaRPr dirty="0"/>
+          </a:p>
+        </p:txBody>
+      </p:sp>
+      <p:sp>
+        <p:nvSpPr>
+          <p:cNvPr id="294" name="Shape 294"/>
           <p:cNvSpPr>
             <a:spLocks noGrp="1"/>
           </p:cNvSpPr>
           <p:nvPr>
-            <p:ph type="body" sz="half" idx="14"/>
+            <p:ph type="title"/>
           </p:nvPr>
         </p:nvSpPr>
         <p:spPr>
-          <a:xfrm>
-            <a:off x="446485" y="1383527"/>
-            <a:ext cx="8251031" cy="3259289"/>
-          </a:xfrm>
+          <a:prstGeom prst="rect">
+            <a:avLst/>
+          </a:prstGeom>
         </p:spPr>
         <p:txBody>
           <a:bodyPr/>
           <a:lstStyle/>
           <a:p>
             <a:r>
-              <a:rPr lang="en-US" sz="8800" dirty="0" smtClean="0"/>
-              <a:t>Setting up your environment</a:t>
-            </a:r>
-            <a:endParaRPr lang="en-US" sz="8800" dirty="0"/>
-          </a:p>
-        </p:txBody>
-      </p:sp>
+              <a:rPr lang="en-US" dirty="0" smtClean="0"/>
+              <a:t>LAMP stack</a:t>
+            </a:r>
+            <a:endParaRPr dirty="0"/>
+          </a:p>
+        </p:txBody>
+      </p:sp>
+      <p:sp>
+        <p:nvSpPr>
+          <p:cNvPr id="295" name="Shape 295"/>
+          <p:cNvSpPr/>
+          <p:nvPr/>
+        </p:nvSpPr>
+        <p:spPr>
+          <a:xfrm>
+            <a:off x="462275" y="2051437"/>
+            <a:ext cx="8125271" cy="3578088"/>
+          </a:xfrm>
+          <a:prstGeom prst="rect">
+            <a:avLst/>
+          </a:prstGeom>
+          <a:ln w="12700"/>
+          <a:extLst>
+            <a:ext uri="{C572A759-6A51-4108-AA02-DFA0A04FC94B}">
+              <ma14:wrappingTextBoxFlag xmlns:ma14="http://schemas.microsoft.com/office/mac/drawingml/2011/main" val="1"/>
+            </a:ext>
+          </a:extLst>
+        </p:spPr>
+        <p:txBody>
+          <a:bodyPr lIns="0" tIns="0" rIns="0" bIns="0"/>
+          <a:lstStyle/>
+          <a:p>
+            <a:pPr marL="457200" indent="-457200" defTabSz="510244">
+              <a:spcBef>
+                <a:spcPts val="788"/>
+              </a:spcBef>
+              <a:buSzPct val="70000"/>
+              <a:buFont typeface="Arial"/>
+              <a:buChar char="•"/>
+              <a:defRPr sz="2800">
+                <a:solidFill>
+                  <a:srgbClr val="000000"/>
+                </a:solidFill>
+                <a:uFill>
+                  <a:solidFill>
+                    <a:srgbClr val="000000"/>
+                  </a:solidFill>
+                </a:uFill>
+              </a:defRPr>
+            </a:pPr>
+            <a:r>
+              <a:rPr lang="en-US" b="1" dirty="0" smtClean="0"/>
+              <a:t>Linux: </a:t>
+            </a:r>
+            <a:r>
+              <a:rPr lang="en-US" dirty="0" smtClean="0"/>
+              <a:t>The preferred operating system of most developers (command line based…generally). By operating system- think WINDOWS/MAC</a:t>
+            </a:r>
+          </a:p>
+          <a:p>
+            <a:pPr marL="457200" indent="-457200" defTabSz="510244">
+              <a:spcBef>
+                <a:spcPts val="788"/>
+              </a:spcBef>
+              <a:buSzPct val="70000"/>
+              <a:buFont typeface="Arial"/>
+              <a:buChar char="•"/>
+              <a:defRPr sz="2800">
+                <a:solidFill>
+                  <a:srgbClr val="000000"/>
+                </a:solidFill>
+                <a:uFill>
+                  <a:solidFill>
+                    <a:srgbClr val="000000"/>
+                  </a:solidFill>
+                </a:uFill>
+              </a:defRPr>
+            </a:pPr>
+            <a:r>
+              <a:rPr lang="en-US" b="1" dirty="0" smtClean="0"/>
+              <a:t>Apache:</a:t>
+            </a:r>
+            <a:r>
+              <a:rPr lang="en-US" dirty="0" smtClean="0"/>
+              <a:t> the server that is used to make </a:t>
+            </a:r>
+            <a:r>
+              <a:rPr lang="en-US" dirty="0" err="1" smtClean="0"/>
+              <a:t>php</a:t>
+            </a:r>
+            <a:r>
+              <a:rPr lang="en-US" dirty="0" smtClean="0"/>
+              <a:t> work</a:t>
+            </a:r>
+          </a:p>
+          <a:p>
+            <a:pPr marL="457200" indent="-457200" defTabSz="510244">
+              <a:spcBef>
+                <a:spcPts val="788"/>
+              </a:spcBef>
+              <a:buSzPct val="70000"/>
+              <a:buFont typeface="Arial"/>
+              <a:buChar char="•"/>
+              <a:defRPr sz="2800">
+                <a:solidFill>
+                  <a:srgbClr val="000000"/>
+                </a:solidFill>
+                <a:uFill>
+                  <a:solidFill>
+                    <a:srgbClr val="000000"/>
+                  </a:solidFill>
+                </a:uFill>
+              </a:defRPr>
+            </a:pPr>
+            <a:r>
+              <a:rPr lang="en-US" b="1" dirty="0" smtClean="0"/>
+              <a:t>MySQL:</a:t>
+            </a:r>
+            <a:r>
+              <a:rPr lang="en-US" dirty="0" smtClean="0"/>
+              <a:t> The </a:t>
+            </a:r>
+            <a:r>
+              <a:rPr lang="en-US" dirty="0" err="1" smtClean="0"/>
+              <a:t>databse</a:t>
+            </a:r>
+            <a:r>
+              <a:rPr lang="en-US" dirty="0"/>
+              <a:t> </a:t>
+            </a:r>
+            <a:r>
+              <a:rPr lang="en-US" dirty="0" smtClean="0"/>
+              <a:t>that PHP talks to in order to retrieve/change (CRUD) data</a:t>
+            </a:r>
+          </a:p>
+          <a:p>
+            <a:pPr marL="457200" indent="-457200" defTabSz="510244">
+              <a:spcBef>
+                <a:spcPts val="788"/>
+              </a:spcBef>
+              <a:buSzPct val="70000"/>
+              <a:buFont typeface="Arial"/>
+              <a:buChar char="•"/>
+              <a:defRPr sz="2800">
+                <a:solidFill>
+                  <a:srgbClr val="000000"/>
+                </a:solidFill>
+                <a:uFill>
+                  <a:solidFill>
+                    <a:srgbClr val="000000"/>
+                  </a:solidFill>
+                </a:uFill>
+              </a:defRPr>
+            </a:pPr>
+            <a:r>
+              <a:rPr lang="en-US" b="1" dirty="0" smtClean="0"/>
+              <a:t>PHP</a:t>
+            </a:r>
+            <a:r>
+              <a:rPr lang="en-US" dirty="0" smtClean="0"/>
+              <a:t>: Obviously</a:t>
+            </a:r>
+            <a:endParaRPr lang="en-US" b="1" dirty="0" smtClean="0"/>
+          </a:p>
+        </p:txBody>
+      </p:sp>
+      <p:pic>
+        <p:nvPicPr>
+          <p:cNvPr id="5" name="Picture 4"/>
+          <p:cNvPicPr>
+            <a:picLocks noChangeAspect="1"/>
+          </p:cNvPicPr>
+          <p:nvPr/>
+        </p:nvPicPr>
+        <p:blipFill>
+          <a:blip r:embed="rId3"/>
+          <a:stretch>
+            <a:fillRect/>
+          </a:stretch>
+        </p:blipFill>
+        <p:spPr>
+          <a:xfrm>
+            <a:off x="7004800" y="4747119"/>
+            <a:ext cx="1923300" cy="1847712"/>
+          </a:xfrm>
+          <a:prstGeom prst="rect">
+            <a:avLst/>
+          </a:prstGeom>
+        </p:spPr>
+      </p:pic>
     </p:spTree>
     <p:extLst>
       <p:ext uri="{BB962C8B-B14F-4D97-AF65-F5344CB8AC3E}">
-        <p14:creationId xmlns:p14="http://schemas.microsoft.com/office/powerpoint/2010/main" val="2458837107"/>
+        <p14:creationId xmlns:p14="http://schemas.microsoft.com/office/powerpoint/2010/main" val="1022821460"/>
       </p:ext>
     </p:extLst>
   </p:cSld>
   <p:clrMapOvr>
     <a:masterClrMapping/>
   </p:clrMapOvr>
-  <p:transition xmlns:p14="http://schemas.microsoft.com/office/powerpoint/2010/main" spd="med"/>
+  <p:transition xmlns:p14="http://schemas.microsoft.com/office/powerpoint/2010/main" spd="slow"/>
   <p:timing>
     <p:tnLst>
       <p:par>
@@ -14706,219 +14875,70 @@
       </p:grpSpPr>
       <p:sp>
         <p:nvSpPr>
-          <p:cNvPr id="293" name="Shape 293"/>
+          <p:cNvPr id="2" name="Text Placeholder 1"/>
           <p:cNvSpPr>
             <a:spLocks noGrp="1"/>
           </p:cNvSpPr>
           <p:nvPr>
-            <p:ph type="body" idx="13"/>
+            <p:ph type="body" sz="quarter" idx="13"/>
           </p:nvPr>
         </p:nvSpPr>
-        <p:spPr>
-          <a:prstGeom prst="rect">
-            <a:avLst/>
-          </a:prstGeom>
-        </p:spPr>
+        <p:spPr/>
         <p:txBody>
           <a:bodyPr/>
           <a:lstStyle/>
           <a:p>
             <a:r>
               <a:rPr lang="en-US" dirty="0" smtClean="0"/>
-              <a:t>Setting up your environment</a:t>
-            </a:r>
-            <a:endParaRPr dirty="0"/>
-          </a:p>
-        </p:txBody>
-      </p:sp>
-      <p:sp>
-        <p:nvSpPr>
-          <p:cNvPr id="294" name="Shape 294"/>
+              <a:t>Intro to </a:t>
+            </a:r>
+            <a:r>
+              <a:rPr lang="en-US" dirty="0" err="1" smtClean="0"/>
+              <a:t>php</a:t>
+            </a:r>
+            <a:endParaRPr lang="en-US" dirty="0"/>
+          </a:p>
+        </p:txBody>
+      </p:sp>
+      <p:sp>
+        <p:nvSpPr>
+          <p:cNvPr id="3" name="Text Placeholder 2"/>
           <p:cNvSpPr>
             <a:spLocks noGrp="1"/>
           </p:cNvSpPr>
           <p:nvPr>
-            <p:ph type="title"/>
+            <p:ph type="body" sz="half" idx="14"/>
           </p:nvPr>
         </p:nvSpPr>
         <p:spPr>
-          <a:prstGeom prst="rect">
-            <a:avLst/>
-          </a:prstGeom>
+          <a:xfrm>
+            <a:off x="446485" y="1383527"/>
+            <a:ext cx="8251031" cy="3259289"/>
+          </a:xfrm>
         </p:spPr>
         <p:txBody>
           <a:bodyPr/>
           <a:lstStyle/>
           <a:p>
             <a:r>
-              <a:rPr lang="en-US" dirty="0" smtClean="0"/>
-              <a:t>Assuming no one has </a:t>
-            </a:r>
-            <a:r>
-              <a:rPr lang="en-US" dirty="0" err="1" smtClean="0"/>
-              <a:t>linux</a:t>
-            </a:r>
-            <a:endParaRPr dirty="0"/>
-          </a:p>
-        </p:txBody>
-      </p:sp>
-      <p:sp>
-        <p:nvSpPr>
-          <p:cNvPr id="295" name="Shape 295"/>
-          <p:cNvSpPr/>
-          <p:nvPr/>
-        </p:nvSpPr>
-        <p:spPr>
-          <a:xfrm>
-            <a:off x="462275" y="2051437"/>
-            <a:ext cx="8125271" cy="3578088"/>
-          </a:xfrm>
-          <a:prstGeom prst="rect">
-            <a:avLst/>
-          </a:prstGeom>
-          <a:ln w="12700"/>
-          <a:extLst>
-            <a:ext uri="{C572A759-6A51-4108-AA02-DFA0A04FC94B}">
-              <ma14:wrappingTextBoxFlag xmlns:ma14="http://schemas.microsoft.com/office/mac/drawingml/2011/main" val="1"/>
-            </a:ext>
-          </a:extLst>
-        </p:spPr>
-        <p:txBody>
-          <a:bodyPr lIns="0" tIns="0" rIns="0" bIns="0"/>
-          <a:lstStyle/>
-          <a:p>
-            <a:pPr marL="457200" indent="-457200" defTabSz="510244">
-              <a:spcBef>
-                <a:spcPts val="788"/>
-              </a:spcBef>
-              <a:buSzPct val="70000"/>
-              <a:buFont typeface="Arial"/>
-              <a:buChar char="•"/>
-              <a:defRPr sz="2800">
-                <a:solidFill>
-                  <a:srgbClr val="000000"/>
-                </a:solidFill>
-                <a:uFill>
-                  <a:solidFill>
-                    <a:srgbClr val="000000"/>
-                  </a:solidFill>
-                </a:uFill>
-              </a:defRPr>
-            </a:pPr>
-            <a:r>
-              <a:rPr lang="en-US" dirty="0" smtClean="0"/>
-              <a:t>To set up a stack we need some elements- an apache server, a MySQL database, and a PHP interpreter (PHP is an interpreted language).</a:t>
-            </a:r>
-          </a:p>
-          <a:p>
-            <a:pPr marL="457200" indent="-457200" defTabSz="510244">
-              <a:spcBef>
-                <a:spcPts val="788"/>
-              </a:spcBef>
-              <a:buSzPct val="70000"/>
-              <a:buFont typeface="Arial"/>
-              <a:buChar char="•"/>
-              <a:defRPr sz="2800">
-                <a:solidFill>
-                  <a:srgbClr val="000000"/>
-                </a:solidFill>
-                <a:uFill>
-                  <a:solidFill>
-                    <a:srgbClr val="000000"/>
-                  </a:solidFill>
-                </a:uFill>
-              </a:defRPr>
-            </a:pPr>
-            <a:r>
-              <a:rPr lang="en-US" dirty="0" smtClean="0"/>
-              <a:t>Fortunately all of these come pre-packaged in a couple of available packages-</a:t>
-            </a:r>
-          </a:p>
-          <a:p>
-            <a:pPr marL="914258" lvl="1" indent="-457200" defTabSz="510244">
-              <a:spcBef>
-                <a:spcPts val="788"/>
-              </a:spcBef>
-              <a:buSzPct val="70000"/>
-              <a:buFont typeface="Arial"/>
-              <a:buChar char="•"/>
-              <a:defRPr sz="2800">
-                <a:solidFill>
-                  <a:srgbClr val="000000"/>
-                </a:solidFill>
-                <a:uFill>
-                  <a:solidFill>
-                    <a:srgbClr val="000000"/>
-                  </a:solidFill>
-                </a:uFill>
-              </a:defRPr>
-            </a:pPr>
-            <a:r>
-              <a:rPr lang="en-US" dirty="0" smtClean="0"/>
-              <a:t>For Windows there’s WAMP</a:t>
-            </a:r>
-          </a:p>
-          <a:p>
-            <a:pPr marL="914258" lvl="1" indent="-457200" defTabSz="510244">
-              <a:spcBef>
-                <a:spcPts val="788"/>
-              </a:spcBef>
-              <a:buSzPct val="70000"/>
-              <a:buFont typeface="Arial"/>
-              <a:buChar char="•"/>
-              <a:defRPr sz="2800">
-                <a:solidFill>
-                  <a:srgbClr val="000000"/>
-                </a:solidFill>
-                <a:uFill>
-                  <a:solidFill>
-                    <a:srgbClr val="000000"/>
-                  </a:solidFill>
-                </a:uFill>
-              </a:defRPr>
-            </a:pPr>
-            <a:r>
-              <a:rPr lang="en-US" dirty="0" smtClean="0"/>
-              <a:t>For Mac there’s MAMP</a:t>
-            </a:r>
-          </a:p>
-        </p:txBody>
-      </p:sp>
-      <p:pic>
-        <p:nvPicPr>
-          <p:cNvPr id="2" name="Picture 1"/>
-          <p:cNvPicPr>
-            <a:picLocks noChangeAspect="1"/>
-          </p:cNvPicPr>
-          <p:nvPr/>
-        </p:nvPicPr>
-        <p:blipFill>
-          <a:blip r:embed="rId3"/>
-          <a:stretch>
-            <a:fillRect/>
-          </a:stretch>
-        </p:blipFill>
-        <p:spPr>
-          <a:xfrm>
-            <a:off x="2540209" y="5356280"/>
-            <a:ext cx="3449895" cy="1501719"/>
-          </a:xfrm>
-          <a:prstGeom prst="rect">
-            <a:avLst/>
-          </a:prstGeom>
-        </p:spPr>
-      </p:pic>
+              <a:rPr lang="en-US" sz="8800" dirty="0" smtClean="0"/>
+              <a:t>Setting up your environment</a:t>
+            </a:r>
+            <a:endParaRPr lang="en-US" sz="8800" dirty="0"/>
+          </a:p>
+        </p:txBody>
+      </p:sp>
     </p:spTree>
     <p:extLst>
       <p:ext uri="{BB962C8B-B14F-4D97-AF65-F5344CB8AC3E}">
-        <p14:creationId xmlns:p14="http://schemas.microsoft.com/office/powerpoint/2010/main" val="338208464"/>
+        <p14:creationId xmlns:p14="http://schemas.microsoft.com/office/powerpoint/2010/main" val="2458837107"/>
       </p:ext>
     </p:extLst>
   </p:cSld>
   <p:clrMapOvr>
     <a:masterClrMapping/>
   </p:clrMapOvr>
-  <p:transition xmlns:p14="http://schemas.microsoft.com/office/powerpoint/2010/main" spd="slow"/>
+  <p:transition xmlns:p14="http://schemas.microsoft.com/office/powerpoint/2010/main" spd="med"/>
   <p:timing>
     <p:tnLst>
       <p:par>
@@ -15049,7 +15069,7 @@
             </a:pPr>
             <a:r>
               <a:rPr lang="en-US" dirty="0" smtClean="0"/>
-              <a:t>Please go to each of the sites in your handouts and download the appropriate package and install them.</a:t>
+              <a:t>To set up a stack we need some elements- an apache server, a MySQL database, and a PHP interpreter (PHP is an interpreted language).</a:t>
             </a:r>
           </a:p>
           <a:p>
@@ -15073,22 +15093,62 @@
             </a:pPr>
             <a:r>
               <a:rPr lang="en-US" dirty="0" smtClean="0"/>
-              <a:t>Once installed you will need to </a:t>
-            </a:r>
-            <a:r>
-              <a:rPr lang="en-US" b="1" dirty="0" smtClean="0"/>
-              <a:t>start up your servers.</a:t>
-            </a:r>
+              <a:t>Fortunately all of these come pre-packaged in a couple of available packages-</a:t>
+            </a:r>
+          </a:p>
+          <a:p>
+            <a:pPr marL="914258" lvl="1" indent="-457200" defTabSz="510244">
+              <a:spcBef>
+                <a:spcPts val="788"/>
+              </a:spcBef>
+              <a:buSzPct val="70000"/>
+              <a:buFont typeface="Arial"/>
+              <a:buChar char="•"/>
+              <a:defRPr sz="2800">
+                <a:solidFill>
+                  <a:srgbClr val="000000"/>
+                </a:solidFill>
+                <a:uFill>
+                  <a:solidFill>
+                    <a:srgbClr val="000000"/>
+                  </a:solidFill>
+                </a:uFill>
+              </a:defRPr>
+            </a:pPr>
             <a:r>
               <a:rPr lang="en-US" dirty="0" smtClean="0"/>
-              <a:t> Click on the installer and start it up.</a:t>
+              <a:t>For Windows there’s WAMP</a:t>
+            </a:r>
+          </a:p>
+          <a:p>
+            <a:pPr marL="914258" lvl="1" indent="-457200" defTabSz="510244">
+              <a:spcBef>
+                <a:spcPts val="788"/>
+              </a:spcBef>
+              <a:buSzPct val="70000"/>
+              <a:buFont typeface="Arial"/>
+              <a:buChar char="•"/>
+              <a:defRPr sz="2800">
+                <a:solidFill>
+                  <a:srgbClr val="000000"/>
+                </a:solidFill>
+                <a:uFill>
+                  <a:solidFill>
+                    <a:srgbClr val="000000"/>
+                  </a:solidFill>
+                </a:uFill>
+              </a:defRPr>
+            </a:pPr>
+            <a:r>
+              <a:rPr lang="en-US" dirty="0" smtClean="0"/>
+              <a:t>For Mac there’s MAMP</a:t>
             </a:r>
           </a:p>
         </p:txBody>
       </p:sp>
       <p:pic>
         <p:nvPicPr>
-          <p:cNvPr id="3" name="Picture 2"/>
+          <p:cNvPr id="2" name="Picture 1"/>
           <p:cNvPicPr>
             <a:picLocks noChangeAspect="1"/>
           </p:cNvPicPr>
@@ -15102,8 +15162,8 @@
         </p:blipFill>
         <p:spPr>
           <a:xfrm>
-            <a:off x="2330137" y="5197708"/>
-            <a:ext cx="4229100" cy="1498600"/>
+            <a:off x="2540209" y="5356280"/>
+            <a:ext cx="3449895" cy="1501719"/>
           </a:xfrm>
           <a:prstGeom prst="rect">
             <a:avLst/>
@@ -15113,7 +15173,7 @@
     </p:spTree>
     <p:extLst>
       <p:ext uri="{BB962C8B-B14F-4D97-AF65-F5344CB8AC3E}">
-        <p14:creationId xmlns:p14="http://schemas.microsoft.com/office/powerpoint/2010/main" val="3547329537"/>
+        <p14:creationId xmlns:p14="http://schemas.microsoft.com/office/powerpoint/2010/main" val="338208464"/>
       </p:ext>
     </p:extLst>
   </p:cSld>
@@ -15214,8 +15274,8 @@
         </p:nvSpPr>
         <p:spPr>
           <a:xfrm>
-            <a:off x="462275" y="2051436"/>
-            <a:ext cx="8125271" cy="4177267"/>
+            <a:off x="462275" y="2051437"/>
+            <a:ext cx="8125271" cy="3578088"/>
           </a:xfrm>
           <a:prstGeom prst="rect">
             <a:avLst/>
@@ -15251,7 +15311,7 @@
             </a:pPr>
             <a:r>
               <a:rPr lang="en-US" dirty="0" smtClean="0"/>
-              <a:t>A successful server start looks like this on MAC and WINDOWS</a:t>
+              <a:t>Please go to each of the sites in your handouts and download the appropriate package and install them.</a:t>
             </a:r>
           </a:p>
           <a:p>
@@ -15275,14 +15335,22 @@
             </a:pPr>
             <a:r>
               <a:rPr lang="en-US" dirty="0" smtClean="0"/>
-              <a:t>:</a:t>
+              <a:t>Once installed you will need to </a:t>
+            </a:r>
+            <a:r>
+              <a:rPr lang="en-US" b="1" dirty="0" smtClean="0"/>
+              <a:t>start up your servers.</a:t>
+            </a:r>
+            <a:r>
+              <a:rPr lang="en-US" dirty="0" smtClean="0"/>
+              <a:t> Click on the installer and start it up.</a:t>
             </a:r>
           </a:p>
         </p:txBody>
       </p:sp>
       <p:pic>
         <p:nvPicPr>
-          <p:cNvPr id="4" name="Picture 3"/>
+          <p:cNvPr id="3" name="Picture 2"/>
           <p:cNvPicPr>
             <a:picLocks noChangeAspect="1"/>
           </p:cNvPicPr>
@@ -15296,32 +15364,8 @@
         </p:blipFill>
         <p:spPr>
           <a:xfrm>
-            <a:off x="0" y="3035601"/>
-            <a:ext cx="4835812" cy="2552700"/>
-          </a:xfrm>
-          <a:prstGeom prst="rect">
-            <a:avLst/>
-          </a:prstGeom>
-        </p:spPr>
-      </p:pic>
-      <p:pic>
-        <p:nvPicPr>
-          <p:cNvPr id="6" name="Picture 5"/>
-          <p:cNvPicPr>
-            <a:picLocks noChangeAspect="1"/>
-          </p:cNvPicPr>
-          <p:nvPr/>
-        </p:nvPicPr>
-        <p:blipFill>
-          <a:blip r:embed="rId4"/>
-          <a:stretch>
-            <a:fillRect/>
-          </a:stretch>
-        </p:blipFill>
-        <p:spPr>
-          <a:xfrm>
-            <a:off x="4971325" y="3173747"/>
-            <a:ext cx="3924300" cy="2070100"/>
+            <a:off x="2330137" y="5197708"/>
+            <a:ext cx="4229100" cy="1498600"/>
           </a:xfrm>
           <a:prstGeom prst="rect">
             <a:avLst/>
@@ -15331,7 +15375,7 @@
     </p:spTree>
     <p:extLst>
       <p:ext uri="{BB962C8B-B14F-4D97-AF65-F5344CB8AC3E}">
-        <p14:creationId xmlns:p14="http://schemas.microsoft.com/office/powerpoint/2010/main" val="997182847"/>
+        <p14:creationId xmlns:p14="http://schemas.microsoft.com/office/powerpoint/2010/main" val="3547329537"/>
       </p:ext>
     </p:extLst>
   </p:cSld>
@@ -15414,7 +15458,11 @@
           <a:p>
             <a:r>
               <a:rPr lang="en-US" dirty="0" smtClean="0"/>
-              <a:t>Checking final setup</a:t>
+              <a:t>Assuming no one has </a:t>
+            </a:r>
+            <a:r>
+              <a:rPr lang="en-US" dirty="0" err="1" smtClean="0"/>
+              <a:t>linux</a:t>
             </a:r>
             <a:endParaRPr dirty="0"/>
           </a:p>
@@ -15465,71 +15513,7 @@
             </a:pPr>
             <a:r>
               <a:rPr lang="en-US" dirty="0" smtClean="0"/>
-              <a:t>Now open up a browser (a real browser, </a:t>
-            </a:r>
-            <a:r>
-              <a:rPr lang="en-US" b="1" dirty="0" smtClean="0"/>
-              <a:t>not</a:t>
-            </a:r>
-            <a:r>
-              <a:rPr lang="en-US" dirty="0" smtClean="0"/>
-              <a:t> internet explorer) and type this into your browser address bar: </a:t>
-            </a:r>
-          </a:p>
-          <a:p>
-            <a:pPr marL="914258" lvl="1" indent="-457200" defTabSz="510244">
-              <a:spcBef>
-                <a:spcPts val="788"/>
-              </a:spcBef>
-              <a:buSzPct val="70000"/>
-              <a:buFont typeface="Arial"/>
-              <a:buChar char="•"/>
-              <a:defRPr sz="2800">
-                <a:solidFill>
-                  <a:srgbClr val="000000"/>
-                </a:solidFill>
-                <a:uFill>
-                  <a:solidFill>
-                    <a:srgbClr val="000000"/>
-                  </a:solidFill>
-                </a:uFill>
-              </a:defRPr>
-            </a:pPr>
-            <a:r>
-              <a:rPr lang="en-US" dirty="0" smtClean="0"/>
-              <a:t>“http://localhost:8000</a:t>
-            </a:r>
-          </a:p>
-          <a:p>
-            <a:pPr marL="914258" lvl="1" indent="-457200" defTabSz="510244">
-              <a:spcBef>
-                <a:spcPts val="788"/>
-              </a:spcBef>
-              <a:buSzPct val="70000"/>
-              <a:buFont typeface="Arial"/>
-              <a:buChar char="•"/>
-              <a:defRPr sz="2800">
-                <a:solidFill>
-                  <a:srgbClr val="000000"/>
-                </a:solidFill>
-                <a:uFill>
-                  <a:solidFill>
-                    <a:srgbClr val="000000"/>
-                  </a:solidFill>
-                </a:uFill>
-              </a:defRPr>
-            </a:pPr>
-            <a:r>
-              <a:rPr lang="en-US" dirty="0" smtClean="0"/>
-              <a:t> </a:t>
-            </a:r>
-            <a:r>
-              <a:rPr lang="en-US" b="1" dirty="0" smtClean="0"/>
-              <a:t>or </a:t>
-            </a:r>
-            <a:r>
-              <a:rPr lang="en-US" dirty="0" smtClean="0"/>
-              <a:t>(MAC)- “http://localhost:8080</a:t>
+              <a:t>A successful server start looks like this on MAC and WINDOWS</a:t>
             </a:r>
           </a:p>
           <a:p>
@@ -15551,13 +15535,16 @@
                 </a:uFill>
               </a:defRPr>
             </a:pPr>
-            <a:endParaRPr lang="en-US" dirty="0" smtClean="0"/>
+            <a:r>
+              <a:rPr lang="en-US" dirty="0" smtClean="0"/>
+              <a:t>:</a:t>
+            </a:r>
           </a:p>
         </p:txBody>
       </p:sp>
       <p:pic>
         <p:nvPicPr>
-          <p:cNvPr id="2" name="Picture 1"/>
+          <p:cNvPr id="4" name="Picture 3"/>
           <p:cNvPicPr>
             <a:picLocks noChangeAspect="1"/>
           </p:cNvPicPr>
@@ -15571,8 +15558,32 @@
         </p:blipFill>
         <p:spPr>
           <a:xfrm>
-            <a:off x="2637956" y="4533900"/>
-            <a:ext cx="3492500" cy="2324100"/>
+            <a:off x="0" y="3035601"/>
+            <a:ext cx="4835812" cy="2552700"/>
+          </a:xfrm>
+          <a:prstGeom prst="rect">
+            <a:avLst/>
+          </a:prstGeom>
+        </p:spPr>
+      </p:pic>
+      <p:pic>
+        <p:nvPicPr>
+          <p:cNvPr id="6" name="Picture 5"/>
+          <p:cNvPicPr>
+            <a:picLocks noChangeAspect="1"/>
+          </p:cNvPicPr>
+          <p:nvPr/>
+        </p:nvPicPr>
+        <p:blipFill>
+          <a:blip r:embed="rId4"/>
+          <a:stretch>
+            <a:fillRect/>
+          </a:stretch>
+        </p:blipFill>
+        <p:spPr>
+          <a:xfrm>
+            <a:off x="4971325" y="3173747"/>
+            <a:ext cx="3924300" cy="2070100"/>
           </a:xfrm>
           <a:prstGeom prst="rect">
             <a:avLst/>
@@ -15582,7 +15593,7 @@
     </p:spTree>
     <p:extLst>
       <p:ext uri="{BB962C8B-B14F-4D97-AF65-F5344CB8AC3E}">
-        <p14:creationId xmlns:p14="http://schemas.microsoft.com/office/powerpoint/2010/main" val="3232417257"/>
+        <p14:creationId xmlns:p14="http://schemas.microsoft.com/office/powerpoint/2010/main" val="997182847"/>
       </p:ext>
     </p:extLst>
   </p:cSld>
@@ -15716,14 +15727,99 @@
             </a:pPr>
             <a:r>
               <a:rPr lang="en-US" dirty="0" smtClean="0"/>
-              <a:t>If you see a page like this then you are doing well so far! </a:t>
-            </a:r>
+              <a:t>Now open up a browser (a real browser, </a:t>
+            </a:r>
+            <a:r>
+              <a:rPr lang="en-US" b="1" dirty="0" smtClean="0"/>
+              <a:t>not</a:t>
+            </a:r>
+            <a:r>
+              <a:rPr lang="en-US" dirty="0" smtClean="0"/>
+              <a:t> internet explorer) and type this into your browser address bar: </a:t>
+            </a:r>
+          </a:p>
+          <a:p>
+            <a:pPr marL="914258" lvl="1" indent="-457200" defTabSz="510244">
+              <a:spcBef>
+                <a:spcPts val="788"/>
+              </a:spcBef>
+              <a:buSzPct val="70000"/>
+              <a:buFont typeface="Arial"/>
+              <a:buChar char="•"/>
+              <a:defRPr sz="2800">
+                <a:solidFill>
+                  <a:srgbClr val="000000"/>
+                </a:solidFill>
+                <a:uFill>
+                  <a:solidFill>
+                    <a:srgbClr val="000000"/>
+                  </a:solidFill>
+                </a:uFill>
+              </a:defRPr>
+            </a:pPr>
+            <a:r>
+              <a:rPr lang="en-US" dirty="0" smtClean="0"/>
+              <a:t>“http://localhost:8000</a:t>
+            </a:r>
+          </a:p>
+          <a:p>
+            <a:pPr marL="914258" lvl="1" indent="-457200" defTabSz="510244">
+              <a:spcBef>
+                <a:spcPts val="788"/>
+              </a:spcBef>
+              <a:buSzPct val="70000"/>
+              <a:buFont typeface="Arial"/>
+              <a:buChar char="•"/>
+              <a:defRPr sz="2800">
+                <a:solidFill>
+                  <a:srgbClr val="000000"/>
+                </a:solidFill>
+                <a:uFill>
+                  <a:solidFill>
+                    <a:srgbClr val="000000"/>
+                  </a:solidFill>
+                </a:uFill>
+              </a:defRPr>
+            </a:pPr>
+            <a:r>
+              <a:rPr lang="en-US" dirty="0" smtClean="0"/>
+              <a:t> </a:t>
+            </a:r>
+            <a:r>
+              <a:rPr lang="en-US" b="1" dirty="0" smtClean="0"/>
+              <a:t>or </a:t>
+            </a:r>
+            <a:r>
+              <a:rPr lang="en-US" dirty="0" smtClean="0"/>
+              <a:t>(MAC)- “http://localhost:8080</a:t>
+            </a:r>
+          </a:p>
+          <a:p>
+            <a:pPr marL="457200" indent="-457200" defTabSz="510244">
+              <a:spcBef>
+                <a:spcPts val="788"/>
+              </a:spcBef>
+              <a:buSzPct val="70000"/>
+              <a:buFont typeface="Arial"/>
+              <a:buChar char="•"/>
+              <a:defRPr sz="2800">
+                <a:solidFill>
+                  <a:srgbClr val="000000"/>
+                </a:solidFill>
+                <a:uFill>
+                  <a:solidFill>
+                    <a:srgbClr val="000000"/>
+                  </a:solidFill>
+                </a:uFill>
+              </a:defRPr>
+            </a:pPr>
+            <a:endParaRPr lang="en-US" dirty="0" smtClean="0"/>
           </a:p>
         </p:txBody>
       </p:sp>
       <p:pic>
         <p:nvPicPr>
-          <p:cNvPr id="5" name="Picture 4"/>
+          <p:cNvPr id="2" name="Picture 1"/>
           <p:cNvPicPr>
             <a:picLocks noChangeAspect="1"/>
           </p:cNvPicPr>
@@ -15737,32 +15833,8 @@
         </p:blipFill>
         <p:spPr>
           <a:xfrm>
-            <a:off x="711200" y="3429000"/>
-            <a:ext cx="3860800" cy="2108200"/>
-          </a:xfrm>
-          <a:prstGeom prst="rect">
-            <a:avLst/>
-          </a:prstGeom>
-        </p:spPr>
-      </p:pic>
-      <p:pic>
-        <p:nvPicPr>
-          <p:cNvPr id="6" name="Picture 5"/>
-          <p:cNvPicPr>
-            <a:picLocks noChangeAspect="1"/>
-          </p:cNvPicPr>
-          <p:nvPr/>
-        </p:nvPicPr>
-        <p:blipFill>
-          <a:blip r:embed="rId4"/>
-          <a:stretch>
-            <a:fillRect/>
-          </a:stretch>
-        </p:blipFill>
-        <p:spPr>
-          <a:xfrm>
-            <a:off x="5615746" y="3429000"/>
-            <a:ext cx="2971800" cy="2743200"/>
+            <a:off x="2637956" y="4533900"/>
+            <a:ext cx="3492500" cy="2324100"/>
           </a:xfrm>
           <a:prstGeom prst="rect">
             <a:avLst/>
@@ -15772,7 +15844,7 @@
     </p:spTree>
     <p:extLst>
       <p:ext uri="{BB962C8B-B14F-4D97-AF65-F5344CB8AC3E}">
-        <p14:creationId xmlns:p14="http://schemas.microsoft.com/office/powerpoint/2010/main" val="3689348019"/>
+        <p14:creationId xmlns:p14="http://schemas.microsoft.com/office/powerpoint/2010/main" val="3232417257"/>
       </p:ext>
     </p:extLst>
   </p:cSld>
@@ -15809,70 +15881,167 @@
       </p:grpSpPr>
       <p:sp>
         <p:nvSpPr>
-          <p:cNvPr id="2" name="Text Placeholder 1"/>
+          <p:cNvPr id="293" name="Shape 293"/>
           <p:cNvSpPr>
             <a:spLocks noGrp="1"/>
           </p:cNvSpPr>
           <p:nvPr>
-            <p:ph type="body" sz="quarter" idx="13"/>
+            <p:ph type="body" idx="13"/>
           </p:nvPr>
         </p:nvSpPr>
-        <p:spPr/>
+        <p:spPr>
+          <a:prstGeom prst="rect">
+            <a:avLst/>
+          </a:prstGeom>
+        </p:spPr>
         <p:txBody>
           <a:bodyPr/>
           <a:lstStyle/>
           <a:p>
             <a:r>
               <a:rPr lang="en-US" dirty="0" smtClean="0"/>
-              <a:t>Intro to </a:t>
-            </a:r>
-            <a:r>
-              <a:rPr lang="en-US" dirty="0" err="1" smtClean="0"/>
-              <a:t>php</a:t>
-            </a:r>
-            <a:endParaRPr lang="en-US" dirty="0"/>
-          </a:p>
-        </p:txBody>
-      </p:sp>
-      <p:sp>
-        <p:nvSpPr>
-          <p:cNvPr id="3" name="Text Placeholder 2"/>
+              <a:t>Setting up your environment</a:t>
+            </a:r>
+            <a:endParaRPr dirty="0"/>
+          </a:p>
+        </p:txBody>
+      </p:sp>
+      <p:sp>
+        <p:nvSpPr>
+          <p:cNvPr id="294" name="Shape 294"/>
           <p:cNvSpPr>
             <a:spLocks noGrp="1"/>
           </p:cNvSpPr>
           <p:nvPr>
-            <p:ph type="body" sz="half" idx="14"/>
+            <p:ph type="title"/>
           </p:nvPr>
         </p:nvSpPr>
         <p:spPr>
-          <a:xfrm>
-            <a:off x="446485" y="1383527"/>
-            <a:ext cx="8251031" cy="3259289"/>
-          </a:xfrm>
+          <a:prstGeom prst="rect">
+            <a:avLst/>
+          </a:prstGeom>
         </p:spPr>
         <p:txBody>
           <a:bodyPr/>
           <a:lstStyle/>
           <a:p>
             <a:r>
-              <a:rPr lang="en-US" sz="8800" dirty="0" smtClean="0"/>
-              <a:t>Editing your landing page</a:t>
-            </a:r>
-            <a:endParaRPr lang="en-US" sz="8800" dirty="0"/>
-          </a:p>
-        </p:txBody>
-      </p:sp>
+              <a:rPr lang="en-US" dirty="0" smtClean="0"/>
+              <a:t>Checking final setup</a:t>
+            </a:r>
+            <a:endParaRPr dirty="0"/>
+          </a:p>
+        </p:txBody>
+      </p:sp>
+      <p:sp>
+        <p:nvSpPr>
+          <p:cNvPr id="295" name="Shape 295"/>
+          <p:cNvSpPr/>
+          <p:nvPr/>
+        </p:nvSpPr>
+        <p:spPr>
+          <a:xfrm>
+            <a:off x="462275" y="2051436"/>
+            <a:ext cx="8125271" cy="4177267"/>
+          </a:xfrm>
+          <a:prstGeom prst="rect">
+            <a:avLst/>
+          </a:prstGeom>
+          <a:ln w="12700"/>
+          <a:extLst>
+            <a:ext uri="{C572A759-6A51-4108-AA02-DFA0A04FC94B}">
+              <ma14:wrappingTextBoxFlag xmlns:ma14="http://schemas.microsoft.com/office/mac/drawingml/2011/main" val="1"/>
+            </a:ext>
+          </a:extLst>
+        </p:spPr>
+        <p:txBody>
+          <a:bodyPr lIns="0" tIns="0" rIns="0" bIns="0"/>
+          <a:lstStyle/>
+          <a:p>
+            <a:pPr marL="457200" indent="-457200" defTabSz="510244">
+              <a:spcBef>
+                <a:spcPts val="788"/>
+              </a:spcBef>
+              <a:buSzPct val="70000"/>
+              <a:buFont typeface="Arial"/>
+              <a:buChar char="•"/>
+              <a:defRPr sz="2800">
+                <a:solidFill>
+                  <a:srgbClr val="000000"/>
+                </a:solidFill>
+                <a:uFill>
+                  <a:solidFill>
+                    <a:srgbClr val="000000"/>
+                  </a:solidFill>
+                </a:uFill>
+              </a:defRPr>
+            </a:pPr>
+            <a:r>
+              <a:rPr lang="en-US" dirty="0" smtClean="0"/>
+              <a:t>If you see a page like this then you are doing well so far! </a:t>
+            </a:r>
+          </a:p>
+        </p:txBody>
+      </p:sp>
+      <p:pic>
+        <p:nvPicPr>
+          <p:cNvPr id="5" name="Picture 4"/>
+          <p:cNvPicPr>
+            <a:picLocks noChangeAspect="1"/>
+          </p:cNvPicPr>
+          <p:nvPr/>
+        </p:nvPicPr>
+        <p:blipFill>
+          <a:blip r:embed="rId3"/>
+          <a:stretch>
+            <a:fillRect/>
+          </a:stretch>
+        </p:blipFill>
+        <p:spPr>
+          <a:xfrm>
+            <a:off x="711200" y="3429000"/>
+            <a:ext cx="3860800" cy="2108200"/>
+          </a:xfrm>
+          <a:prstGeom prst="rect">
+            <a:avLst/>
+          </a:prstGeom>
+        </p:spPr>
+      </p:pic>
+      <p:pic>
+        <p:nvPicPr>
+          <p:cNvPr id="6" name="Picture 5"/>
+          <p:cNvPicPr>
+            <a:picLocks noChangeAspect="1"/>
+          </p:cNvPicPr>
+          <p:nvPr/>
+        </p:nvPicPr>
+        <p:blipFill>
+          <a:blip r:embed="rId4"/>
+          <a:stretch>
+            <a:fillRect/>
+          </a:stretch>
+        </p:blipFill>
+        <p:spPr>
+          <a:xfrm>
+            <a:off x="5615746" y="3429000"/>
+            <a:ext cx="2971800" cy="2743200"/>
+          </a:xfrm>
+          <a:prstGeom prst="rect">
+            <a:avLst/>
+          </a:prstGeom>
+        </p:spPr>
+      </p:pic>
     </p:spTree>
     <p:extLst>
       <p:ext uri="{BB962C8B-B14F-4D97-AF65-F5344CB8AC3E}">
-        <p14:creationId xmlns:p14="http://schemas.microsoft.com/office/powerpoint/2010/main" val="3348928368"/>
+        <p14:creationId xmlns:p14="http://schemas.microsoft.com/office/powerpoint/2010/main" val="3689348019"/>
       </p:ext>
     </p:extLst>
   </p:cSld>
   <p:clrMapOvr>
     <a:masterClrMapping/>
   </p:clrMapOvr>
-  <p:transition xmlns:p14="http://schemas.microsoft.com/office/powerpoint/2010/main" spd="med"/>
+  <p:transition xmlns:p14="http://schemas.microsoft.com/office/powerpoint/2010/main" spd="slow"/>
   <p:timing>
     <p:tnLst>
       <p:par>
@@ -15902,247 +16071,70 @@
       </p:grpSpPr>
       <p:sp>
         <p:nvSpPr>
-          <p:cNvPr id="293" name="Shape 293"/>
+          <p:cNvPr id="2" name="Text Placeholder 1"/>
           <p:cNvSpPr>
             <a:spLocks noGrp="1"/>
           </p:cNvSpPr>
           <p:nvPr>
-            <p:ph type="body" idx="13"/>
+            <p:ph type="body" sz="quarter" idx="13"/>
           </p:nvPr>
         </p:nvSpPr>
-        <p:spPr>
-          <a:prstGeom prst="rect">
-            <a:avLst/>
-          </a:prstGeom>
-        </p:spPr>
+        <p:spPr/>
         <p:txBody>
           <a:bodyPr/>
           <a:lstStyle/>
           <a:p>
             <a:r>
               <a:rPr lang="en-US" dirty="0" smtClean="0"/>
-              <a:t>Editing your landing page</a:t>
-            </a:r>
-            <a:endParaRPr dirty="0"/>
-          </a:p>
-        </p:txBody>
-      </p:sp>
-      <p:sp>
-        <p:nvSpPr>
-          <p:cNvPr id="294" name="Shape 294"/>
+              <a:t>Intro to </a:t>
+            </a:r>
+            <a:r>
+              <a:rPr lang="en-US" dirty="0" err="1" smtClean="0"/>
+              <a:t>php</a:t>
+            </a:r>
+            <a:endParaRPr lang="en-US" dirty="0"/>
+          </a:p>
+        </p:txBody>
+      </p:sp>
+      <p:sp>
+        <p:nvSpPr>
+          <p:cNvPr id="3" name="Text Placeholder 2"/>
           <p:cNvSpPr>
             <a:spLocks noGrp="1"/>
           </p:cNvSpPr>
           <p:nvPr>
-            <p:ph type="title"/>
+            <p:ph type="body" sz="half" idx="14"/>
           </p:nvPr>
         </p:nvSpPr>
         <p:spPr>
-          <a:prstGeom prst="rect">
-            <a:avLst/>
-          </a:prstGeom>
+          <a:xfrm>
+            <a:off x="446485" y="1383527"/>
+            <a:ext cx="8251031" cy="3259289"/>
+          </a:xfrm>
         </p:spPr>
         <p:txBody>
           <a:bodyPr/>
           <a:lstStyle/>
           <a:p>
             <a:r>
-              <a:rPr lang="en-US" dirty="0" smtClean="0"/>
-              <a:t>You have a webserver!</a:t>
-            </a:r>
-            <a:endParaRPr dirty="0"/>
-          </a:p>
-        </p:txBody>
-      </p:sp>
-      <p:sp>
-        <p:nvSpPr>
-          <p:cNvPr id="295" name="Shape 295"/>
-          <p:cNvSpPr/>
-          <p:nvPr/>
-        </p:nvSpPr>
-        <p:spPr>
-          <a:xfrm>
-            <a:off x="462275" y="2051436"/>
-            <a:ext cx="8125271" cy="4177267"/>
-          </a:xfrm>
-          <a:prstGeom prst="rect">
-            <a:avLst/>
-          </a:prstGeom>
-          <a:ln w="12700"/>
-          <a:extLst>
-            <a:ext uri="{C572A759-6A51-4108-AA02-DFA0A04FC94B}">
-              <ma14:wrappingTextBoxFlag xmlns:ma14="http://schemas.microsoft.com/office/mac/drawingml/2011/main" val="1"/>
-            </a:ext>
-          </a:extLst>
-        </p:spPr>
-        <p:txBody>
-          <a:bodyPr lIns="0" tIns="0" rIns="0" bIns="0"/>
-          <a:lstStyle/>
-          <a:p>
-            <a:pPr marL="457200" indent="-457200" defTabSz="510244">
-              <a:spcBef>
-                <a:spcPts val="788"/>
-              </a:spcBef>
-              <a:buSzPct val="70000"/>
-              <a:buFont typeface="Arial"/>
-              <a:buChar char="•"/>
-              <a:defRPr sz="2800">
-                <a:solidFill>
-                  <a:srgbClr val="000000"/>
-                </a:solidFill>
-                <a:uFill>
-                  <a:solidFill>
-                    <a:srgbClr val="000000"/>
-                  </a:solidFill>
-                </a:uFill>
-              </a:defRPr>
-            </a:pPr>
-            <a:r>
-              <a:rPr lang="en-US" dirty="0" smtClean="0"/>
-              <a:t>Keep in mind that this server is </a:t>
-            </a:r>
-            <a:r>
-              <a:rPr lang="en-US" b="1" i="1" dirty="0" smtClean="0"/>
-              <a:t>not actually attached to the </a:t>
-            </a:r>
-            <a:r>
-              <a:rPr lang="en-US" b="1" i="1" dirty="0" err="1" smtClean="0"/>
-              <a:t>interwebs</a:t>
-            </a:r>
-            <a:r>
-              <a:rPr lang="en-US" b="1" i="1" dirty="0" smtClean="0"/>
-              <a:t>!!</a:t>
-            </a:r>
-          </a:p>
-          <a:p>
-            <a:pPr marL="457200" indent="-457200" defTabSz="510244">
-              <a:spcBef>
-                <a:spcPts val="788"/>
-              </a:spcBef>
-              <a:buSzPct val="70000"/>
-              <a:buFont typeface="Arial"/>
-              <a:buChar char="•"/>
-              <a:defRPr sz="2800">
-                <a:solidFill>
-                  <a:srgbClr val="000000"/>
-                </a:solidFill>
-                <a:uFill>
-                  <a:solidFill>
-                    <a:srgbClr val="000000"/>
-                  </a:solidFill>
-                </a:uFill>
-              </a:defRPr>
-            </a:pPr>
-            <a:r>
-              <a:rPr lang="en-US" dirty="0" smtClean="0"/>
-              <a:t>No one else can see this page (unless you upload it). </a:t>
-            </a:r>
-          </a:p>
-          <a:p>
-            <a:pPr marL="457200" indent="-457200" defTabSz="510244">
-              <a:spcBef>
-                <a:spcPts val="788"/>
-              </a:spcBef>
-              <a:buSzPct val="70000"/>
-              <a:buFont typeface="Arial"/>
-              <a:buChar char="•"/>
-              <a:defRPr sz="2800">
-                <a:solidFill>
-                  <a:srgbClr val="000000"/>
-                </a:solidFill>
-                <a:uFill>
-                  <a:solidFill>
-                    <a:srgbClr val="000000"/>
-                  </a:solidFill>
-                </a:uFill>
-              </a:defRPr>
-            </a:pPr>
-            <a:r>
-              <a:rPr lang="en-US" dirty="0" smtClean="0"/>
-              <a:t>Basically you have a server</a:t>
-            </a:r>
-          </a:p>
-          <a:p>
-            <a:pPr defTabSz="510244">
-              <a:spcBef>
-                <a:spcPts val="788"/>
-              </a:spcBef>
-              <a:buSzPct val="70000"/>
-              <a:defRPr sz="2800">
-                <a:solidFill>
-                  <a:srgbClr val="000000"/>
-                </a:solidFill>
-                <a:uFill>
-                  <a:solidFill>
-                    <a:srgbClr val="000000"/>
-                  </a:solidFill>
-                </a:uFill>
-              </a:defRPr>
-            </a:pPr>
-            <a:r>
-              <a:rPr lang="en-US" dirty="0" smtClean="0"/>
-              <a:t>feeding directly into your web</a:t>
-            </a:r>
-          </a:p>
-          <a:p>
-            <a:pPr defTabSz="510244">
-              <a:spcBef>
-                <a:spcPts val="788"/>
-              </a:spcBef>
-              <a:buSzPct val="70000"/>
-              <a:defRPr sz="2800">
-                <a:solidFill>
-                  <a:srgbClr val="000000"/>
-                </a:solidFill>
-                <a:uFill>
-                  <a:solidFill>
-                    <a:srgbClr val="000000"/>
-                  </a:solidFill>
-                </a:uFill>
-              </a:defRPr>
-            </a:pPr>
-            <a:r>
-              <a:rPr lang="en-US" dirty="0" smtClean="0"/>
-              <a:t>browser.</a:t>
-            </a:r>
-          </a:p>
-        </p:txBody>
-      </p:sp>
-      <p:pic>
-        <p:nvPicPr>
-          <p:cNvPr id="2" name="Picture 1"/>
-          <p:cNvPicPr>
-            <a:picLocks noChangeAspect="1"/>
-          </p:cNvPicPr>
-          <p:nvPr/>
-        </p:nvPicPr>
-        <p:blipFill>
-          <a:blip r:embed="rId3"/>
-          <a:stretch>
-            <a:fillRect/>
-          </a:stretch>
-        </p:blipFill>
-        <p:spPr>
-          <a:xfrm>
-            <a:off x="5707540" y="3809790"/>
-            <a:ext cx="2129739" cy="2997410"/>
-          </a:xfrm>
-          <a:prstGeom prst="rect">
-            <a:avLst/>
-          </a:prstGeom>
-        </p:spPr>
-      </p:pic>
+              <a:rPr lang="en-US" sz="8800" dirty="0" smtClean="0"/>
+              <a:t>Editing your landing page</a:t>
+            </a:r>
+            <a:endParaRPr lang="en-US" sz="8800" dirty="0"/>
+          </a:p>
+        </p:txBody>
+      </p:sp>
     </p:spTree>
     <p:extLst>
       <p:ext uri="{BB962C8B-B14F-4D97-AF65-F5344CB8AC3E}">
-        <p14:creationId xmlns:p14="http://schemas.microsoft.com/office/powerpoint/2010/main" val="1875782657"/>
+        <p14:creationId xmlns:p14="http://schemas.microsoft.com/office/powerpoint/2010/main" val="3348928368"/>
       </p:ext>
     </p:extLst>
   </p:cSld>
   <p:clrMapOvr>
     <a:masterClrMapping/>
   </p:clrMapOvr>
-  <p:transition xmlns:p14="http://schemas.microsoft.com/office/powerpoint/2010/main" spd="slow"/>
+  <p:transition xmlns:p14="http://schemas.microsoft.com/office/powerpoint/2010/main" spd="med"/>
   <p:timing>
     <p:tnLst>
       <p:par>
@@ -16218,7 +16210,7 @@
           <a:p>
             <a:r>
               <a:rPr lang="en-US" dirty="0" smtClean="0"/>
-              <a:t>Navigate to your landing</a:t>
+              <a:t>You have a webserver!</a:t>
             </a:r>
             <a:endParaRPr dirty="0"/>
           </a:p>
@@ -16269,7 +16261,19 @@
             </a:pPr>
             <a:r>
               <a:rPr lang="en-US" dirty="0" smtClean="0"/>
-              <a:t>First thing to notice- web pages are actually DOCUMENTS</a:t>
+              <a:t>Keep in mind that this server is </a:t>
+            </a:r>
+            <a:r>
+              <a:rPr lang="en-US" b="1" i="1" dirty="0" smtClean="0"/>
+              <a:t>not actually attached to the </a:t>
+            </a:r>
+            <a:r>
+              <a:rPr lang="en-US" b="1" i="1" dirty="0" err="1" smtClean="0"/>
+              <a:t>interwebs</a:t>
+            </a:r>
+            <a:r>
+              <a:rPr lang="en-US" b="1" i="1" dirty="0" smtClean="0"/>
+              <a:t>!!</a:t>
             </a:r>
           </a:p>
           <a:p>
@@ -16293,15 +16297,7 @@
             </a:pPr>
             <a:r>
               <a:rPr lang="en-US" dirty="0" smtClean="0"/>
-              <a:t>These documents- in this stack, end with the ‘.</a:t>
-            </a:r>
-            <a:r>
-              <a:rPr lang="en-US" dirty="0" err="1" smtClean="0"/>
-              <a:t>php</a:t>
-            </a:r>
-            <a:r>
-              <a:rPr lang="en-US" dirty="0" smtClean="0"/>
-              <a:t>’ extension.</a:t>
+              <a:t>No one else can see this page (unless you upload it). </a:t>
             </a:r>
           </a:p>
           <a:p>
@@ -16325,22 +16321,58 @@
             </a:pPr>
             <a:r>
               <a:rPr lang="en-US" dirty="0" smtClean="0"/>
-              <a:t>Right now your web page “looks for” a document called “</a:t>
-            </a:r>
-            <a:r>
-              <a:rPr lang="en-US" dirty="0" err="1" smtClean="0"/>
-              <a:t>index.php</a:t>
-            </a:r>
+              <a:t>Basically you have a server</a:t>
+            </a:r>
+          </a:p>
+          <a:p>
+            <a:pPr defTabSz="510244">
+              <a:spcBef>
+                <a:spcPts val="788"/>
+              </a:spcBef>
+              <a:buSzPct val="70000"/>
+              <a:defRPr sz="2800">
+                <a:solidFill>
+                  <a:srgbClr val="000000"/>
+                </a:solidFill>
+                <a:uFill>
+                  <a:solidFill>
+                    <a:srgbClr val="000000"/>
+                  </a:solidFill>
+                </a:uFill>
+              </a:defRPr>
+            </a:pPr>
             <a:r>
               <a:rPr lang="en-US" dirty="0" smtClean="0"/>
-              <a:t>” and displays it. We’re going to short circuit that process.</a:t>
+              <a:t>feeding directly into your web</a:t>
+            </a:r>
+          </a:p>
+          <a:p>
+            <a:pPr defTabSz="510244">
+              <a:spcBef>
+                <a:spcPts val="788"/>
+              </a:spcBef>
+              <a:buSzPct val="70000"/>
+              <a:defRPr sz="2800">
+                <a:solidFill>
+                  <a:srgbClr val="000000"/>
+                </a:solidFill>
+                <a:uFill>
+                  <a:solidFill>
+                    <a:srgbClr val="000000"/>
+                  </a:solidFill>
+                </a:uFill>
+              </a:defRPr>
+            </a:pPr>
+            <a:r>
+              <a:rPr lang="en-US" dirty="0" smtClean="0"/>
+              <a:t>browser.</a:t>
             </a:r>
           </a:p>
         </p:txBody>
       </p:sp>
       <p:pic>
         <p:nvPicPr>
-          <p:cNvPr id="4" name="Picture 3"/>
+          <p:cNvPr id="2" name="Picture 1"/>
           <p:cNvPicPr>
             <a:picLocks noChangeAspect="1"/>
           </p:cNvPicPr>
@@ -16354,8 +16386,8 @@
         </p:blipFill>
         <p:spPr>
           <a:xfrm>
-            <a:off x="2387600" y="5230902"/>
-            <a:ext cx="4368800" cy="1627098"/>
+            <a:off x="5707540" y="3809790"/>
+            <a:ext cx="2129739" cy="2997410"/>
           </a:xfrm>
           <a:prstGeom prst="rect">
             <a:avLst/>
@@ -16365,7 +16397,7 @@
     </p:spTree>
     <p:extLst>
       <p:ext uri="{BB962C8B-B14F-4D97-AF65-F5344CB8AC3E}">
-        <p14:creationId xmlns:p14="http://schemas.microsoft.com/office/powerpoint/2010/main" val="2651891459"/>
+        <p14:creationId xmlns:p14="http://schemas.microsoft.com/office/powerpoint/2010/main" val="1875782657"/>
       </p:ext>
     </p:extLst>
   </p:cSld>
@@ -16662,7 +16694,7 @@
             </a:pPr>
             <a:r>
               <a:rPr lang="en-US" dirty="0" smtClean="0"/>
-              <a:t>Navigate to what is known as your “document root” </a:t>
+              <a:t>First thing to notice- web pages are actually DOCUMENTS</a:t>
             </a:r>
           </a:p>
           <a:p>
@@ -16686,37 +16718,16 @@
             </a:pPr>
             <a:r>
               <a:rPr lang="en-US" dirty="0" smtClean="0"/>
-              <a:t>For those of you using macs that is found in:</a:t>
-            </a:r>
-          </a:p>
-          <a:p>
-            <a:pPr marL="914258" lvl="1" indent="-457200" defTabSz="510244">
-              <a:spcBef>
-                <a:spcPts val="788"/>
-              </a:spcBef>
-              <a:buSzPct val="70000"/>
-              <a:buFont typeface="Arial"/>
-              <a:buChar char="•"/>
-              <a:defRPr sz="2800">
-                <a:solidFill>
-                  <a:srgbClr val="000000"/>
-                </a:solidFill>
-                <a:uFill>
-                  <a:solidFill>
-                    <a:srgbClr val="000000"/>
-                  </a:solidFill>
-                </a:uFill>
-              </a:defRPr>
-            </a:pPr>
-            <a:r>
-              <a:rPr lang="en-US" dirty="0"/>
-              <a:t>/Applications/MAMP/</a:t>
+              <a:t>These documents- in this stack, end with the ‘.</a:t>
             </a:r>
             <a:r>
               <a:rPr lang="en-US" dirty="0" err="1" smtClean="0"/>
-              <a:t>htdocs</a:t>
-            </a:r>
-            <a:endParaRPr lang="en-US" dirty="0" smtClean="0"/>
+              <a:t>php</a:t>
+            </a:r>
+            <a:r>
+              <a:rPr lang="en-US" dirty="0" smtClean="0"/>
+              <a:t>’ extension.</a:t>
+            </a:r>
           </a:p>
           <a:p>
             <a:pPr marL="457200" indent="-457200" defTabSz="510244">
@@ -16739,68 +16750,47 @@
             </a:pPr>
             <a:r>
               <a:rPr lang="en-US" dirty="0" smtClean="0"/>
-              <a:t>For windows:</a:t>
-            </a:r>
-          </a:p>
-          <a:p>
-            <a:pPr marL="914258" lvl="1" indent="-457200" defTabSz="510244">
-              <a:spcBef>
-                <a:spcPts val="788"/>
-              </a:spcBef>
-              <a:buSzPct val="70000"/>
-              <a:buFont typeface="Arial"/>
-              <a:buChar char="•"/>
-              <a:defRPr sz="2800">
-                <a:solidFill>
-                  <a:srgbClr val="000000"/>
-                </a:solidFill>
-                <a:uFill>
-                  <a:solidFill>
-                    <a:srgbClr val="000000"/>
-                  </a:solidFill>
-                </a:uFill>
-              </a:defRPr>
-            </a:pPr>
+              <a:t>Right now your web page “looks for” a document called “</a:t>
+            </a:r>
+            <a:r>
+              <a:rPr lang="en-US" dirty="0" err="1" smtClean="0"/>
+              <a:t>index.php</a:t>
+            </a:r>
             <a:r>
               <a:rPr lang="en-US" dirty="0" smtClean="0"/>
-              <a:t>C:\</a:t>
-            </a:r>
-            <a:r>
-              <a:rPr lang="en-US" dirty="0" err="1" smtClean="0"/>
-              <a:t>wamp</a:t>
-            </a:r>
-            <a:r>
-              <a:rPr lang="en-US" dirty="0" smtClean="0"/>
-              <a:t>\www</a:t>
-            </a:r>
-          </a:p>
-          <a:p>
-            <a:pPr marL="457200" indent="-457200" defTabSz="510244">
-              <a:spcBef>
-                <a:spcPts val="788"/>
-              </a:spcBef>
-              <a:buSzPct val="70000"/>
-              <a:buFont typeface="Arial"/>
-              <a:buChar char="•"/>
-              <a:defRPr sz="2800">
-                <a:solidFill>
-                  <a:srgbClr val="000000"/>
-                </a:solidFill>
-                <a:uFill>
-                  <a:solidFill>
-                    <a:srgbClr val="000000"/>
-                  </a:solidFill>
-                </a:uFill>
-              </a:defRPr>
-            </a:pPr>
-            <a:endParaRPr lang="en-US" dirty="0" smtClean="0"/>
-          </a:p>
-        </p:txBody>
-      </p:sp>
+              <a:t>” and displays it. We’re going to short circuit that process.</a:t>
+            </a:r>
+          </a:p>
+        </p:txBody>
+      </p:sp>
+      <p:pic>
+        <p:nvPicPr>
+          <p:cNvPr id="4" name="Picture 3"/>
+          <p:cNvPicPr>
+            <a:picLocks noChangeAspect="1"/>
+          </p:cNvPicPr>
+          <p:nvPr/>
+        </p:nvPicPr>
+        <p:blipFill>
+          <a:blip r:embed="rId3"/>
+          <a:stretch>
+            <a:fillRect/>
+          </a:stretch>
+        </p:blipFill>
+        <p:spPr>
+          <a:xfrm>
+            <a:off x="2387600" y="5230902"/>
+            <a:ext cx="4368800" cy="1627098"/>
+          </a:xfrm>
+          <a:prstGeom prst="rect">
+            <a:avLst/>
+          </a:prstGeom>
+        </p:spPr>
+      </p:pic>
     </p:spTree>
     <p:extLst>
       <p:ext uri="{BB962C8B-B14F-4D97-AF65-F5344CB8AC3E}">
-        <p14:creationId xmlns:p14="http://schemas.microsoft.com/office/powerpoint/2010/main" val="3193323123"/>
+        <p14:creationId xmlns:p14="http://schemas.microsoft.com/office/powerpoint/2010/main" val="2651891459"/>
       </p:ext>
     </p:extLst>
   </p:cSld>
@@ -16934,23 +16924,7 @@
             </a:pPr>
             <a:r>
               <a:rPr lang="en-US" dirty="0" smtClean="0"/>
-              <a:t>Once there you should see a file called “</a:t>
-            </a:r>
-            <a:r>
-              <a:rPr lang="en-US" dirty="0" err="1" smtClean="0"/>
-              <a:t>index.php</a:t>
-            </a:r>
-            <a:r>
-              <a:rPr lang="en-US" dirty="0" smtClean="0"/>
-              <a:t>”. I want you to change the name of that to “</a:t>
-            </a:r>
-            <a:r>
-              <a:rPr lang="en-US" dirty="0" err="1" smtClean="0"/>
-              <a:t>mainindex.php</a:t>
-            </a:r>
-            <a:r>
-              <a:rPr lang="en-US" dirty="0" smtClean="0"/>
-              <a:t>”</a:t>
+              <a:t>Navigate to what is known as your “document root” </a:t>
             </a:r>
           </a:p>
           <a:p>
@@ -16974,16 +16948,37 @@
             </a:pPr>
             <a:r>
               <a:rPr lang="en-US" dirty="0" smtClean="0"/>
-              <a:t>Now open up SUBLIME or TEXT EDITOR and call it “</a:t>
+              <a:t>For those of you using macs that is found in:</a:t>
+            </a:r>
+          </a:p>
+          <a:p>
+            <a:pPr marL="914258" lvl="1" indent="-457200" defTabSz="510244">
+              <a:spcBef>
+                <a:spcPts val="788"/>
+              </a:spcBef>
+              <a:buSzPct val="70000"/>
+              <a:buFont typeface="Arial"/>
+              <a:buChar char="•"/>
+              <a:defRPr sz="2800">
+                <a:solidFill>
+                  <a:srgbClr val="000000"/>
+                </a:solidFill>
+                <a:uFill>
+                  <a:solidFill>
+                    <a:srgbClr val="000000"/>
+                  </a:solidFill>
+                </a:uFill>
+              </a:defRPr>
+            </a:pPr>
+            <a:r>
+              <a:rPr lang="en-US" dirty="0"/>
+              <a:t>/Applications/MAMP/</a:t>
             </a:r>
             <a:r>
               <a:rPr lang="en-US" dirty="0" err="1" smtClean="0"/>
-              <a:t>index.php</a:t>
-            </a:r>
-            <a:r>
-              <a:rPr lang="en-US" dirty="0" smtClean="0"/>
-              <a:t>” and save it to the same place.</a:t>
-            </a:r>
+              <a:t>htdocs</a:t>
+            </a:r>
+            <a:endParaRPr lang="en-US" dirty="0" smtClean="0"/>
           </a:p>
           <a:p>
             <a:pPr marL="457200" indent="-457200" defTabSz="510244">
@@ -17006,7 +17001,39 @@
             </a:pPr>
             <a:r>
               <a:rPr lang="en-US" dirty="0" smtClean="0"/>
-              <a:t>We are ready to go! Put some html into your doc!</a:t>
+              <a:t>For windows:</a:t>
+            </a:r>
+          </a:p>
+          <a:p>
+            <a:pPr marL="914258" lvl="1" indent="-457200" defTabSz="510244">
+              <a:spcBef>
+                <a:spcPts val="788"/>
+              </a:spcBef>
+              <a:buSzPct val="70000"/>
+              <a:buFont typeface="Arial"/>
+              <a:buChar char="•"/>
+              <a:defRPr sz="2800">
+                <a:solidFill>
+                  <a:srgbClr val="000000"/>
+                </a:solidFill>
+                <a:uFill>
+                  <a:solidFill>
+                    <a:srgbClr val="000000"/>
+                  </a:solidFill>
+                </a:uFill>
+              </a:defRPr>
+            </a:pPr>
+            <a:r>
+              <a:rPr lang="en-US" dirty="0" smtClean="0"/>
+              <a:t>C:\</a:t>
+            </a:r>
+            <a:r>
+              <a:rPr lang="en-US" dirty="0" err="1" smtClean="0"/>
+              <a:t>wamp</a:t>
+            </a:r>
+            <a:r>
+              <a:rPr lang="en-US" dirty="0" smtClean="0"/>
+              <a:t>\www</a:t>
             </a:r>
           </a:p>
           <a:p>
@@ -17032,34 +17059,10 @@
           </a:p>
         </p:txBody>
       </p:sp>
-      <p:pic>
-        <p:nvPicPr>
-          <p:cNvPr id="2" name="Picture 1"/>
-          <p:cNvPicPr>
-            <a:picLocks noChangeAspect="1"/>
-          </p:cNvPicPr>
-          <p:nvPr/>
-        </p:nvPicPr>
-        <p:blipFill>
-          <a:blip r:embed="rId3"/>
-          <a:stretch>
-            <a:fillRect/>
-          </a:stretch>
-        </p:blipFill>
-        <p:spPr>
-          <a:xfrm>
-            <a:off x="2942158" y="4978400"/>
-            <a:ext cx="3048000" cy="1879600"/>
-          </a:xfrm>
-          <a:prstGeom prst="rect">
-            <a:avLst/>
-          </a:prstGeom>
-        </p:spPr>
-      </p:pic>
     </p:spTree>
     <p:extLst>
       <p:ext uri="{BB962C8B-B14F-4D97-AF65-F5344CB8AC3E}">
-        <p14:creationId xmlns:p14="http://schemas.microsoft.com/office/powerpoint/2010/main" val="3576607415"/>
+        <p14:creationId xmlns:p14="http://schemas.microsoft.com/office/powerpoint/2010/main" val="3193323123"/>
       </p:ext>
     </p:extLst>
   </p:cSld>
@@ -17096,78 +17099,236 @@
       </p:grpSpPr>
       <p:sp>
         <p:nvSpPr>
-          <p:cNvPr id="2" name="Text Placeholder 1"/>
+          <p:cNvPr id="293" name="Shape 293"/>
           <p:cNvSpPr>
             <a:spLocks noGrp="1"/>
           </p:cNvSpPr>
           <p:nvPr>
-            <p:ph type="body" sz="quarter" idx="13"/>
+            <p:ph type="body" idx="13"/>
           </p:nvPr>
         </p:nvSpPr>
-        <p:spPr/>
+        <p:spPr>
+          <a:prstGeom prst="rect">
+            <a:avLst/>
+          </a:prstGeom>
+        </p:spPr>
         <p:txBody>
           <a:bodyPr/>
           <a:lstStyle/>
           <a:p>
             <a:r>
               <a:rPr lang="en-US" dirty="0" smtClean="0"/>
-              <a:t>Intro to </a:t>
-            </a:r>
-            <a:r>
-              <a:rPr lang="en-US" dirty="0" err="1" smtClean="0"/>
-              <a:t>php</a:t>
-            </a:r>
-            <a:endParaRPr lang="en-US" dirty="0"/>
-          </a:p>
-        </p:txBody>
-      </p:sp>
-      <p:sp>
-        <p:nvSpPr>
-          <p:cNvPr id="3" name="Text Placeholder 2"/>
+              <a:t>Editing your landing page</a:t>
+            </a:r>
+            <a:endParaRPr dirty="0"/>
+          </a:p>
+        </p:txBody>
+      </p:sp>
+      <p:sp>
+        <p:nvSpPr>
+          <p:cNvPr id="294" name="Shape 294"/>
           <p:cNvSpPr>
             <a:spLocks noGrp="1"/>
           </p:cNvSpPr>
           <p:nvPr>
-            <p:ph type="body" sz="half" idx="14"/>
+            <p:ph type="title"/>
           </p:nvPr>
         </p:nvSpPr>
         <p:spPr>
-          <a:xfrm>
-            <a:off x="446485" y="1383527"/>
-            <a:ext cx="8251031" cy="3259289"/>
-          </a:xfrm>
+          <a:prstGeom prst="rect">
+            <a:avLst/>
+          </a:prstGeom>
         </p:spPr>
         <p:txBody>
           <a:bodyPr/>
           <a:lstStyle/>
           <a:p>
             <a:r>
-              <a:rPr lang="en-US" sz="8800" dirty="0" smtClean="0"/>
-              <a:t>Basic </a:t>
-            </a:r>
-            <a:r>
-              <a:rPr lang="en-US" sz="8800" dirty="0" err="1" smtClean="0"/>
-              <a:t>php</a:t>
-            </a:r>
-            <a:r>
-              <a:rPr lang="en-US" sz="8800" dirty="0" smtClean="0"/>
-              <a:t> stuff to know</a:t>
-            </a:r>
-            <a:endParaRPr lang="en-US" sz="8800" dirty="0"/>
-          </a:p>
-        </p:txBody>
-      </p:sp>
+              <a:rPr lang="en-US" dirty="0" smtClean="0"/>
+              <a:t>Navigate to your landing</a:t>
+            </a:r>
+            <a:endParaRPr dirty="0"/>
+          </a:p>
+        </p:txBody>
+      </p:sp>
+      <p:sp>
+        <p:nvSpPr>
+          <p:cNvPr id="295" name="Shape 295"/>
+          <p:cNvSpPr/>
+          <p:nvPr/>
+        </p:nvSpPr>
+        <p:spPr>
+          <a:xfrm>
+            <a:off x="462275" y="2051436"/>
+            <a:ext cx="8125271" cy="4177267"/>
+          </a:xfrm>
+          <a:prstGeom prst="rect">
+            <a:avLst/>
+          </a:prstGeom>
+          <a:ln w="12700"/>
+          <a:extLst>
+            <a:ext uri="{C572A759-6A51-4108-AA02-DFA0A04FC94B}">
+              <ma14:wrappingTextBoxFlag xmlns:ma14="http://schemas.microsoft.com/office/mac/drawingml/2011/main" val="1"/>
+            </a:ext>
+          </a:extLst>
+        </p:spPr>
+        <p:txBody>
+          <a:bodyPr lIns="0" tIns="0" rIns="0" bIns="0"/>
+          <a:lstStyle/>
+          <a:p>
+            <a:pPr marL="457200" indent="-457200" defTabSz="510244">
+              <a:spcBef>
+                <a:spcPts val="788"/>
+              </a:spcBef>
+              <a:buSzPct val="70000"/>
+              <a:buFont typeface="Arial"/>
+              <a:buChar char="•"/>
+              <a:defRPr sz="2800">
+                <a:solidFill>
+                  <a:srgbClr val="000000"/>
+                </a:solidFill>
+                <a:uFill>
+                  <a:solidFill>
+                    <a:srgbClr val="000000"/>
+                  </a:solidFill>
+                </a:uFill>
+              </a:defRPr>
+            </a:pPr>
+            <a:r>
+              <a:rPr lang="en-US" dirty="0" smtClean="0"/>
+              <a:t>Once there you should see a file called “</a:t>
+            </a:r>
+            <a:r>
+              <a:rPr lang="en-US" dirty="0" err="1" smtClean="0"/>
+              <a:t>index.php</a:t>
+            </a:r>
+            <a:r>
+              <a:rPr lang="en-US" dirty="0" smtClean="0"/>
+              <a:t>”. I want you to change the name of that to “</a:t>
+            </a:r>
+            <a:r>
+              <a:rPr lang="en-US" dirty="0" err="1" smtClean="0"/>
+              <a:t>mainindex.php</a:t>
+            </a:r>
+            <a:r>
+              <a:rPr lang="en-US" dirty="0" smtClean="0"/>
+              <a:t>”</a:t>
+            </a:r>
+          </a:p>
+          <a:p>
+            <a:pPr marL="457200" indent="-457200" defTabSz="510244">
+              <a:spcBef>
+                <a:spcPts val="788"/>
+              </a:spcBef>
+              <a:buSzPct val="70000"/>
+              <a:buFont typeface="Arial"/>
+              <a:buChar char="•"/>
+              <a:defRPr sz="2800">
+                <a:solidFill>
+                  <a:srgbClr val="000000"/>
+                </a:solidFill>
+                <a:uFill>
+                  <a:solidFill>
+                    <a:srgbClr val="000000"/>
+                  </a:solidFill>
+                </a:uFill>
+              </a:defRPr>
+            </a:pPr>
+            <a:r>
+              <a:rPr lang="en-US" dirty="0" smtClean="0"/>
+              <a:t>Now open up SUBLIME or TEXT EDITOR and call it “</a:t>
+            </a:r>
+            <a:r>
+              <a:rPr lang="en-US" dirty="0" err="1" smtClean="0"/>
+              <a:t>index.php</a:t>
+            </a:r>
+            <a:r>
+              <a:rPr lang="en-US" dirty="0" smtClean="0"/>
+              <a:t>” and save it to the same place.</a:t>
+            </a:r>
+          </a:p>
+          <a:p>
+            <a:pPr marL="457200" indent="-457200" defTabSz="510244">
+              <a:spcBef>
+                <a:spcPts val="788"/>
+              </a:spcBef>
+              <a:buSzPct val="70000"/>
+              <a:buFont typeface="Arial"/>
+              <a:buChar char="•"/>
+              <a:defRPr sz="2800">
+                <a:solidFill>
+                  <a:srgbClr val="000000"/>
+                </a:solidFill>
+                <a:uFill>
+                  <a:solidFill>
+                    <a:srgbClr val="000000"/>
+                  </a:solidFill>
+                </a:uFill>
+              </a:defRPr>
+            </a:pPr>
+            <a:r>
+              <a:rPr lang="en-US" dirty="0" smtClean="0"/>
+              <a:t>We are ready to go! Put some html into your doc!</a:t>
+            </a:r>
+          </a:p>
+          <a:p>
+            <a:pPr marL="457200" indent="-457200" defTabSz="510244">
+              <a:spcBef>
+                <a:spcPts val="788"/>
+              </a:spcBef>
+              <a:buSzPct val="70000"/>
+              <a:buFont typeface="Arial"/>
+              <a:buChar char="•"/>
+              <a:defRPr sz="2800">
+                <a:solidFill>
+                  <a:srgbClr val="000000"/>
+                </a:solidFill>
+                <a:uFill>
+                  <a:solidFill>
+                    <a:srgbClr val="000000"/>
+                  </a:solidFill>
+                </a:uFill>
+              </a:defRPr>
+            </a:pPr>
+            <a:endParaRPr lang="en-US" dirty="0" smtClean="0"/>
+          </a:p>
+        </p:txBody>
+      </p:sp>
+      <p:pic>
+        <p:nvPicPr>
+          <p:cNvPr id="2" name="Picture 1"/>
+          <p:cNvPicPr>
+            <a:picLocks noChangeAspect="1"/>
+          </p:cNvPicPr>
+          <p:nvPr/>
+        </p:nvPicPr>
+        <p:blipFill>
+          <a:blip r:embed="rId3"/>
+          <a:stretch>
+            <a:fillRect/>
+          </a:stretch>
+        </p:blipFill>
+        <p:spPr>
+          <a:xfrm>
+            <a:off x="2942158" y="4978400"/>
+            <a:ext cx="3048000" cy="1879600"/>
+          </a:xfrm>
+          <a:prstGeom prst="rect">
+            <a:avLst/>
+          </a:prstGeom>
+        </p:spPr>
+      </p:pic>
     </p:spTree>
     <p:extLst>
       <p:ext uri="{BB962C8B-B14F-4D97-AF65-F5344CB8AC3E}">
-        <p14:creationId xmlns:p14="http://schemas.microsoft.com/office/powerpoint/2010/main" val="1548944765"/>
+        <p14:creationId xmlns:p14="http://schemas.microsoft.com/office/powerpoint/2010/main" val="3576607415"/>
       </p:ext>
     </p:extLst>
   </p:cSld>
   <p:clrMapOvr>
     <a:masterClrMapping/>
   </p:clrMapOvr>
-  <p:transition xmlns:p14="http://schemas.microsoft.com/office/powerpoint/2010/main" spd="med"/>
+  <p:transition xmlns:p14="http://schemas.microsoft.com/office/powerpoint/2010/main" spd="slow"/>
   <p:timing>
     <p:tnLst>
       <p:par>
@@ -17197,263 +17358,78 @@
       </p:grpSpPr>
       <p:sp>
         <p:nvSpPr>
-          <p:cNvPr id="293" name="Shape 293"/>
+          <p:cNvPr id="2" name="Text Placeholder 1"/>
           <p:cNvSpPr>
             <a:spLocks noGrp="1"/>
           </p:cNvSpPr>
           <p:nvPr>
-            <p:ph type="body" idx="13"/>
+            <p:ph type="body" sz="quarter" idx="13"/>
           </p:nvPr>
         </p:nvSpPr>
-        <p:spPr>
-          <a:prstGeom prst="rect">
-            <a:avLst/>
-          </a:prstGeom>
-        </p:spPr>
+        <p:spPr/>
         <p:txBody>
           <a:bodyPr/>
           <a:lstStyle/>
           <a:p>
             <a:r>
               <a:rPr lang="en-US" dirty="0" smtClean="0"/>
-              <a:t>Basic </a:t>
+              <a:t>Intro to </a:t>
             </a:r>
             <a:r>
               <a:rPr lang="en-US" dirty="0" err="1" smtClean="0"/>
               <a:t>php</a:t>
             </a:r>
-            <a:r>
-              <a:rPr lang="en-US" dirty="0" smtClean="0"/>
-              <a:t> stuff</a:t>
-            </a:r>
-            <a:endParaRPr dirty="0"/>
-          </a:p>
-        </p:txBody>
-      </p:sp>
-      <p:sp>
-        <p:nvSpPr>
-          <p:cNvPr id="294" name="Shape 294"/>
+            <a:endParaRPr lang="en-US" dirty="0"/>
+          </a:p>
+        </p:txBody>
+      </p:sp>
+      <p:sp>
+        <p:nvSpPr>
+          <p:cNvPr id="3" name="Text Placeholder 2"/>
           <p:cNvSpPr>
             <a:spLocks noGrp="1"/>
           </p:cNvSpPr>
           <p:nvPr>
-            <p:ph type="title"/>
+            <p:ph type="body" sz="half" idx="14"/>
           </p:nvPr>
         </p:nvSpPr>
         <p:spPr>
-          <a:prstGeom prst="rect">
-            <a:avLst/>
-          </a:prstGeom>
+          <a:xfrm>
+            <a:off x="446485" y="1383527"/>
+            <a:ext cx="8251031" cy="3259289"/>
+          </a:xfrm>
         </p:spPr>
         <p:txBody>
           <a:bodyPr/>
           <a:lstStyle/>
           <a:p>
             <a:r>
-              <a:rPr lang="en-US" dirty="0" smtClean="0"/>
-              <a:t>structures</a:t>
-            </a:r>
-            <a:endParaRPr dirty="0"/>
-          </a:p>
-        </p:txBody>
-      </p:sp>
-      <p:sp>
-        <p:nvSpPr>
-          <p:cNvPr id="295" name="Shape 295"/>
-          <p:cNvSpPr/>
-          <p:nvPr/>
-        </p:nvSpPr>
-        <p:spPr>
-          <a:xfrm>
-            <a:off x="462275" y="2051436"/>
-            <a:ext cx="8125271" cy="4177267"/>
-          </a:xfrm>
-          <a:prstGeom prst="rect">
-            <a:avLst/>
-          </a:prstGeom>
-          <a:ln w="12700"/>
-          <a:extLst>
-            <a:ext uri="{C572A759-6A51-4108-AA02-DFA0A04FC94B}">
-              <ma14:wrappingTextBoxFlag xmlns:ma14="http://schemas.microsoft.com/office/mac/drawingml/2011/main" val="1"/>
-            </a:ext>
-          </a:extLst>
-        </p:spPr>
-        <p:txBody>
-          <a:bodyPr lIns="0" tIns="0" rIns="0" bIns="0"/>
-          <a:lstStyle/>
-          <a:p>
-            <a:pPr marL="457200" indent="-457200" defTabSz="510244">
-              <a:spcBef>
-                <a:spcPts val="788"/>
-              </a:spcBef>
-              <a:buSzPct val="70000"/>
-              <a:buFont typeface="Arial"/>
-              <a:buChar char="•"/>
-              <a:defRPr sz="2800">
-                <a:solidFill>
-                  <a:srgbClr val="000000"/>
-                </a:solidFill>
-                <a:uFill>
-                  <a:solidFill>
-                    <a:srgbClr val="000000"/>
-                  </a:solidFill>
-                </a:uFill>
-              </a:defRPr>
-            </a:pPr>
-            <a:r>
-              <a:rPr lang="en-US" dirty="0" smtClean="0"/>
-              <a:t>Before we start writing </a:t>
-            </a:r>
-            <a:r>
-              <a:rPr lang="en-US" dirty="0" err="1" smtClean="0"/>
+              <a:rPr lang="en-US" sz="8800" dirty="0" smtClean="0"/>
+              <a:t>Basic </a:t>
+            </a:r>
+            <a:r>
+              <a:rPr lang="en-US" sz="8800" dirty="0" err="1" smtClean="0"/>
               <a:t>php</a:t>
             </a:r>
             <a:r>
-              <a:rPr lang="en-US" dirty="0" smtClean="0"/>
-              <a:t> we must tell the server that we are planning on writing some </a:t>
-            </a:r>
-            <a:r>
-              <a:rPr lang="en-US" dirty="0" err="1" smtClean="0"/>
-              <a:t>php</a:t>
-            </a:r>
-            <a:r>
-              <a:rPr lang="en-US" dirty="0" smtClean="0"/>
-              <a:t> here- so utilize this symbol to start:</a:t>
-            </a:r>
-          </a:p>
-          <a:p>
-            <a:pPr marL="914258" lvl="1" indent="-457200" defTabSz="510244">
-              <a:spcBef>
-                <a:spcPts val="788"/>
-              </a:spcBef>
-              <a:buSzPct val="70000"/>
-              <a:buFont typeface="Arial"/>
-              <a:buChar char="•"/>
-              <a:defRPr sz="2800">
-                <a:solidFill>
-                  <a:srgbClr val="000000"/>
-                </a:solidFill>
-                <a:uFill>
-                  <a:solidFill>
-                    <a:srgbClr val="000000"/>
-                  </a:solidFill>
-                </a:uFill>
-              </a:defRPr>
-            </a:pPr>
-            <a:r>
-              <a:rPr lang="en-US" dirty="0" smtClean="0"/>
-              <a:t>&lt;?</a:t>
-            </a:r>
-            <a:r>
-              <a:rPr lang="en-US" dirty="0" err="1" smtClean="0"/>
-              <a:t>php</a:t>
-            </a:r>
-            <a:endParaRPr lang="en-US" dirty="0" smtClean="0"/>
-          </a:p>
-          <a:p>
-            <a:pPr marL="457200" indent="-457200" defTabSz="510244">
-              <a:spcBef>
-                <a:spcPts val="788"/>
-              </a:spcBef>
-              <a:buSzPct val="70000"/>
-              <a:buFont typeface="Arial"/>
-              <a:buChar char="•"/>
-              <a:defRPr sz="2800">
-                <a:solidFill>
-                  <a:srgbClr val="000000"/>
-                </a:solidFill>
-                <a:uFill>
-                  <a:solidFill>
-                    <a:srgbClr val="000000"/>
-                  </a:solidFill>
-                </a:uFill>
-              </a:defRPr>
-            </a:pPr>
-            <a:r>
-              <a:rPr lang="en-US" dirty="0" smtClean="0"/>
-              <a:t>…and when we’re done we denote that with:</a:t>
-            </a:r>
-          </a:p>
-          <a:p>
-            <a:pPr marL="914258" lvl="1" indent="-457200" defTabSz="510244">
-              <a:spcBef>
-                <a:spcPts val="788"/>
-              </a:spcBef>
-              <a:buSzPct val="70000"/>
-              <a:buFont typeface="Arial"/>
-              <a:buChar char="•"/>
-              <a:defRPr sz="2800">
-                <a:solidFill>
-                  <a:srgbClr val="000000"/>
-                </a:solidFill>
-                <a:uFill>
-                  <a:solidFill>
-                    <a:srgbClr val="000000"/>
-                  </a:solidFill>
-                </a:uFill>
-              </a:defRPr>
-            </a:pPr>
-            <a:r>
-              <a:rPr lang="en-US" dirty="0" smtClean="0"/>
-              <a:t>?&gt;</a:t>
-            </a:r>
-          </a:p>
-          <a:p>
-            <a:pPr defTabSz="510244">
-              <a:spcBef>
-                <a:spcPts val="788"/>
-              </a:spcBef>
-              <a:buSzPct val="70000"/>
-              <a:defRPr sz="2800">
-                <a:solidFill>
-                  <a:srgbClr val="000000"/>
-                </a:solidFill>
-                <a:uFill>
-                  <a:solidFill>
-                    <a:srgbClr val="000000"/>
-                  </a:solidFill>
-                </a:uFill>
-              </a:defRPr>
-            </a:pPr>
-            <a:endParaRPr lang="en-US" dirty="0" smtClean="0"/>
-          </a:p>
-        </p:txBody>
-      </p:sp>
-      <p:pic>
-        <p:nvPicPr>
-          <p:cNvPr id="5" name="Picture 4"/>
-          <p:cNvPicPr>
-            <a:picLocks noChangeAspect="1"/>
-          </p:cNvPicPr>
-          <p:nvPr/>
-        </p:nvPicPr>
-        <p:blipFill>
-          <a:blip r:embed="rId3"/>
-          <a:stretch>
-            <a:fillRect/>
-          </a:stretch>
-        </p:blipFill>
-        <p:spPr>
-          <a:xfrm>
-            <a:off x="2484834" y="4457700"/>
-            <a:ext cx="3390900" cy="2400300"/>
-          </a:xfrm>
-          <a:prstGeom prst="rect">
-            <a:avLst/>
-          </a:prstGeom>
-        </p:spPr>
-      </p:pic>
+              <a:rPr lang="en-US" sz="8800" dirty="0" smtClean="0"/>
+              <a:t> stuff to know</a:t>
+            </a:r>
+            <a:endParaRPr lang="en-US" sz="8800" dirty="0"/>
+          </a:p>
+        </p:txBody>
+      </p:sp>
     </p:spTree>
     <p:extLst>
       <p:ext uri="{BB962C8B-B14F-4D97-AF65-F5344CB8AC3E}">
-        <p14:creationId xmlns:p14="http://schemas.microsoft.com/office/powerpoint/2010/main" val="4096185477"/>
+        <p14:creationId xmlns:p14="http://schemas.microsoft.com/office/powerpoint/2010/main" val="1548944765"/>
       </p:ext>
     </p:extLst>
   </p:cSld>
   <p:clrMapOvr>
     <a:masterClrMapping/>
   </p:clrMapOvr>
-  <p:transition xmlns:p14="http://schemas.microsoft.com/office/powerpoint/2010/main" spd="slow"/>
+  <p:transition xmlns:p14="http://schemas.microsoft.com/office/powerpoint/2010/main" spd="med"/>
   <p:timing>
     <p:tnLst>
       <p:par>
@@ -17508,7 +17484,11 @@
               <a:rPr lang="en-US" dirty="0" err="1" smtClean="0"/>
               <a:t>php</a:t>
             </a:r>
-            <a:endParaRPr lang="en-US" dirty="0"/>
+            <a:r>
+              <a:rPr lang="en-US" dirty="0" smtClean="0"/>
+              <a:t> stuff</a:t>
+            </a:r>
+            <a:endParaRPr dirty="0"/>
           </a:p>
         </p:txBody>
       </p:sp>
@@ -17533,7 +17513,7 @@
           <a:p>
             <a:r>
               <a:rPr lang="en-US" dirty="0" smtClean="0"/>
-              <a:t>variables</a:t>
+              <a:t>structures</a:t>
             </a:r>
             <a:endParaRPr dirty="0"/>
           </a:p>
@@ -17584,8 +17564,53 @@
             </a:pPr>
             <a:r>
               <a:rPr lang="en-US" dirty="0" smtClean="0"/>
-              <a:t>PHP uses variables to hold data</a:t>
-            </a:r>
+              <a:t>Before we start writing </a:t>
+            </a:r>
+            <a:r>
+              <a:rPr lang="en-US" dirty="0" err="1" smtClean="0"/>
+              <a:t>php</a:t>
+            </a:r>
+            <a:r>
+              <a:rPr lang="en-US" dirty="0" smtClean="0"/>
+              <a:t> we must tell the server that we are planning on writing some </a:t>
+            </a:r>
+            <a:r>
+              <a:rPr lang="en-US" dirty="0" err="1" smtClean="0"/>
+              <a:t>php</a:t>
+            </a:r>
+            <a:r>
+              <a:rPr lang="en-US" dirty="0" smtClean="0"/>
+              <a:t> here- so utilize this symbol to start:</a:t>
+            </a:r>
+          </a:p>
+          <a:p>
+            <a:pPr marL="914258" lvl="1" indent="-457200" defTabSz="510244">
+              <a:spcBef>
+                <a:spcPts val="788"/>
+              </a:spcBef>
+              <a:buSzPct val="70000"/>
+              <a:buFont typeface="Arial"/>
+              <a:buChar char="•"/>
+              <a:defRPr sz="2800">
+                <a:solidFill>
+                  <a:srgbClr val="000000"/>
+                </a:solidFill>
+                <a:uFill>
+                  <a:solidFill>
+                    <a:srgbClr val="000000"/>
+                  </a:solidFill>
+                </a:uFill>
+              </a:defRPr>
+            </a:pPr>
+            <a:r>
+              <a:rPr lang="en-US" dirty="0" smtClean="0"/>
+              <a:t>&lt;?</a:t>
+            </a:r>
+            <a:r>
+              <a:rPr lang="en-US" dirty="0" err="1" smtClean="0"/>
+              <a:t>php</a:t>
+            </a:r>
+            <a:endParaRPr lang="en-US" dirty="0" smtClean="0"/>
           </a:p>
           <a:p>
             <a:pPr marL="457200" indent="-457200" defTabSz="510244">
@@ -17608,7 +17633,7 @@
             </a:pPr>
             <a:r>
               <a:rPr lang="en-US" dirty="0" smtClean="0"/>
-              <a:t>A variable is denoted with the “$” symbol before it and can hole one thing (for example):</a:t>
+              <a:t>…and when we’re done we denote that with:</a:t>
             </a:r>
           </a:p>
           <a:p>
@@ -17632,71 +17657,7 @@
             </a:pPr>
             <a:r>
               <a:rPr lang="en-US" dirty="0" smtClean="0"/>
-              <a:t>$name = ‘Fern’;</a:t>
-            </a:r>
-          </a:p>
-          <a:p>
-            <a:pPr marL="457200" indent="-457200" defTabSz="510244">
-              <a:spcBef>
-                <a:spcPts val="788"/>
-              </a:spcBef>
-              <a:buSzPct val="70000"/>
-              <a:buFont typeface="Arial"/>
-              <a:buChar char="•"/>
-              <a:defRPr sz="2800">
-                <a:solidFill>
-                  <a:srgbClr val="000000"/>
-                </a:solidFill>
-                <a:uFill>
-                  <a:solidFill>
-                    <a:srgbClr val="000000"/>
-                  </a:solidFill>
-                </a:uFill>
-              </a:defRPr>
-            </a:pPr>
-            <a:r>
-              <a:rPr lang="en-US" dirty="0" smtClean="0"/>
-              <a:t>It can also hold many things in a data structure known as an </a:t>
-            </a:r>
-            <a:r>
-              <a:rPr lang="en-US" b="1" i="1" dirty="0" smtClean="0"/>
-              <a:t>array</a:t>
-            </a:r>
-            <a:r>
-              <a:rPr lang="en-US" i="1" dirty="0" smtClean="0"/>
-              <a:t>:</a:t>
-            </a:r>
-          </a:p>
-          <a:p>
-            <a:pPr marL="914258" lvl="1" indent="-457200" defTabSz="510244">
-              <a:spcBef>
-                <a:spcPts val="788"/>
-              </a:spcBef>
-              <a:buSzPct val="70000"/>
-              <a:buFont typeface="Arial"/>
-              <a:buChar char="•"/>
-              <a:defRPr sz="2800">
-                <a:solidFill>
-                  <a:srgbClr val="000000"/>
-                </a:solidFill>
-                <a:uFill>
-                  <a:solidFill>
-                    <a:srgbClr val="000000"/>
-                  </a:solidFill>
-                </a:uFill>
-              </a:defRPr>
-            </a:pPr>
-            <a:r>
-              <a:rPr lang="en-US" dirty="0" smtClean="0"/>
-              <a:t>$names = [ ‘Fern’, ‘</a:t>
-            </a:r>
-            <a:r>
-              <a:rPr lang="en-US" dirty="0" err="1" smtClean="0"/>
-              <a:t>Wookie</a:t>
-            </a:r>
-            <a:r>
-              <a:rPr lang="en-US" dirty="0" smtClean="0"/>
-              <a:t>’, ‘Vicki’];</a:t>
+              <a:t>?&gt;</a:t>
             </a:r>
           </a:p>
           <a:p>
@@ -17720,10 +17681,34 @@
           </a:p>
         </p:txBody>
       </p:sp>
+      <p:pic>
+        <p:nvPicPr>
+          <p:cNvPr id="5" name="Picture 4"/>
+          <p:cNvPicPr>
+            <a:picLocks noChangeAspect="1"/>
+          </p:cNvPicPr>
+          <p:nvPr/>
+        </p:nvPicPr>
+        <p:blipFill>
+          <a:blip r:embed="rId3"/>
+          <a:stretch>
+            <a:fillRect/>
+          </a:stretch>
+        </p:blipFill>
+        <p:spPr>
+          <a:xfrm>
+            <a:off x="2484834" y="4457700"/>
+            <a:ext cx="3390900" cy="2400300"/>
+          </a:xfrm>
+          <a:prstGeom prst="rect">
+            <a:avLst/>
+          </a:prstGeom>
+        </p:spPr>
+      </p:pic>
     </p:spTree>
     <p:extLst>
       <p:ext uri="{BB962C8B-B14F-4D97-AF65-F5344CB8AC3E}">
-        <p14:creationId xmlns:p14="http://schemas.microsoft.com/office/powerpoint/2010/main" val="3998588636"/>
+        <p14:creationId xmlns:p14="http://schemas.microsoft.com/office/powerpoint/2010/main" val="4096185477"/>
       </p:ext>
     </p:extLst>
   </p:cSld>
@@ -17785,11 +17770,7 @@
               <a:rPr lang="en-US" dirty="0" err="1" smtClean="0"/>
               <a:t>php</a:t>
             </a:r>
-            <a:r>
-              <a:rPr lang="en-US" dirty="0" smtClean="0"/>
-              <a:t> stuff to know</a:t>
-            </a:r>
-            <a:endParaRPr dirty="0"/>
+            <a:endParaRPr lang="en-US" dirty="0"/>
           </a:p>
         </p:txBody>
       </p:sp>
@@ -17813,12 +17794,8 @@
           <a:lstStyle/>
           <a:p>
             <a:r>
-              <a:rPr lang="en-US" dirty="0" err="1" smtClean="0"/>
-              <a:t>Php</a:t>
-            </a:r>
-            <a:r>
               <a:rPr lang="en-US" dirty="0" smtClean="0"/>
-              <a:t> is not strongly typed</a:t>
+              <a:t>variables</a:t>
             </a:r>
             <a:endParaRPr dirty="0"/>
           </a:p>
@@ -17869,7 +17846,31 @@
             </a:pPr>
             <a:r>
               <a:rPr lang="en-US" dirty="0" smtClean="0"/>
-              <a:t>So you see all that line stuff we’re doing? That looks like: </a:t>
+              <a:t>PHP uses variables to hold data</a:t>
+            </a:r>
+          </a:p>
+          <a:p>
+            <a:pPr marL="457200" indent="-457200" defTabSz="510244">
+              <a:spcBef>
+                <a:spcPts val="788"/>
+              </a:spcBef>
+              <a:buSzPct val="70000"/>
+              <a:buFont typeface="Arial"/>
+              <a:buChar char="•"/>
+              <a:defRPr sz="2800">
+                <a:solidFill>
+                  <a:srgbClr val="000000"/>
+                </a:solidFill>
+                <a:uFill>
+                  <a:solidFill>
+                    <a:srgbClr val="000000"/>
+                  </a:solidFill>
+                </a:uFill>
+              </a:defRPr>
+            </a:pPr>
+            <a:r>
+              <a:rPr lang="en-US" dirty="0" smtClean="0"/>
+              <a:t>A variable is denoted with the “$” symbol before it and can hole one thing (for example):</a:t>
             </a:r>
           </a:p>
           <a:p>
@@ -17893,15 +17894,17 @@
             </a:pPr>
             <a:r>
               <a:rPr lang="en-US" dirty="0" smtClean="0"/>
-              <a:t>This {</a:t>
-            </a:r>
-          </a:p>
-          <a:p>
-            <a:pPr lvl="2" defTabSz="510244">
+              <a:t>$name = ‘Fern’;</a:t>
+            </a:r>
+          </a:p>
+          <a:p>
+            <a:pPr marL="457200" indent="-457200" defTabSz="510244">
               <a:spcBef>
                 <a:spcPts val="788"/>
               </a:spcBef>
               <a:buSzPct val="70000"/>
+              <a:buFont typeface="Arial"/>
+              <a:buChar char="•"/>
               <a:defRPr sz="2800">
                 <a:solidFill>
                   <a:srgbClr val="000000"/>
@@ -17915,15 +17918,25 @@
             </a:pPr>
             <a:r>
               <a:rPr lang="en-US" dirty="0" smtClean="0"/>
-              <a:t>			Is</a:t>
-            </a:r>
-          </a:p>
-          <a:p>
-            <a:pPr lvl="2" defTabSz="510244">
+              <a:t>It can also hold many things in a data structure known as an </a:t>
+            </a:r>
+            <a:r>
+              <a:rPr lang="en-US" b="1" i="1" dirty="0" smtClean="0"/>
+              <a:t>array</a:t>
+            </a:r>
+            <a:r>
+              <a:rPr lang="en-US" i="1" dirty="0" smtClean="0"/>
+              <a:t>:</a:t>
+            </a:r>
+          </a:p>
+          <a:p>
+            <a:pPr marL="914258" lvl="1" indent="-457200" defTabSz="510244">
               <a:spcBef>
                 <a:spcPts val="788"/>
               </a:spcBef>
               <a:buSzPct val="70000"/>
+              <a:buFont typeface="Arial"/>
+              <a:buChar char="•"/>
               <a:defRPr sz="2800">
                 <a:solidFill>
                   <a:srgbClr val="000000"/>
@@ -17936,16 +17949,20 @@
               </a:defRPr>
             </a:pPr>
             <a:r>
-              <a:rPr lang="en-US" dirty="0"/>
-              <a:t>	</a:t>
-            </a:r>
-            <a:r>
               <a:rPr lang="en-US" dirty="0" smtClean="0"/>
-              <a:t>			my</a:t>
-            </a:r>
-          </a:p>
-          <a:p>
-            <a:pPr lvl="2" defTabSz="510244">
+              <a:t>$names = [ ‘Fern’, ‘</a:t>
+            </a:r>
+            <a:r>
+              <a:rPr lang="en-US" dirty="0" err="1" smtClean="0"/>
+              <a:t>Wookie</a:t>
+            </a:r>
+            <a:r>
+              <a:rPr lang="en-US" dirty="0" smtClean="0"/>
+              <a:t>’, ‘Vicki’];</a:t>
+            </a:r>
+          </a:p>
+          <a:p>
+            <a:pPr defTabSz="510244">
               <a:spcBef>
                 <a:spcPts val="788"/>
               </a:spcBef>
@@ -17961,89 +17978,14 @@
                 </a:uFill>
               </a:defRPr>
             </a:pPr>
-            <a:r>
-              <a:rPr lang="en-US" dirty="0"/>
-              <a:t>	</a:t>
-            </a:r>
-            <a:r>
-              <a:rPr lang="en-US" dirty="0" smtClean="0"/>
-              <a:t>		code</a:t>
-            </a:r>
-          </a:p>
-          <a:p>
-            <a:pPr lvl="2" defTabSz="510244">
-              <a:spcBef>
-                <a:spcPts val="788"/>
-              </a:spcBef>
-              <a:buSzPct val="70000"/>
-              <a:defRPr sz="2800">
-                <a:solidFill>
-                  <a:srgbClr val="000000"/>
-                </a:solidFill>
-                <a:uFill>
-                  <a:solidFill>
-                    <a:srgbClr val="000000"/>
-                  </a:solidFill>
-                </a:uFill>
-              </a:defRPr>
-            </a:pPr>
-            <a:r>
-              <a:rPr lang="en-US" dirty="0" smtClean="0"/>
-              <a:t>}</a:t>
-            </a:r>
-          </a:p>
-          <a:p>
-            <a:pPr lvl="2" defTabSz="510244">
-              <a:spcBef>
-                <a:spcPts val="788"/>
-              </a:spcBef>
-              <a:buSzPct val="70000"/>
-              <a:defRPr sz="2800">
-                <a:solidFill>
-                  <a:srgbClr val="000000"/>
-                </a:solidFill>
-                <a:uFill>
-                  <a:solidFill>
-                    <a:srgbClr val="000000"/>
-                  </a:solidFill>
-                </a:uFill>
-              </a:defRPr>
-            </a:pPr>
-            <a:r>
-              <a:rPr lang="en-US" b="1" i="1" dirty="0" smtClean="0"/>
-              <a:t>Totally not actually necessary</a:t>
-            </a:r>
-          </a:p>
-        </p:txBody>
-      </p:sp>
-      <p:pic>
-        <p:nvPicPr>
-          <p:cNvPr id="3" name="Picture 2"/>
-          <p:cNvPicPr>
-            <a:picLocks noChangeAspect="1"/>
-          </p:cNvPicPr>
-          <p:nvPr/>
-        </p:nvPicPr>
-        <p:blipFill>
-          <a:blip r:embed="rId3"/>
-          <a:stretch>
-            <a:fillRect/>
-          </a:stretch>
-        </p:blipFill>
-        <p:spPr>
-          <a:xfrm>
-            <a:off x="4572000" y="3248730"/>
-            <a:ext cx="3632200" cy="2235200"/>
-          </a:xfrm>
-          <a:prstGeom prst="rect">
-            <a:avLst/>
-          </a:prstGeom>
-        </p:spPr>
-      </p:pic>
+            <a:endParaRPr lang="en-US" dirty="0" smtClean="0"/>
+          </a:p>
+        </p:txBody>
+      </p:sp>
     </p:spTree>
     <p:extLst>
       <p:ext uri="{BB962C8B-B14F-4D97-AF65-F5344CB8AC3E}">
-        <p14:creationId xmlns:p14="http://schemas.microsoft.com/office/powerpoint/2010/main" val="4085111735"/>
+        <p14:creationId xmlns:p14="http://schemas.microsoft.com/office/powerpoint/2010/main" val="3998588636"/>
       </p:ext>
     </p:extLst>
   </p:cSld>
@@ -18080,74 +18022,297 @@
       </p:grpSpPr>
       <p:sp>
         <p:nvSpPr>
-          <p:cNvPr id="2" name="Text Placeholder 1"/>
+          <p:cNvPr id="293" name="Shape 293"/>
           <p:cNvSpPr>
             <a:spLocks noGrp="1"/>
           </p:cNvSpPr>
           <p:nvPr>
-            <p:ph type="body" sz="quarter" idx="13"/>
+            <p:ph type="body" idx="13"/>
           </p:nvPr>
         </p:nvSpPr>
-        <p:spPr/>
+        <p:spPr>
+          <a:prstGeom prst="rect">
+            <a:avLst/>
+          </a:prstGeom>
+        </p:spPr>
         <p:txBody>
           <a:bodyPr/>
           <a:lstStyle/>
           <a:p>
             <a:r>
               <a:rPr lang="en-US" dirty="0" smtClean="0"/>
-              <a:t>Intro to </a:t>
+              <a:t>Basic </a:t>
             </a:r>
             <a:r>
               <a:rPr lang="en-US" dirty="0" err="1" smtClean="0"/>
               <a:t>php</a:t>
             </a:r>
-            <a:endParaRPr lang="en-US" dirty="0"/>
-          </a:p>
-        </p:txBody>
-      </p:sp>
-      <p:sp>
-        <p:nvSpPr>
-          <p:cNvPr id="3" name="Text Placeholder 2"/>
+            <a:r>
+              <a:rPr lang="en-US" dirty="0" smtClean="0"/>
+              <a:t> stuff to know</a:t>
+            </a:r>
+            <a:endParaRPr dirty="0"/>
+          </a:p>
+        </p:txBody>
+      </p:sp>
+      <p:sp>
+        <p:nvSpPr>
+          <p:cNvPr id="294" name="Shape 294"/>
           <p:cNvSpPr>
             <a:spLocks noGrp="1"/>
           </p:cNvSpPr>
           <p:nvPr>
-            <p:ph type="body" sz="half" idx="14"/>
+            <p:ph type="title"/>
           </p:nvPr>
         </p:nvSpPr>
         <p:spPr>
-          <a:xfrm>
-            <a:off x="446485" y="1383527"/>
-            <a:ext cx="8251031" cy="2188612"/>
-          </a:xfrm>
+          <a:prstGeom prst="rect">
+            <a:avLst/>
+          </a:prstGeom>
         </p:spPr>
         <p:txBody>
           <a:bodyPr/>
           <a:lstStyle/>
           <a:p>
             <a:r>
-              <a:rPr lang="en-US" sz="8800" dirty="0" smtClean="0"/>
-              <a:t>Structures in </a:t>
-            </a:r>
-            <a:r>
-              <a:rPr lang="en-US" sz="8800" dirty="0" err="1" smtClean="0"/>
-              <a:t>php</a:t>
-            </a:r>
-            <a:endParaRPr lang="en-US" sz="8800" dirty="0"/>
-          </a:p>
-        </p:txBody>
-      </p:sp>
+              <a:rPr lang="en-US" dirty="0" err="1" smtClean="0"/>
+              <a:t>Php</a:t>
+            </a:r>
+            <a:r>
+              <a:rPr lang="en-US" dirty="0" smtClean="0"/>
+              <a:t> is not strongly typed</a:t>
+            </a:r>
+            <a:endParaRPr dirty="0"/>
+          </a:p>
+        </p:txBody>
+      </p:sp>
+      <p:sp>
+        <p:nvSpPr>
+          <p:cNvPr id="295" name="Shape 295"/>
+          <p:cNvSpPr/>
+          <p:nvPr/>
+        </p:nvSpPr>
+        <p:spPr>
+          <a:xfrm>
+            <a:off x="462275" y="2051436"/>
+            <a:ext cx="8125271" cy="4177267"/>
+          </a:xfrm>
+          <a:prstGeom prst="rect">
+            <a:avLst/>
+          </a:prstGeom>
+          <a:ln w="12700"/>
+          <a:extLst>
+            <a:ext uri="{C572A759-6A51-4108-AA02-DFA0A04FC94B}">
+              <ma14:wrappingTextBoxFlag xmlns:ma14="http://schemas.microsoft.com/office/mac/drawingml/2011/main" val="1"/>
+            </a:ext>
+          </a:extLst>
+        </p:spPr>
+        <p:txBody>
+          <a:bodyPr lIns="0" tIns="0" rIns="0" bIns="0"/>
+          <a:lstStyle/>
+          <a:p>
+            <a:pPr marL="457200" indent="-457200" defTabSz="510244">
+              <a:spcBef>
+                <a:spcPts val="788"/>
+              </a:spcBef>
+              <a:buSzPct val="70000"/>
+              <a:buFont typeface="Arial"/>
+              <a:buChar char="•"/>
+              <a:defRPr sz="2800">
+                <a:solidFill>
+                  <a:srgbClr val="000000"/>
+                </a:solidFill>
+                <a:uFill>
+                  <a:solidFill>
+                    <a:srgbClr val="000000"/>
+                  </a:solidFill>
+                </a:uFill>
+              </a:defRPr>
+            </a:pPr>
+            <a:r>
+              <a:rPr lang="en-US" dirty="0" smtClean="0"/>
+              <a:t>So you see all that line stuff we’re doing? That looks like: </a:t>
+            </a:r>
+          </a:p>
+          <a:p>
+            <a:pPr marL="914258" lvl="1" indent="-457200" defTabSz="510244">
+              <a:spcBef>
+                <a:spcPts val="788"/>
+              </a:spcBef>
+              <a:buSzPct val="70000"/>
+              <a:buFont typeface="Arial"/>
+              <a:buChar char="•"/>
+              <a:defRPr sz="2800">
+                <a:solidFill>
+                  <a:srgbClr val="000000"/>
+                </a:solidFill>
+                <a:uFill>
+                  <a:solidFill>
+                    <a:srgbClr val="000000"/>
+                  </a:solidFill>
+                </a:uFill>
+              </a:defRPr>
+            </a:pPr>
+            <a:r>
+              <a:rPr lang="en-US" dirty="0" smtClean="0"/>
+              <a:t>This {</a:t>
+            </a:r>
+          </a:p>
+          <a:p>
+            <a:pPr lvl="2" defTabSz="510244">
+              <a:spcBef>
+                <a:spcPts val="788"/>
+              </a:spcBef>
+              <a:buSzPct val="70000"/>
+              <a:defRPr sz="2800">
+                <a:solidFill>
+                  <a:srgbClr val="000000"/>
+                </a:solidFill>
+                <a:uFill>
+                  <a:solidFill>
+                    <a:srgbClr val="000000"/>
+                  </a:solidFill>
+                </a:uFill>
+              </a:defRPr>
+            </a:pPr>
+            <a:r>
+              <a:rPr lang="en-US" dirty="0" smtClean="0"/>
+              <a:t>			Is</a:t>
+            </a:r>
+          </a:p>
+          <a:p>
+            <a:pPr lvl="2" defTabSz="510244">
+              <a:spcBef>
+                <a:spcPts val="788"/>
+              </a:spcBef>
+              <a:buSzPct val="70000"/>
+              <a:defRPr sz="2800">
+                <a:solidFill>
+                  <a:srgbClr val="000000"/>
+                </a:solidFill>
+                <a:uFill>
+                  <a:solidFill>
+                    <a:srgbClr val="000000"/>
+                  </a:solidFill>
+                </a:uFill>
+              </a:defRPr>
+            </a:pPr>
+            <a:r>
+              <a:rPr lang="en-US" dirty="0"/>
+              <a:t>	</a:t>
+            </a:r>
+            <a:r>
+              <a:rPr lang="en-US" dirty="0" smtClean="0"/>
+              <a:t>			my</a:t>
+            </a:r>
+          </a:p>
+          <a:p>
+            <a:pPr lvl="2" defTabSz="510244">
+              <a:spcBef>
+                <a:spcPts val="788"/>
+              </a:spcBef>
+              <a:buSzPct val="70000"/>
+              <a:defRPr sz="2800">
+                <a:solidFill>
+                  <a:srgbClr val="000000"/>
+                </a:solidFill>
+                <a:uFill>
+                  <a:solidFill>
+                    <a:srgbClr val="000000"/>
+                  </a:solidFill>
+                </a:uFill>
+              </a:defRPr>
+            </a:pPr>
+            <a:r>
+              <a:rPr lang="en-US" dirty="0"/>
+              <a:t>	</a:t>
+            </a:r>
+            <a:r>
+              <a:rPr lang="en-US" dirty="0" smtClean="0"/>
+              <a:t>		code</a:t>
+            </a:r>
+          </a:p>
+          <a:p>
+            <a:pPr lvl="2" defTabSz="510244">
+              <a:spcBef>
+                <a:spcPts val="788"/>
+              </a:spcBef>
+              <a:buSzPct val="70000"/>
+              <a:defRPr sz="2800">
+                <a:solidFill>
+                  <a:srgbClr val="000000"/>
+                </a:solidFill>
+                <a:uFill>
+                  <a:solidFill>
+                    <a:srgbClr val="000000"/>
+                  </a:solidFill>
+                </a:uFill>
+              </a:defRPr>
+            </a:pPr>
+            <a:r>
+              <a:rPr lang="en-US" dirty="0" smtClean="0"/>
+              <a:t>}</a:t>
+            </a:r>
+          </a:p>
+          <a:p>
+            <a:pPr lvl="2" defTabSz="510244">
+              <a:spcBef>
+                <a:spcPts val="788"/>
+              </a:spcBef>
+              <a:buSzPct val="70000"/>
+              <a:defRPr sz="2800">
+                <a:solidFill>
+                  <a:srgbClr val="000000"/>
+                </a:solidFill>
+                <a:uFill>
+                  <a:solidFill>
+                    <a:srgbClr val="000000"/>
+                  </a:solidFill>
+                </a:uFill>
+              </a:defRPr>
+            </a:pPr>
+            <a:r>
+              <a:rPr lang="en-US" b="1" i="1" dirty="0" smtClean="0"/>
+              <a:t>Totally not actually necessary</a:t>
+            </a:r>
+          </a:p>
+        </p:txBody>
+      </p:sp>
+      <p:pic>
+        <p:nvPicPr>
+          <p:cNvPr id="3" name="Picture 2"/>
+          <p:cNvPicPr>
+            <a:picLocks noChangeAspect="1"/>
+          </p:cNvPicPr>
+          <p:nvPr/>
+        </p:nvPicPr>
+        <p:blipFill>
+          <a:blip r:embed="rId3"/>
+          <a:stretch>
+            <a:fillRect/>
+          </a:stretch>
+        </p:blipFill>
+        <p:spPr>
+          <a:xfrm>
+            <a:off x="4572000" y="3248730"/>
+            <a:ext cx="3632200" cy="2235200"/>
+          </a:xfrm>
+          <a:prstGeom prst="rect">
+            <a:avLst/>
+          </a:prstGeom>
+        </p:spPr>
+      </p:pic>
     </p:spTree>
     <p:extLst>
       <p:ext uri="{BB962C8B-B14F-4D97-AF65-F5344CB8AC3E}">
-        <p14:creationId xmlns:p14="http://schemas.microsoft.com/office/powerpoint/2010/main" val="1889492898"/>
+        <p14:creationId xmlns:p14="http://schemas.microsoft.com/office/powerpoint/2010/main" val="4085111735"/>
       </p:ext>
     </p:extLst>
   </p:cSld>
   <p:clrMapOvr>
     <a:masterClrMapping/>
   </p:clrMapOvr>
-  <p:transition xmlns:p14="http://schemas.microsoft.com/office/powerpoint/2010/main" spd="med"/>
+  <p:transition xmlns:p14="http://schemas.microsoft.com/office/powerpoint/2010/main" spd="slow"/>
   <p:timing>
     <p:tnLst>
       <p:par>
@@ -18177,29 +18342,25 @@
       </p:grpSpPr>
       <p:sp>
         <p:nvSpPr>
-          <p:cNvPr id="293" name="Shape 293"/>
+          <p:cNvPr id="2" name="Text Placeholder 1"/>
           <p:cNvSpPr>
             <a:spLocks noGrp="1"/>
           </p:cNvSpPr>
           <p:nvPr>
-            <p:ph type="body" idx="13"/>
+            <p:ph type="body" sz="quarter" idx="13"/>
           </p:nvPr>
         </p:nvSpPr>
-        <p:spPr>
-          <a:prstGeom prst="rect">
-            <a:avLst/>
-          </a:prstGeom>
-        </p:spPr>
+        <p:spPr/>
         <p:txBody>
           <a:bodyPr/>
           <a:lstStyle/>
           <a:p>
             <a:r>
-              <a:rPr lang="en-US" dirty="0"/>
-              <a:t>Data structures in </a:t>
-            </a:r>
-            <a:r>
-              <a:rPr lang="en-US" dirty="0" err="1"/>
+              <a:rPr lang="en-US" dirty="0" smtClean="0"/>
+              <a:t>Intro to </a:t>
+            </a:r>
+            <a:r>
+              <a:rPr lang="en-US" dirty="0" err="1" smtClean="0"/>
               <a:t>php</a:t>
             </a:r>
             <a:endParaRPr lang="en-US" dirty="0"/>
@@ -18208,241 +18369,47 @@
       </p:sp>
       <p:sp>
         <p:nvSpPr>
-          <p:cNvPr id="294" name="Shape 294"/>
+          <p:cNvPr id="3" name="Text Placeholder 2"/>
           <p:cNvSpPr>
             <a:spLocks noGrp="1"/>
           </p:cNvSpPr>
           <p:nvPr>
-            <p:ph type="title"/>
+            <p:ph type="body" sz="half" idx="14"/>
           </p:nvPr>
         </p:nvSpPr>
         <p:spPr>
-          <a:prstGeom prst="rect">
-            <a:avLst/>
-          </a:prstGeom>
+          <a:xfrm>
+            <a:off x="446485" y="1383527"/>
+            <a:ext cx="8251031" cy="2188612"/>
+          </a:xfrm>
         </p:spPr>
         <p:txBody>
           <a:bodyPr/>
           <a:lstStyle/>
           <a:p>
             <a:r>
-              <a:rPr lang="en-US" dirty="0" smtClean="0"/>
-              <a:t>structures</a:t>
-            </a:r>
-            <a:endParaRPr dirty="0"/>
-          </a:p>
-        </p:txBody>
-      </p:sp>
-      <p:sp>
-        <p:nvSpPr>
-          <p:cNvPr id="295" name="Shape 295"/>
-          <p:cNvSpPr/>
-          <p:nvPr/>
-        </p:nvSpPr>
-        <p:spPr>
-          <a:xfrm>
-            <a:off x="462275" y="2051436"/>
-            <a:ext cx="8125271" cy="4177267"/>
-          </a:xfrm>
-          <a:prstGeom prst="rect">
-            <a:avLst/>
-          </a:prstGeom>
-          <a:ln w="12700"/>
-          <a:extLst>
-            <a:ext uri="{C572A759-6A51-4108-AA02-DFA0A04FC94B}">
-              <ma14:wrappingTextBoxFlag xmlns:ma14="http://schemas.microsoft.com/office/mac/drawingml/2011/main" val="1"/>
-            </a:ext>
-          </a:extLst>
-        </p:spPr>
-        <p:txBody>
-          <a:bodyPr lIns="0" tIns="0" rIns="0" bIns="0"/>
-          <a:lstStyle/>
-          <a:p>
-            <a:pPr marL="457200" indent="-457200" defTabSz="510244">
-              <a:spcBef>
-                <a:spcPts val="788"/>
-              </a:spcBef>
-              <a:buSzPct val="70000"/>
-              <a:buFont typeface="Arial"/>
-              <a:buChar char="•"/>
-              <a:defRPr sz="2800">
-                <a:solidFill>
-                  <a:srgbClr val="000000"/>
-                </a:solidFill>
-                <a:uFill>
-                  <a:solidFill>
-                    <a:srgbClr val="000000"/>
-                  </a:solidFill>
-                </a:uFill>
-              </a:defRPr>
-            </a:pPr>
-            <a:r>
-              <a:rPr lang="en-US" dirty="0" smtClean="0"/>
-              <a:t>These </a:t>
-            </a:r>
-            <a:r>
-              <a:rPr lang="en-US" b="1" i="1" dirty="0" smtClean="0"/>
-              <a:t>arrays</a:t>
-            </a:r>
-            <a:r>
-              <a:rPr lang="en-US" i="1" dirty="0" smtClean="0"/>
-              <a:t> </a:t>
-            </a:r>
-            <a:r>
-              <a:rPr lang="en-US" dirty="0" smtClean="0"/>
-              <a:t>can also be “key-&gt; value” stores…for example:</a:t>
-            </a:r>
-          </a:p>
-          <a:p>
-            <a:pPr marL="914258" lvl="1" indent="-457200" defTabSz="510244">
-              <a:spcBef>
-                <a:spcPts val="788"/>
-              </a:spcBef>
-              <a:buSzPct val="70000"/>
-              <a:buFont typeface="Arial"/>
-              <a:buChar char="•"/>
-              <a:defRPr sz="2800">
-                <a:solidFill>
-                  <a:srgbClr val="000000"/>
-                </a:solidFill>
-                <a:uFill>
-                  <a:solidFill>
-                    <a:srgbClr val="000000"/>
-                  </a:solidFill>
-                </a:uFill>
-              </a:defRPr>
-            </a:pPr>
-            <a:r>
-              <a:rPr lang="en-US" dirty="0" smtClean="0"/>
-              <a:t>$teams = [ “awesome” =&gt; “</a:t>
-            </a:r>
-            <a:r>
-              <a:rPr lang="en-US" dirty="0" err="1" smtClean="0"/>
-              <a:t>phillies</a:t>
-            </a:r>
-            <a:r>
-              <a:rPr lang="en-US" dirty="0" smtClean="0"/>
-              <a:t>”, 	</a:t>
-            </a:r>
-          </a:p>
-          <a:p>
-            <a:pPr lvl="2" defTabSz="510244">
-              <a:spcBef>
-                <a:spcPts val="788"/>
-              </a:spcBef>
-              <a:buSzPct val="70000"/>
-              <a:defRPr sz="2800">
-                <a:solidFill>
-                  <a:srgbClr val="000000"/>
-                </a:solidFill>
-                <a:uFill>
-                  <a:solidFill>
-                    <a:srgbClr val="000000"/>
-                  </a:solidFill>
-                </a:uFill>
-              </a:defRPr>
-            </a:pPr>
-            <a:r>
-              <a:rPr lang="en-US" dirty="0"/>
-              <a:t>	</a:t>
-            </a:r>
-            <a:r>
-              <a:rPr lang="en-US" dirty="0" smtClean="0"/>
-              <a:t>				 “sucks” =&gt; “</a:t>
-            </a:r>
-            <a:r>
-              <a:rPr lang="en-US" dirty="0" err="1" smtClean="0"/>
-              <a:t>mets</a:t>
-            </a:r>
-            <a:r>
-              <a:rPr lang="en-US" dirty="0" smtClean="0"/>
-              <a:t>”,</a:t>
-            </a:r>
-          </a:p>
-          <a:p>
-            <a:pPr lvl="2" defTabSz="510244">
-              <a:spcBef>
-                <a:spcPts val="788"/>
-              </a:spcBef>
-              <a:buSzPct val="70000"/>
-              <a:defRPr sz="2800">
-                <a:solidFill>
-                  <a:srgbClr val="000000"/>
-                </a:solidFill>
-                <a:uFill>
-                  <a:solidFill>
-                    <a:srgbClr val="000000"/>
-                  </a:solidFill>
-                </a:uFill>
-              </a:defRPr>
-            </a:pPr>
-            <a:r>
-              <a:rPr lang="en-US" dirty="0"/>
-              <a:t> </a:t>
-            </a:r>
-            <a:r>
-              <a:rPr lang="en-US" dirty="0" smtClean="0"/>
-              <a:t>                “</a:t>
-            </a:r>
-            <a:r>
-              <a:rPr lang="en-US" dirty="0" err="1" smtClean="0"/>
-              <a:t>sucks_super_hard</a:t>
-            </a:r>
-            <a:r>
-              <a:rPr lang="en-US" dirty="0" smtClean="0"/>
-              <a:t>” =&gt; “</a:t>
-            </a:r>
-            <a:r>
-              <a:rPr lang="en-US" dirty="0" err="1" smtClean="0"/>
-              <a:t>yankees</a:t>
-            </a:r>
-            <a:r>
-              <a:rPr lang="en-US" dirty="0" smtClean="0"/>
-              <a:t>” ]</a:t>
-            </a:r>
-          </a:p>
-          <a:p>
-            <a:pPr marL="457200" indent="-457200" defTabSz="510244">
-              <a:spcBef>
-                <a:spcPts val="788"/>
-              </a:spcBef>
-              <a:buSzPct val="70000"/>
-              <a:buFont typeface="Arial"/>
-              <a:buChar char="•"/>
-              <a:defRPr sz="2800">
-                <a:solidFill>
-                  <a:srgbClr val="000000"/>
-                </a:solidFill>
-                <a:uFill>
-                  <a:solidFill>
-                    <a:srgbClr val="000000"/>
-                  </a:solidFill>
-                </a:uFill>
-              </a:defRPr>
-            </a:pPr>
-            <a:r>
-              <a:rPr lang="en-US" dirty="0" smtClean="0"/>
-              <a:t>Notice how we are using this “=&gt;” in the “key”=&gt;”value” store and…</a:t>
-            </a:r>
-            <a:r>
-              <a:rPr lang="en-US" b="1" i="1" dirty="0" smtClean="0"/>
-              <a:t>watch those commas!</a:t>
-            </a:r>
-            <a:endParaRPr lang="en-US" dirty="0" smtClean="0"/>
+              <a:rPr lang="en-US" sz="8800" dirty="0" smtClean="0"/>
+              <a:t>Structures in </a:t>
+            </a:r>
+            <a:r>
+              <a:rPr lang="en-US" sz="8800" dirty="0" err="1" smtClean="0"/>
+              <a:t>php</a:t>
+            </a:r>
+            <a:endParaRPr lang="en-US" sz="8800" dirty="0"/>
           </a:p>
         </p:txBody>
       </p:sp>
     </p:spTree>
     <p:extLst>
       <p:ext uri="{BB962C8B-B14F-4D97-AF65-F5344CB8AC3E}">
-        <p14:creationId xmlns:p14="http://schemas.microsoft.com/office/powerpoint/2010/main" val="808031065"/>
+        <p14:creationId xmlns:p14="http://schemas.microsoft.com/office/powerpoint/2010/main" val="1889492898"/>
       </p:ext>
     </p:extLst>
   </p:cSld>
   <p:clrMapOvr>
     <a:masterClrMapping/>
   </p:clrMapOvr>
-  <p:transition xmlns:p14="http://schemas.microsoft.com/office/powerpoint/2010/main" spd="slow"/>
+  <p:transition xmlns:p14="http://schemas.microsoft.com/office/powerpoint/2010/main" spd="med"/>
   <p:timing>
     <p:tnLst>
       <p:par>
@@ -18573,7 +18540,127 @@
             </a:pPr>
             <a:r>
               <a:rPr lang="en-US" dirty="0" smtClean="0"/>
-              <a:t>Notice how each command ends with a “;”?</a:t>
+              <a:t>These </a:t>
+            </a:r>
+            <a:r>
+              <a:rPr lang="en-US" b="1" i="1" dirty="0" smtClean="0"/>
+              <a:t>arrays</a:t>
+            </a:r>
+            <a:r>
+              <a:rPr lang="en-US" i="1" dirty="0" smtClean="0"/>
+              <a:t> </a:t>
+            </a:r>
+            <a:r>
+              <a:rPr lang="en-US" dirty="0" smtClean="0"/>
+              <a:t>can also be “key-&gt; value” stores…for example:</a:t>
+            </a:r>
+          </a:p>
+          <a:p>
+            <a:pPr marL="914258" lvl="1" indent="-457200" defTabSz="510244">
+              <a:spcBef>
+                <a:spcPts val="788"/>
+              </a:spcBef>
+              <a:buSzPct val="70000"/>
+              <a:buFont typeface="Arial"/>
+              <a:buChar char="•"/>
+              <a:defRPr sz="2800">
+                <a:solidFill>
+                  <a:srgbClr val="000000"/>
+                </a:solidFill>
+                <a:uFill>
+                  <a:solidFill>
+                    <a:srgbClr val="000000"/>
+                  </a:solidFill>
+                </a:uFill>
+              </a:defRPr>
+            </a:pPr>
+            <a:r>
+              <a:rPr lang="en-US" dirty="0" smtClean="0"/>
+              <a:t>$teams = [ “awesome” =&gt; “</a:t>
+            </a:r>
+            <a:r>
+              <a:rPr lang="en-US" dirty="0" err="1" smtClean="0"/>
+              <a:t>phillies</a:t>
+            </a:r>
+            <a:r>
+              <a:rPr lang="en-US" dirty="0" smtClean="0"/>
+              <a:t>”, 	</a:t>
+            </a:r>
+          </a:p>
+          <a:p>
+            <a:pPr lvl="2" defTabSz="510244">
+              <a:spcBef>
+                <a:spcPts val="788"/>
+              </a:spcBef>
+              <a:buSzPct val="70000"/>
+              <a:defRPr sz="2800">
+                <a:solidFill>
+                  <a:srgbClr val="000000"/>
+                </a:solidFill>
+                <a:uFill>
+                  <a:solidFill>
+                    <a:srgbClr val="000000"/>
+                  </a:solidFill>
+                </a:uFill>
+              </a:defRPr>
+            </a:pPr>
+            <a:r>
+              <a:rPr lang="en-US" dirty="0"/>
+              <a:t>	</a:t>
+            </a:r>
+            <a:r>
+              <a:rPr lang="en-US" dirty="0" smtClean="0"/>
+              <a:t>				 “sucks” =&gt; “</a:t>
+            </a:r>
+            <a:r>
+              <a:rPr lang="en-US" dirty="0" err="1" smtClean="0"/>
+              <a:t>mets</a:t>
+            </a:r>
+            <a:r>
+              <a:rPr lang="en-US" dirty="0" smtClean="0"/>
+              <a:t>”,</a:t>
+            </a:r>
+          </a:p>
+          <a:p>
+            <a:pPr lvl="2" defTabSz="510244">
+              <a:spcBef>
+                <a:spcPts val="788"/>
+              </a:spcBef>
+              <a:buSzPct val="70000"/>
+              <a:defRPr sz="2800">
+                <a:solidFill>
+                  <a:srgbClr val="000000"/>
+                </a:solidFill>
+                <a:uFill>
+                  <a:solidFill>
+                    <a:srgbClr val="000000"/>
+                  </a:solidFill>
+                </a:uFill>
+              </a:defRPr>
+            </a:pPr>
+            <a:r>
+              <a:rPr lang="en-US" dirty="0"/>
+              <a:t> </a:t>
+            </a:r>
+            <a:r>
+              <a:rPr lang="en-US" dirty="0" smtClean="0"/>
+              <a:t>                “</a:t>
+            </a:r>
+            <a:r>
+              <a:rPr lang="en-US" dirty="0" err="1" smtClean="0"/>
+              <a:t>sucks_super_hard</a:t>
+            </a:r>
+            <a:r>
+              <a:rPr lang="en-US" dirty="0" smtClean="0"/>
+              <a:t>” =&gt; “</a:t>
+            </a:r>
+            <a:r>
+              <a:rPr lang="en-US" dirty="0" err="1" smtClean="0"/>
+              <a:t>yankees</a:t>
+            </a:r>
+            <a:r>
+              <a:rPr lang="en-US" dirty="0" smtClean="0"/>
+              <a:t>” ]</a:t>
             </a:r>
           </a:p>
           <a:p>
@@ -18597,120 +18684,20 @@
             </a:pPr>
             <a:r>
               <a:rPr lang="en-US" dirty="0" smtClean="0"/>
-              <a:t>This is how we tell </a:t>
-            </a:r>
-            <a:r>
-              <a:rPr lang="en-US" dirty="0" err="1" smtClean="0"/>
-              <a:t>php</a:t>
-            </a:r>
-            <a:r>
-              <a:rPr lang="en-US" dirty="0"/>
-              <a:t> </a:t>
-            </a:r>
-            <a:r>
-              <a:rPr lang="en-US" dirty="0" smtClean="0"/>
-              <a:t>that we have come to the end of a command. </a:t>
+              <a:t>Notice how we are using this “=&gt;” in the “key”=&gt;”value” store and…</a:t>
             </a:r>
             <a:r>
               <a:rPr lang="en-US" b="1" i="1" dirty="0" smtClean="0"/>
-              <a:t>Do not forget these after each command.</a:t>
+              <a:t>watch those commas!</a:t>
             </a:r>
             <a:endParaRPr lang="en-US" dirty="0" smtClean="0"/>
           </a:p>
-          <a:p>
-            <a:pPr marL="457200" indent="-457200" defTabSz="510244">
-              <a:spcBef>
-                <a:spcPts val="788"/>
-              </a:spcBef>
-              <a:buSzPct val="70000"/>
-              <a:buFont typeface="Arial"/>
-              <a:buChar char="•"/>
-              <a:defRPr sz="2800">
-                <a:solidFill>
-                  <a:srgbClr val="000000"/>
-                </a:solidFill>
-                <a:uFill>
-                  <a:solidFill>
-                    <a:srgbClr val="000000"/>
-                  </a:solidFill>
-                </a:uFill>
-              </a:defRPr>
-            </a:pPr>
-            <a:r>
-              <a:rPr lang="en-US" dirty="0" smtClean="0"/>
-              <a:t>PHP contains several </a:t>
-            </a:r>
-            <a:r>
-              <a:rPr lang="en-US" b="1" dirty="0" smtClean="0"/>
-              <a:t>data types</a:t>
-            </a:r>
-            <a:r>
-              <a:rPr lang="en-US" dirty="0" smtClean="0"/>
-              <a:t> including:</a:t>
-            </a:r>
-          </a:p>
-          <a:p>
-            <a:pPr marL="914258" lvl="1" indent="-457200" defTabSz="510244">
-              <a:spcBef>
-                <a:spcPts val="788"/>
-              </a:spcBef>
-              <a:buSzPct val="70000"/>
-              <a:buFont typeface="Arial"/>
-              <a:buChar char="•"/>
-              <a:defRPr sz="2800">
-                <a:solidFill>
-                  <a:srgbClr val="000000"/>
-                </a:solidFill>
-                <a:uFill>
-                  <a:solidFill>
-                    <a:srgbClr val="000000"/>
-                  </a:solidFill>
-                </a:uFill>
-              </a:defRPr>
-            </a:pPr>
-            <a:r>
-              <a:rPr lang="en-US" dirty="0" smtClean="0"/>
-              <a:t>strings, floats, </a:t>
-            </a:r>
-            <a:r>
-              <a:rPr lang="en-US" dirty="0" err="1" smtClean="0"/>
-              <a:t>ints</a:t>
-            </a:r>
-            <a:r>
-              <a:rPr lang="en-US" dirty="0" smtClean="0"/>
-              <a:t>, bytes (and so much more)</a:t>
-            </a:r>
-          </a:p>
-        </p:txBody>
-      </p:sp>
-      <p:pic>
-        <p:nvPicPr>
-          <p:cNvPr id="2" name="Picture 1"/>
-          <p:cNvPicPr>
-            <a:picLocks noChangeAspect="1"/>
-          </p:cNvPicPr>
-          <p:nvPr/>
-        </p:nvPicPr>
-        <p:blipFill>
-          <a:blip r:embed="rId3"/>
-          <a:stretch>
-            <a:fillRect/>
-          </a:stretch>
-        </p:blipFill>
-        <p:spPr>
-          <a:xfrm>
-            <a:off x="3292541" y="5049484"/>
-            <a:ext cx="2787713" cy="1808516"/>
-          </a:xfrm>
-          <a:prstGeom prst="rect">
-            <a:avLst/>
-          </a:prstGeom>
-        </p:spPr>
-      </p:pic>
+        </p:txBody>
+      </p:sp>
     </p:spTree>
     <p:extLst>
       <p:ext uri="{BB962C8B-B14F-4D97-AF65-F5344CB8AC3E}">
-        <p14:creationId xmlns:p14="http://schemas.microsoft.com/office/powerpoint/2010/main" val="3328828173"/>
+        <p14:creationId xmlns:p14="http://schemas.microsoft.com/office/powerpoint/2010/main" val="808031065"/>
       </p:ext>
     </p:extLst>
   </p:cSld>
@@ -18848,31 +18835,17 @@
             </a:pPr>
             <a:r>
               <a:rPr lang="en-US" dirty="0" smtClean="0"/>
-              <a:t>PHP also contains OBJECTS (remember it can also be OBJECT ORIENTED). These are denoted with “class” before them, so:</a:t>
-            </a:r>
-            <a:br>
-              <a:rPr lang="en-US" dirty="0" smtClean="0"/>
-            </a:br>
-            <a:r>
-              <a:rPr lang="en-US" sz="1500" dirty="0" smtClean="0"/>
-              <a:t>&lt;</a:t>
-            </a:r>
-            <a:r>
-              <a:rPr lang="en-US" sz="1500" dirty="0"/>
-              <a:t>?</a:t>
-            </a:r>
-            <a:r>
-              <a:rPr lang="en-US" sz="1500" dirty="0" err="1"/>
-              <a:t>php</a:t>
-            </a:r>
-            <a:endParaRPr lang="en-US" sz="1500" dirty="0"/>
-          </a:p>
-          <a:p>
-            <a:pPr defTabSz="510244">
+              <a:t>Notice how each command ends with a “;”?</a:t>
+            </a:r>
+          </a:p>
+          <a:p>
+            <a:pPr marL="457200" indent="-457200" defTabSz="510244">
               <a:spcBef>
                 <a:spcPts val="788"/>
               </a:spcBef>
               <a:buSzPct val="70000"/>
+              <a:buFont typeface="Arial"/>
+              <a:buChar char="•"/>
               <a:defRPr sz="2800">
                 <a:solidFill>
                   <a:srgbClr val="000000"/>
@@ -18885,20 +18858,35 @@
               </a:defRPr>
             </a:pPr>
             <a:r>
-              <a:rPr lang="en-US" sz="1500" dirty="0" smtClean="0"/>
-              <a:t>	class </a:t>
-            </a:r>
-            <a:r>
-              <a:rPr lang="en-US" sz="1500" dirty="0"/>
-              <a:t>foo</a:t>
-            </a:r>
-          </a:p>
-          <a:p>
-            <a:pPr defTabSz="510244">
+              <a:rPr lang="en-US" dirty="0" smtClean="0"/>
+              <a:t>This is how we tell </a:t>
+            </a:r>
+            <a:r>
+              <a:rPr lang="en-US" dirty="0" err="1" smtClean="0"/>
+              <a:t>php</a:t>
+            </a:r>
+            <a:r>
+              <a:rPr lang="en-US" dirty="0"/>
+              <a:t> </a:t>
+            </a:r>
+            <a:r>
+              <a:rPr lang="en-US" dirty="0" smtClean="0"/>
+              <a:t>that we have come to the end of a command. </a:t>
+            </a:r>
+            <a:r>
+              <a:rPr lang="en-US" b="1" i="1" dirty="0" smtClean="0"/>
+              <a:t>Do not forget these after each command.</a:t>
+            </a:r>
+            <a:endParaRPr lang="en-US" dirty="0" smtClean="0"/>
+          </a:p>
+          <a:p>
+            <a:pPr marL="457200" indent="-457200" defTabSz="510244">
               <a:spcBef>
                 <a:spcPts val="788"/>
               </a:spcBef>
               <a:buSzPct val="70000"/>
+              <a:buFont typeface="Arial"/>
+              <a:buChar char="•"/>
               <a:defRPr sz="2800">
                 <a:solidFill>
                   <a:srgbClr val="000000"/>
@@ -18911,16 +18899,26 @@
               </a:defRPr>
             </a:pPr>
             <a:r>
-              <a:rPr lang="en-US" sz="1500" dirty="0" smtClean="0"/>
-              <a:t>	{</a:t>
-            </a:r>
-          </a:p>
-          <a:p>
-            <a:pPr defTabSz="510244">
+              <a:rPr lang="en-US" dirty="0" smtClean="0"/>
+              <a:t>PHP contains several </a:t>
+            </a:r>
+            <a:r>
+              <a:rPr lang="en-US" b="1" dirty="0" smtClean="0"/>
+              <a:t>data types</a:t>
+            </a:r>
+            <a:r>
+              <a:rPr lang="en-US" dirty="0" smtClean="0"/>
+              <a:t> including:</a:t>
+            </a:r>
+          </a:p>
+          <a:p>
+            <a:pPr marL="914258" lvl="1" indent="-457200" defTabSz="510244">
               <a:spcBef>
                 <a:spcPts val="788"/>
               </a:spcBef>
               <a:buSzPct val="70000"/>
+              <a:buFont typeface="Arial"/>
+              <a:buChar char="•"/>
               <a:defRPr sz="2800">
                 <a:solidFill>
                   <a:srgbClr val="000000"/>
@@ -18933,166 +18931,17 @@
               </a:defRPr>
             </a:pPr>
             <a:r>
-              <a:rPr lang="en-US" sz="1500" dirty="0"/>
-              <a:t>	</a:t>
-            </a:r>
-            <a:r>
-              <a:rPr lang="en-US" sz="1500" dirty="0" smtClean="0"/>
-              <a:t>function </a:t>
-            </a:r>
-            <a:r>
-              <a:rPr lang="en-US" sz="1500" dirty="0" err="1"/>
-              <a:t>do_foo</a:t>
-            </a:r>
-            <a:r>
-              <a:rPr lang="en-US" sz="1500" dirty="0"/>
-              <a:t>()</a:t>
-            </a:r>
-          </a:p>
-          <a:p>
-            <a:pPr defTabSz="510244">
-              <a:spcBef>
-                <a:spcPts val="788"/>
-              </a:spcBef>
-              <a:buSzPct val="70000"/>
-              <a:defRPr sz="2800">
-                <a:solidFill>
-                  <a:srgbClr val="000000"/>
-                </a:solidFill>
-                <a:uFill>
-                  <a:solidFill>
-                    <a:srgbClr val="000000"/>
-                  </a:solidFill>
-                </a:uFill>
-              </a:defRPr>
-            </a:pPr>
-            <a:r>
-              <a:rPr lang="en-US" sz="1500" dirty="0" smtClean="0"/>
-              <a:t>	    {</a:t>
-            </a:r>
-            <a:endParaRPr lang="en-US" sz="1500" dirty="0"/>
-          </a:p>
-          <a:p>
-            <a:pPr defTabSz="510244">
-              <a:spcBef>
-                <a:spcPts val="788"/>
-              </a:spcBef>
-              <a:buSzPct val="70000"/>
-              <a:defRPr sz="2800">
-                <a:solidFill>
-                  <a:srgbClr val="000000"/>
-                </a:solidFill>
-                <a:uFill>
-                  <a:solidFill>
-                    <a:srgbClr val="000000"/>
-                  </a:solidFill>
-                </a:uFill>
-              </a:defRPr>
-            </a:pPr>
-            <a:r>
-              <a:rPr lang="en-US" sz="1500" dirty="0" smtClean="0"/>
-              <a:t>	        </a:t>
-            </a:r>
-            <a:r>
-              <a:rPr lang="en-US" sz="1500" dirty="0"/>
-              <a:t>echo "Doing foo."; </a:t>
-            </a:r>
-            <a:endParaRPr lang="en-US" sz="1500" dirty="0" smtClean="0"/>
-          </a:p>
-          <a:p>
-            <a:pPr defTabSz="510244">
-              <a:spcBef>
-                <a:spcPts val="788"/>
-              </a:spcBef>
-              <a:buSzPct val="70000"/>
-              <a:defRPr sz="2800">
-                <a:solidFill>
-                  <a:srgbClr val="000000"/>
-                </a:solidFill>
-                <a:uFill>
-                  <a:solidFill>
-                    <a:srgbClr val="000000"/>
-                  </a:solidFill>
-                </a:uFill>
-              </a:defRPr>
-            </a:pPr>
-            <a:r>
-              <a:rPr lang="en-US" sz="1500" dirty="0"/>
-              <a:t>	</a:t>
-            </a:r>
-            <a:r>
-              <a:rPr lang="en-US" sz="1500" dirty="0" smtClean="0"/>
-              <a:t>   </a:t>
-            </a:r>
-            <a:r>
-              <a:rPr lang="en-US" sz="1500" dirty="0"/>
-              <a:t>}</a:t>
-            </a:r>
-          </a:p>
-          <a:p>
-            <a:pPr defTabSz="510244">
-              <a:spcBef>
-                <a:spcPts val="788"/>
-              </a:spcBef>
-              <a:buSzPct val="70000"/>
-              <a:defRPr sz="2800">
-                <a:solidFill>
-                  <a:srgbClr val="000000"/>
-                </a:solidFill>
-                <a:uFill>
-                  <a:solidFill>
-                    <a:srgbClr val="000000"/>
-                  </a:solidFill>
-                </a:uFill>
-              </a:defRPr>
-            </a:pPr>
-            <a:r>
-              <a:rPr lang="en-US" sz="1500" dirty="0" smtClean="0"/>
-              <a:t>	}$</a:t>
-            </a:r>
-            <a:r>
-              <a:rPr lang="en-US" sz="1500" dirty="0"/>
-              <a:t>bar = new foo;</a:t>
-            </a:r>
-          </a:p>
-          <a:p>
-            <a:pPr defTabSz="510244">
-              <a:spcBef>
-                <a:spcPts val="788"/>
-              </a:spcBef>
-              <a:buSzPct val="70000"/>
-              <a:defRPr sz="2800">
-                <a:solidFill>
-                  <a:srgbClr val="000000"/>
-                </a:solidFill>
-                <a:uFill>
-                  <a:solidFill>
-                    <a:srgbClr val="000000"/>
-                  </a:solidFill>
-                </a:uFill>
-              </a:defRPr>
-            </a:pPr>
-            <a:r>
-              <a:rPr lang="en-US" sz="1500" dirty="0" smtClean="0"/>
-              <a:t>	$</a:t>
-            </a:r>
-            <a:r>
-              <a:rPr lang="en-US" sz="1500" dirty="0"/>
-              <a:t>bar-&gt;</a:t>
-            </a:r>
-            <a:r>
-              <a:rPr lang="en-US" sz="1500" dirty="0" err="1"/>
-              <a:t>do_foo</a:t>
-            </a:r>
-            <a:r>
-              <a:rPr lang="en-US" sz="1500" dirty="0"/>
-              <a:t>()</a:t>
-            </a:r>
-            <a:r>
-              <a:rPr lang="en-US" sz="1500" dirty="0" smtClean="0"/>
-              <a:t>;</a:t>
-            </a:r>
-            <a:endParaRPr lang="en-US" sz="1500" dirty="0"/>
+              <a:rPr lang="en-US" dirty="0" smtClean="0"/>
+              <a:t>strings, floats, </a:t>
+            </a:r>
+            <a:r>
+              <a:rPr lang="en-US" dirty="0" err="1" smtClean="0"/>
+              <a:t>ints</a:t>
+            </a:r>
+            <a:r>
+              <a:rPr lang="en-US" dirty="0" smtClean="0"/>
+              <a:t>, bytes (and so much more)</a:t>
+            </a:r>
           </a:p>
         </p:txBody>
       </p:sp>
@@ -19112,8 +18961,8 @@
         </p:blipFill>
         <p:spPr>
           <a:xfrm>
-            <a:off x="3365525" y="3422650"/>
-            <a:ext cx="4209743" cy="3350254"/>
+            <a:off x="3292541" y="5049484"/>
+            <a:ext cx="2787713" cy="1808516"/>
           </a:xfrm>
           <a:prstGeom prst="rect">
             <a:avLst/>
@@ -19123,7 +18972,7 @@
     </p:spTree>
     <p:extLst>
       <p:ext uri="{BB962C8B-B14F-4D97-AF65-F5344CB8AC3E}">
-        <p14:creationId xmlns:p14="http://schemas.microsoft.com/office/powerpoint/2010/main" val="3775280428"/>
+        <p14:creationId xmlns:p14="http://schemas.microsoft.com/office/powerpoint/2010/main" val="3328828173"/>
       </p:ext>
     </p:extLst>
   </p:cSld>
@@ -19261,25 +19110,29 @@
       </p:grpSpPr>
       <p:sp>
         <p:nvSpPr>
-          <p:cNvPr id="2" name="Text Placeholder 1"/>
+          <p:cNvPr id="293" name="Shape 293"/>
           <p:cNvSpPr>
             <a:spLocks noGrp="1"/>
           </p:cNvSpPr>
           <p:nvPr>
-            <p:ph type="body" sz="quarter" idx="13"/>
+            <p:ph type="body" idx="13"/>
           </p:nvPr>
         </p:nvSpPr>
-        <p:spPr/>
+        <p:spPr>
+          <a:prstGeom prst="rect">
+            <a:avLst/>
+          </a:prstGeom>
+        </p:spPr>
         <p:txBody>
           <a:bodyPr/>
           <a:lstStyle/>
           <a:p>
             <a:r>
-              <a:rPr lang="en-US" dirty="0" smtClean="0"/>
-              <a:t>Intro to </a:t>
-            </a:r>
-            <a:r>
-              <a:rPr lang="en-US" dirty="0" err="1" smtClean="0"/>
+              <a:rPr lang="en-US" dirty="0"/>
+              <a:t>Data structures in </a:t>
+            </a:r>
+            <a:r>
+              <a:rPr lang="en-US" dirty="0" err="1"/>
               <a:t>php</a:t>
             </a:r>
             <a:endParaRPr lang="en-US" dirty="0"/>
@@ -19288,43 +19141,359 @@
       </p:sp>
       <p:sp>
         <p:nvSpPr>
-          <p:cNvPr id="3" name="Text Placeholder 2"/>
+          <p:cNvPr id="294" name="Shape 294"/>
           <p:cNvSpPr>
             <a:spLocks noGrp="1"/>
           </p:cNvSpPr>
           <p:nvPr>
-            <p:ph type="body" sz="half" idx="14"/>
+            <p:ph type="title"/>
           </p:nvPr>
         </p:nvSpPr>
         <p:spPr>
-          <a:xfrm>
-            <a:off x="446485" y="1383527"/>
-            <a:ext cx="8251031" cy="4329967"/>
-          </a:xfrm>
+          <a:prstGeom prst="rect">
+            <a:avLst/>
+          </a:prstGeom>
         </p:spPr>
         <p:txBody>
           <a:bodyPr/>
           <a:lstStyle/>
           <a:p>
             <a:r>
-              <a:rPr lang="en-US" sz="8800" dirty="0" smtClean="0"/>
-              <a:t>Traversing data structures (and more)</a:t>
-            </a:r>
-            <a:endParaRPr lang="en-US" sz="8800" dirty="0"/>
-          </a:p>
-        </p:txBody>
-      </p:sp>
+              <a:rPr lang="en-US" dirty="0" smtClean="0"/>
+              <a:t>structures</a:t>
+            </a:r>
+            <a:endParaRPr dirty="0"/>
+          </a:p>
+        </p:txBody>
+      </p:sp>
+      <p:sp>
+        <p:nvSpPr>
+          <p:cNvPr id="295" name="Shape 295"/>
+          <p:cNvSpPr/>
+          <p:nvPr/>
+        </p:nvSpPr>
+        <p:spPr>
+          <a:xfrm>
+            <a:off x="462275" y="2051436"/>
+            <a:ext cx="8125271" cy="4177267"/>
+          </a:xfrm>
+          <a:prstGeom prst="rect">
+            <a:avLst/>
+          </a:prstGeom>
+          <a:ln w="12700"/>
+          <a:extLst>
+            <a:ext uri="{C572A759-6A51-4108-AA02-DFA0A04FC94B}">
+              <ma14:wrappingTextBoxFlag xmlns:ma14="http://schemas.microsoft.com/office/mac/drawingml/2011/main" val="1"/>
+            </a:ext>
+          </a:extLst>
+        </p:spPr>
+        <p:txBody>
+          <a:bodyPr lIns="0" tIns="0" rIns="0" bIns="0"/>
+          <a:lstStyle/>
+          <a:p>
+            <a:pPr marL="457200" indent="-457200" defTabSz="510244">
+              <a:spcBef>
+                <a:spcPts val="788"/>
+              </a:spcBef>
+              <a:buSzPct val="70000"/>
+              <a:buFont typeface="Arial"/>
+              <a:buChar char="•"/>
+              <a:defRPr sz="2800">
+                <a:solidFill>
+                  <a:srgbClr val="000000"/>
+                </a:solidFill>
+                <a:uFill>
+                  <a:solidFill>
+                    <a:srgbClr val="000000"/>
+                  </a:solidFill>
+                </a:uFill>
+              </a:defRPr>
+            </a:pPr>
+            <a:r>
+              <a:rPr lang="en-US" dirty="0" smtClean="0"/>
+              <a:t>PHP also contains OBJECTS (remember it can also be OBJECT ORIENTED). These are denoted with “class” before them, so:</a:t>
+            </a:r>
+            <a:br>
+              <a:rPr lang="en-US" dirty="0" smtClean="0"/>
+            </a:br>
+            <a:r>
+              <a:rPr lang="en-US" sz="1500" dirty="0" smtClean="0"/>
+              <a:t>&lt;</a:t>
+            </a:r>
+            <a:r>
+              <a:rPr lang="en-US" sz="1500" dirty="0"/>
+              <a:t>?</a:t>
+            </a:r>
+            <a:r>
+              <a:rPr lang="en-US" sz="1500" dirty="0" err="1"/>
+              <a:t>php</a:t>
+            </a:r>
+            <a:endParaRPr lang="en-US" sz="1500" dirty="0"/>
+          </a:p>
+          <a:p>
+            <a:pPr defTabSz="510244">
+              <a:spcBef>
+                <a:spcPts val="788"/>
+              </a:spcBef>
+              <a:buSzPct val="70000"/>
+              <a:defRPr sz="2800">
+                <a:solidFill>
+                  <a:srgbClr val="000000"/>
+                </a:solidFill>
+                <a:uFill>
+                  <a:solidFill>
+                    <a:srgbClr val="000000"/>
+                  </a:solidFill>
+                </a:uFill>
+              </a:defRPr>
+            </a:pPr>
+            <a:r>
+              <a:rPr lang="en-US" sz="1500" dirty="0" smtClean="0"/>
+              <a:t>	class </a:t>
+            </a:r>
+            <a:r>
+              <a:rPr lang="en-US" sz="1500" dirty="0"/>
+              <a:t>foo</a:t>
+            </a:r>
+          </a:p>
+          <a:p>
+            <a:pPr defTabSz="510244">
+              <a:spcBef>
+                <a:spcPts val="788"/>
+              </a:spcBef>
+              <a:buSzPct val="70000"/>
+              <a:defRPr sz="2800">
+                <a:solidFill>
+                  <a:srgbClr val="000000"/>
+                </a:solidFill>
+                <a:uFill>
+                  <a:solidFill>
+                    <a:srgbClr val="000000"/>
+                  </a:solidFill>
+                </a:uFill>
+              </a:defRPr>
+            </a:pPr>
+            <a:r>
+              <a:rPr lang="en-US" sz="1500" dirty="0" smtClean="0"/>
+              <a:t>	{</a:t>
+            </a:r>
+          </a:p>
+          <a:p>
+            <a:pPr defTabSz="510244">
+              <a:spcBef>
+                <a:spcPts val="788"/>
+              </a:spcBef>
+              <a:buSzPct val="70000"/>
+              <a:defRPr sz="2800">
+                <a:solidFill>
+                  <a:srgbClr val="000000"/>
+                </a:solidFill>
+                <a:uFill>
+                  <a:solidFill>
+                    <a:srgbClr val="000000"/>
+                  </a:solidFill>
+                </a:uFill>
+              </a:defRPr>
+            </a:pPr>
+            <a:r>
+              <a:rPr lang="en-US" sz="1500" dirty="0"/>
+              <a:t>	</a:t>
+            </a:r>
+            <a:r>
+              <a:rPr lang="en-US" sz="1500" dirty="0" smtClean="0"/>
+              <a:t>function </a:t>
+            </a:r>
+            <a:r>
+              <a:rPr lang="en-US" sz="1500" dirty="0" err="1"/>
+              <a:t>do_foo</a:t>
+            </a:r>
+            <a:r>
+              <a:rPr lang="en-US" sz="1500" dirty="0"/>
+              <a:t>()</a:t>
+            </a:r>
+          </a:p>
+          <a:p>
+            <a:pPr defTabSz="510244">
+              <a:spcBef>
+                <a:spcPts val="788"/>
+              </a:spcBef>
+              <a:buSzPct val="70000"/>
+              <a:defRPr sz="2800">
+                <a:solidFill>
+                  <a:srgbClr val="000000"/>
+                </a:solidFill>
+                <a:uFill>
+                  <a:solidFill>
+                    <a:srgbClr val="000000"/>
+                  </a:solidFill>
+                </a:uFill>
+              </a:defRPr>
+            </a:pPr>
+            <a:r>
+              <a:rPr lang="en-US" sz="1500" dirty="0" smtClean="0"/>
+              <a:t>	    {</a:t>
+            </a:r>
+            <a:endParaRPr lang="en-US" sz="1500" dirty="0"/>
+          </a:p>
+          <a:p>
+            <a:pPr defTabSz="510244">
+              <a:spcBef>
+                <a:spcPts val="788"/>
+              </a:spcBef>
+              <a:buSzPct val="70000"/>
+              <a:defRPr sz="2800">
+                <a:solidFill>
+                  <a:srgbClr val="000000"/>
+                </a:solidFill>
+                <a:uFill>
+                  <a:solidFill>
+                    <a:srgbClr val="000000"/>
+                  </a:solidFill>
+                </a:uFill>
+              </a:defRPr>
+            </a:pPr>
+            <a:r>
+              <a:rPr lang="en-US" sz="1500" dirty="0" smtClean="0"/>
+              <a:t>	        </a:t>
+            </a:r>
+            <a:r>
+              <a:rPr lang="en-US" sz="1500" dirty="0"/>
+              <a:t>echo "Doing foo."; </a:t>
+            </a:r>
+            <a:endParaRPr lang="en-US" sz="1500" dirty="0" smtClean="0"/>
+          </a:p>
+          <a:p>
+            <a:pPr defTabSz="510244">
+              <a:spcBef>
+                <a:spcPts val="788"/>
+              </a:spcBef>
+              <a:buSzPct val="70000"/>
+              <a:defRPr sz="2800">
+                <a:solidFill>
+                  <a:srgbClr val="000000"/>
+                </a:solidFill>
+                <a:uFill>
+                  <a:solidFill>
+                    <a:srgbClr val="000000"/>
+                  </a:solidFill>
+                </a:uFill>
+              </a:defRPr>
+            </a:pPr>
+            <a:r>
+              <a:rPr lang="en-US" sz="1500" dirty="0"/>
+              <a:t>	</a:t>
+            </a:r>
+            <a:r>
+              <a:rPr lang="en-US" sz="1500" dirty="0" smtClean="0"/>
+              <a:t>   </a:t>
+            </a:r>
+            <a:r>
+              <a:rPr lang="en-US" sz="1500" dirty="0"/>
+              <a:t>}</a:t>
+            </a:r>
+          </a:p>
+          <a:p>
+            <a:pPr defTabSz="510244">
+              <a:spcBef>
+                <a:spcPts val="788"/>
+              </a:spcBef>
+              <a:buSzPct val="70000"/>
+              <a:defRPr sz="2800">
+                <a:solidFill>
+                  <a:srgbClr val="000000"/>
+                </a:solidFill>
+                <a:uFill>
+                  <a:solidFill>
+                    <a:srgbClr val="000000"/>
+                  </a:solidFill>
+                </a:uFill>
+              </a:defRPr>
+            </a:pPr>
+            <a:r>
+              <a:rPr lang="en-US" sz="1500" dirty="0" smtClean="0"/>
+              <a:t>	}$</a:t>
+            </a:r>
+            <a:r>
+              <a:rPr lang="en-US" sz="1500" dirty="0"/>
+              <a:t>bar = new foo;</a:t>
+            </a:r>
+          </a:p>
+          <a:p>
+            <a:pPr defTabSz="510244">
+              <a:spcBef>
+                <a:spcPts val="788"/>
+              </a:spcBef>
+              <a:buSzPct val="70000"/>
+              <a:defRPr sz="2800">
+                <a:solidFill>
+                  <a:srgbClr val="000000"/>
+                </a:solidFill>
+                <a:uFill>
+                  <a:solidFill>
+                    <a:srgbClr val="000000"/>
+                  </a:solidFill>
+                </a:uFill>
+              </a:defRPr>
+            </a:pPr>
+            <a:r>
+              <a:rPr lang="en-US" sz="1500" dirty="0" smtClean="0"/>
+              <a:t>	$</a:t>
+            </a:r>
+            <a:r>
+              <a:rPr lang="en-US" sz="1500" dirty="0"/>
+              <a:t>bar-&gt;</a:t>
+            </a:r>
+            <a:r>
+              <a:rPr lang="en-US" sz="1500" dirty="0" err="1"/>
+              <a:t>do_foo</a:t>
+            </a:r>
+            <a:r>
+              <a:rPr lang="en-US" sz="1500" dirty="0"/>
+              <a:t>()</a:t>
+            </a:r>
+            <a:r>
+              <a:rPr lang="en-US" sz="1500" dirty="0" smtClean="0"/>
+              <a:t>;</a:t>
+            </a:r>
+            <a:endParaRPr lang="en-US" sz="1500" dirty="0"/>
+          </a:p>
+        </p:txBody>
+      </p:sp>
+      <p:pic>
+        <p:nvPicPr>
+          <p:cNvPr id="2" name="Picture 1"/>
+          <p:cNvPicPr>
+            <a:picLocks noChangeAspect="1"/>
+          </p:cNvPicPr>
+          <p:nvPr/>
+        </p:nvPicPr>
+        <p:blipFill>
+          <a:blip r:embed="rId3"/>
+          <a:stretch>
+            <a:fillRect/>
+          </a:stretch>
+        </p:blipFill>
+        <p:spPr>
+          <a:xfrm>
+            <a:off x="3365525" y="3422650"/>
+            <a:ext cx="4209743" cy="3350254"/>
+          </a:xfrm>
+          <a:prstGeom prst="rect">
+            <a:avLst/>
+          </a:prstGeom>
+        </p:spPr>
+      </p:pic>
     </p:spTree>
     <p:extLst>
       <p:ext uri="{BB962C8B-B14F-4D97-AF65-F5344CB8AC3E}">
-        <p14:creationId xmlns:p14="http://schemas.microsoft.com/office/powerpoint/2010/main" val="2733447004"/>
+        <p14:creationId xmlns:p14="http://schemas.microsoft.com/office/powerpoint/2010/main" val="3775280428"/>
       </p:ext>
     </p:extLst>
   </p:cSld>
   <p:clrMapOvr>
     <a:masterClrMapping/>
   </p:clrMapOvr>
-  <p:transition xmlns:p14="http://schemas.microsoft.com/office/powerpoint/2010/main" spd="med"/>
+  <p:transition xmlns:p14="http://schemas.microsoft.com/office/powerpoint/2010/main" spd="slow"/>
   <p:timing>
     <p:tnLst>
       <p:par>
@@ -19354,366 +19523,70 @@
       </p:grpSpPr>
       <p:sp>
         <p:nvSpPr>
-          <p:cNvPr id="293" name="Shape 293"/>
+          <p:cNvPr id="2" name="Text Placeholder 1"/>
           <p:cNvSpPr>
             <a:spLocks noGrp="1"/>
           </p:cNvSpPr>
           <p:nvPr>
-            <p:ph type="body" idx="13"/>
+            <p:ph type="body" sz="quarter" idx="13"/>
           </p:nvPr>
         </p:nvSpPr>
-        <p:spPr>
-          <a:prstGeom prst="rect">
-            <a:avLst/>
-          </a:prstGeom>
-        </p:spPr>
+        <p:spPr/>
         <p:txBody>
           <a:bodyPr/>
           <a:lstStyle/>
           <a:p>
             <a:r>
               <a:rPr lang="en-US" dirty="0" smtClean="0"/>
-              <a:t>Traversing data structures</a:t>
-            </a:r>
-            <a:endParaRPr dirty="0"/>
-          </a:p>
-        </p:txBody>
-      </p:sp>
-      <p:sp>
-        <p:nvSpPr>
-          <p:cNvPr id="294" name="Shape 294"/>
+              <a:t>Intro to </a:t>
+            </a:r>
+            <a:r>
+              <a:rPr lang="en-US" dirty="0" err="1" smtClean="0"/>
+              <a:t>php</a:t>
+            </a:r>
+            <a:endParaRPr lang="en-US" dirty="0"/>
+          </a:p>
+        </p:txBody>
+      </p:sp>
+      <p:sp>
+        <p:nvSpPr>
+          <p:cNvPr id="3" name="Text Placeholder 2"/>
           <p:cNvSpPr>
             <a:spLocks noGrp="1"/>
           </p:cNvSpPr>
           <p:nvPr>
-            <p:ph type="title"/>
+            <p:ph type="body" sz="half" idx="14"/>
           </p:nvPr>
         </p:nvSpPr>
         <p:spPr>
-          <a:prstGeom prst="rect">
-            <a:avLst/>
-          </a:prstGeom>
+          <a:xfrm>
+            <a:off x="446485" y="1383527"/>
+            <a:ext cx="8251031" cy="4329967"/>
+          </a:xfrm>
         </p:spPr>
         <p:txBody>
           <a:bodyPr/>
           <a:lstStyle/>
           <a:p>
             <a:r>
-              <a:rPr lang="en-US" dirty="0" smtClean="0"/>
-              <a:t>To traverse:</a:t>
-            </a:r>
-            <a:endParaRPr dirty="0"/>
-          </a:p>
-        </p:txBody>
-      </p:sp>
-      <p:sp>
-        <p:nvSpPr>
-          <p:cNvPr id="295" name="Shape 295"/>
-          <p:cNvSpPr/>
-          <p:nvPr/>
-        </p:nvSpPr>
-        <p:spPr>
-          <a:xfrm>
-            <a:off x="462275" y="2051436"/>
-            <a:ext cx="8125271" cy="4177267"/>
-          </a:xfrm>
-          <a:prstGeom prst="rect">
-            <a:avLst/>
-          </a:prstGeom>
-          <a:ln w="12700"/>
-          <a:extLst>
-            <a:ext uri="{C572A759-6A51-4108-AA02-DFA0A04FC94B}">
-              <ma14:wrappingTextBoxFlag xmlns:ma14="http://schemas.microsoft.com/office/mac/drawingml/2011/main" val="1"/>
-            </a:ext>
-          </a:extLst>
-        </p:spPr>
-        <p:txBody>
-          <a:bodyPr lIns="0" tIns="0" rIns="0" bIns="0"/>
-          <a:lstStyle/>
-          <a:p>
-            <a:pPr marL="457200" indent="-457200" defTabSz="510244">
-              <a:spcBef>
-                <a:spcPts val="788"/>
-              </a:spcBef>
-              <a:buSzPct val="70000"/>
-              <a:buFont typeface="Arial"/>
-              <a:buChar char="•"/>
-              <a:defRPr sz="2800">
-                <a:solidFill>
-                  <a:srgbClr val="000000"/>
-                </a:solidFill>
-                <a:uFill>
-                  <a:solidFill>
-                    <a:srgbClr val="000000"/>
-                  </a:solidFill>
-                </a:uFill>
-              </a:defRPr>
-            </a:pPr>
-            <a:r>
-              <a:rPr lang="en-US" sz="2400" dirty="0" smtClean="0"/>
-              <a:t>The most common method of data traversal is the “</a:t>
-            </a:r>
-            <a:r>
-              <a:rPr lang="en-US" sz="2400" dirty="0" err="1" smtClean="0"/>
-              <a:t>foreach</a:t>
-            </a:r>
-            <a:r>
-              <a:rPr lang="en-US" sz="2400" dirty="0" smtClean="0"/>
-              <a:t>” loop</a:t>
-            </a:r>
-          </a:p>
-          <a:p>
-            <a:pPr marL="457200" indent="-457200" defTabSz="510244">
-              <a:spcBef>
-                <a:spcPts val="788"/>
-              </a:spcBef>
-              <a:buSzPct val="70000"/>
-              <a:buFont typeface="Arial"/>
-              <a:buChar char="•"/>
-              <a:defRPr sz="2800">
-                <a:solidFill>
-                  <a:srgbClr val="000000"/>
-                </a:solidFill>
-                <a:uFill>
-                  <a:solidFill>
-                    <a:srgbClr val="000000"/>
-                  </a:solidFill>
-                </a:uFill>
-              </a:defRPr>
-            </a:pPr>
-            <a:r>
-              <a:rPr lang="en-US" sz="2400" dirty="0" smtClean="0"/>
-              <a:t>Everyone create an array of numbers as such:</a:t>
-            </a:r>
-          </a:p>
-          <a:p>
-            <a:pPr marL="914258" lvl="1" indent="-457200" defTabSz="510244">
-              <a:spcBef>
-                <a:spcPts val="788"/>
-              </a:spcBef>
-              <a:buSzPct val="70000"/>
-              <a:buFont typeface="Arial"/>
-              <a:buChar char="•"/>
-              <a:defRPr sz="2800">
-                <a:solidFill>
-                  <a:srgbClr val="000000"/>
-                </a:solidFill>
-                <a:uFill>
-                  <a:solidFill>
-                    <a:srgbClr val="000000"/>
-                  </a:solidFill>
-                </a:uFill>
-              </a:defRPr>
-            </a:pPr>
-            <a:r>
-              <a:rPr lang="en-US" sz="2400" dirty="0" smtClean="0"/>
-              <a:t>$</a:t>
-            </a:r>
-            <a:r>
-              <a:rPr lang="en-US" sz="2400" dirty="0" err="1" smtClean="0"/>
-              <a:t>some_numbers</a:t>
-            </a:r>
-            <a:r>
-              <a:rPr lang="en-US" sz="2400" dirty="0" smtClean="0"/>
-              <a:t> = array(1,2,3,4,5,6)</a:t>
-            </a:r>
-          </a:p>
-          <a:p>
-            <a:pPr marL="457200" indent="-457200" defTabSz="510244">
-              <a:spcBef>
-                <a:spcPts val="788"/>
-              </a:spcBef>
-              <a:buSzPct val="70000"/>
-              <a:buFont typeface="Arial"/>
-              <a:buChar char="•"/>
-              <a:defRPr sz="2800">
-                <a:solidFill>
-                  <a:srgbClr val="000000"/>
-                </a:solidFill>
-                <a:uFill>
-                  <a:solidFill>
-                    <a:srgbClr val="000000"/>
-                  </a:solidFill>
-                </a:uFill>
-              </a:defRPr>
-            </a:pPr>
-            <a:r>
-              <a:rPr lang="en-US" sz="2400" dirty="0" smtClean="0"/>
-              <a:t>Now let’s multiply them all by 2:</a:t>
-            </a:r>
-          </a:p>
-          <a:p>
-            <a:pPr lvl="1" defTabSz="510244">
-              <a:spcBef>
-                <a:spcPts val="788"/>
-              </a:spcBef>
-              <a:buSzPct val="70000"/>
-              <a:defRPr sz="2800">
-                <a:solidFill>
-                  <a:srgbClr val="000000"/>
-                </a:solidFill>
-                <a:uFill>
-                  <a:solidFill>
-                    <a:srgbClr val="000000"/>
-                  </a:solidFill>
-                </a:uFill>
-              </a:defRPr>
-            </a:pPr>
-            <a:r>
-              <a:rPr lang="en-US" sz="2400" dirty="0" err="1" smtClean="0"/>
-              <a:t>foreach</a:t>
-            </a:r>
-            <a:r>
-              <a:rPr lang="en-US" sz="2400" dirty="0" smtClean="0"/>
-              <a:t> ($</a:t>
-            </a:r>
-            <a:r>
-              <a:rPr lang="en-US" sz="2400" dirty="0" err="1" smtClean="0"/>
-              <a:t>some_numbers</a:t>
-            </a:r>
-            <a:r>
-              <a:rPr lang="en-US" sz="2400" dirty="0" smtClean="0"/>
-              <a:t> as &amp;$value) {</a:t>
-            </a:r>
-          </a:p>
-          <a:p>
-            <a:pPr lvl="1" defTabSz="510244">
-              <a:spcBef>
-                <a:spcPts val="788"/>
-              </a:spcBef>
-              <a:buSzPct val="70000"/>
-              <a:defRPr sz="2800">
-                <a:solidFill>
-                  <a:srgbClr val="000000"/>
-                </a:solidFill>
-                <a:uFill>
-                  <a:solidFill>
-                    <a:srgbClr val="000000"/>
-                  </a:solidFill>
-                </a:uFill>
-              </a:defRPr>
-            </a:pPr>
-            <a:r>
-              <a:rPr lang="en-US" sz="2400" dirty="0"/>
-              <a:t> </a:t>
-            </a:r>
-            <a:r>
-              <a:rPr lang="en-US" sz="2400" dirty="0" smtClean="0"/>
-              <a:t>        $value = $value * 2;</a:t>
-            </a:r>
-          </a:p>
-          <a:p>
-            <a:pPr lvl="1" defTabSz="510244">
-              <a:spcBef>
-                <a:spcPts val="788"/>
-              </a:spcBef>
-              <a:buSzPct val="70000"/>
-              <a:defRPr sz="2800">
-                <a:solidFill>
-                  <a:srgbClr val="000000"/>
-                </a:solidFill>
-                <a:uFill>
-                  <a:solidFill>
-                    <a:srgbClr val="000000"/>
-                  </a:solidFill>
-                </a:uFill>
-              </a:defRPr>
-            </a:pPr>
-            <a:r>
-              <a:rPr lang="en-US" sz="2400" dirty="0" smtClean="0"/>
-              <a:t>}</a:t>
-            </a:r>
-          </a:p>
-          <a:p>
-            <a:pPr lvl="1" defTabSz="510244">
-              <a:spcBef>
-                <a:spcPts val="788"/>
-              </a:spcBef>
-              <a:buSzPct val="70000"/>
-              <a:defRPr sz="2800">
-                <a:solidFill>
-                  <a:srgbClr val="000000"/>
-                </a:solidFill>
-                <a:uFill>
-                  <a:solidFill>
-                    <a:srgbClr val="000000"/>
-                  </a:solidFill>
-                </a:uFill>
-              </a:defRPr>
-            </a:pPr>
-            <a:r>
-              <a:rPr lang="en-US" sz="2400" dirty="0" err="1" smtClean="0"/>
-              <a:t>var_dump</a:t>
-            </a:r>
-            <a:r>
-              <a:rPr lang="en-US" sz="2400" dirty="0" smtClean="0"/>
-              <a:t>($</a:t>
-            </a:r>
-            <a:r>
-              <a:rPr lang="en-US" sz="2400" dirty="0" err="1" smtClean="0"/>
-              <a:t>some_numbers</a:t>
-            </a:r>
-            <a:r>
-              <a:rPr lang="en-US" sz="2400" dirty="0" smtClean="0"/>
-              <a:t>);</a:t>
-            </a:r>
-          </a:p>
-          <a:p>
-            <a:pPr lvl="1" defTabSz="510244">
-              <a:spcBef>
-                <a:spcPts val="788"/>
-              </a:spcBef>
-              <a:buSzPct val="70000"/>
-              <a:defRPr sz="2800">
-                <a:solidFill>
-                  <a:srgbClr val="000000"/>
-                </a:solidFill>
-                <a:uFill>
-                  <a:solidFill>
-                    <a:srgbClr val="000000"/>
-                  </a:solidFill>
-                </a:uFill>
-              </a:defRPr>
-            </a:pPr>
-            <a:endParaRPr lang="en-US" sz="2400" dirty="0"/>
-          </a:p>
-        </p:txBody>
-      </p:sp>
-      <p:pic>
-        <p:nvPicPr>
-          <p:cNvPr id="4" name="Picture 3"/>
-          <p:cNvPicPr>
-            <a:picLocks noChangeAspect="1"/>
-          </p:cNvPicPr>
-          <p:nvPr/>
-        </p:nvPicPr>
-        <p:blipFill>
-          <a:blip r:embed="rId3"/>
-          <a:stretch>
-            <a:fillRect/>
-          </a:stretch>
-        </p:blipFill>
-        <p:spPr>
-          <a:xfrm>
-            <a:off x="6253688" y="4187744"/>
-            <a:ext cx="2458599" cy="2458599"/>
-          </a:xfrm>
-          <a:prstGeom prst="rect">
-            <a:avLst/>
-          </a:prstGeom>
-        </p:spPr>
-      </p:pic>
+              <a:rPr lang="en-US" sz="8800" dirty="0" smtClean="0"/>
+              <a:t>Traversing data structures (and more)</a:t>
+            </a:r>
+            <a:endParaRPr lang="en-US" sz="8800" dirty="0"/>
+          </a:p>
+        </p:txBody>
+      </p:sp>
     </p:spTree>
     <p:extLst>
       <p:ext uri="{BB962C8B-B14F-4D97-AF65-F5344CB8AC3E}">
-        <p14:creationId xmlns:p14="http://schemas.microsoft.com/office/powerpoint/2010/main" val="406728250"/>
+        <p14:creationId xmlns:p14="http://schemas.microsoft.com/office/powerpoint/2010/main" val="2733447004"/>
       </p:ext>
     </p:extLst>
   </p:cSld>
   <p:clrMapOvr>
     <a:masterClrMapping/>
   </p:clrMapOvr>
-  <p:transition xmlns:p14="http://schemas.microsoft.com/office/powerpoint/2010/main" spd="slow"/>
+  <p:transition xmlns:p14="http://schemas.microsoft.com/office/powerpoint/2010/main" spd="med"/>
   <p:timing>
     <p:tnLst>
       <p:par>
@@ -19840,7 +19713,15 @@
             </a:pPr>
             <a:r>
               <a:rPr lang="en-US" sz="2400" dirty="0" smtClean="0"/>
-              <a:t>You can also do “while” loops, as in “while x &lt; 10 do y;”. </a:t>
+              <a:t>The most common method of data traversal is the “</a:t>
+            </a:r>
+            <a:r>
+              <a:rPr lang="en-US" sz="2400" dirty="0" err="1" smtClean="0"/>
+              <a:t>foreach</a:t>
+            </a:r>
+            <a:r>
+              <a:rPr lang="en-US" sz="2400" dirty="0" smtClean="0"/>
+              <a:t>” loop</a:t>
             </a:r>
           </a:p>
           <a:p>
@@ -19864,15 +19745,17 @@
             </a:pPr>
             <a:r>
               <a:rPr lang="en-US" sz="2400" dirty="0" smtClean="0"/>
-              <a:t>The syntax for this is:</a:t>
-            </a:r>
-          </a:p>
-          <a:p>
-            <a:pPr defTabSz="510244">
+              <a:t>Everyone create an array of numbers as such:</a:t>
+            </a:r>
+          </a:p>
+          <a:p>
+            <a:pPr marL="914258" lvl="1" indent="-457200" defTabSz="510244">
               <a:spcBef>
                 <a:spcPts val="788"/>
               </a:spcBef>
               <a:buSzPct val="70000"/>
+              <a:buFont typeface="Arial"/>
+              <a:buChar char="•"/>
               <a:defRPr sz="2800">
                 <a:solidFill>
                   <a:srgbClr val="000000"/>
@@ -19885,24 +19768,26 @@
               </a:defRPr>
             </a:pPr>
             <a:r>
-              <a:rPr lang="en-US" sz="2400" dirty="0"/>
+              <a:rPr lang="en-US" sz="2400" dirty="0" smtClean="0"/>
               <a:t>$</a:t>
             </a:r>
             <a:r>
-              <a:rPr lang="en-US" sz="2400" dirty="0" err="1"/>
-              <a:t>i</a:t>
-            </a:r>
-            <a:r>
-              <a:rPr lang="en-US" sz="2400" dirty="0"/>
-              <a:t> = 1;</a:t>
-            </a:r>
-          </a:p>
-          <a:p>
-            <a:pPr defTabSz="510244">
+              <a:rPr lang="en-US" sz="2400" dirty="0" err="1" smtClean="0"/>
+              <a:t>some_numbers</a:t>
+            </a:r>
+            <a:r>
+              <a:rPr lang="en-US" sz="2400" dirty="0" smtClean="0"/>
+              <a:t> = array(1,2,3,4,5,6)</a:t>
+            </a:r>
+          </a:p>
+          <a:p>
+            <a:pPr marL="457200" indent="-457200" defTabSz="510244">
               <a:spcBef>
                 <a:spcPts val="788"/>
               </a:spcBef>
               <a:buSzPct val="70000"/>
+              <a:buFont typeface="Arial"/>
+              <a:buChar char="•"/>
               <a:defRPr sz="2800">
                 <a:solidFill>
                   <a:srgbClr val="000000"/>
@@ -19915,24 +19800,12 @@
               </a:defRPr>
             </a:pPr>
             <a:r>
-              <a:rPr lang="en-US" sz="2400" dirty="0"/>
-              <a:t>while ($</a:t>
-            </a:r>
-            <a:r>
-              <a:rPr lang="en-US" sz="2400" dirty="0" err="1"/>
-              <a:t>i</a:t>
-            </a:r>
-            <a:r>
-              <a:rPr lang="en-US" sz="2400" dirty="0"/>
-              <a:t> &lt;= 10) </a:t>
-            </a:r>
-            <a:r>
               <a:rPr lang="en-US" sz="2400" dirty="0" smtClean="0"/>
-              <a:t>{</a:t>
-            </a:r>
-          </a:p>
-          <a:p>
-            <a:pPr defTabSz="510244">
+              <a:t>Now let’s multiply them all by 2:</a:t>
+            </a:r>
+          </a:p>
+          <a:p>
+            <a:pPr lvl="1" defTabSz="510244">
               <a:spcBef>
                 <a:spcPts val="788"/>
               </a:spcBef>
@@ -19949,24 +19822,24 @@
               </a:defRPr>
             </a:pPr>
             <a:r>
+              <a:rPr lang="en-US" sz="2400" dirty="0" err="1" smtClean="0"/>
+              <a:t>foreach</a:t>
+            </a:r>
+            <a:r>
               <a:rPr lang="en-US" sz="2400" dirty="0" smtClean="0"/>
-              <a:t>echo </a:t>
-            </a:r>
-            <a:r>
-              <a:rPr lang="en-US" sz="2400" dirty="0"/>
-              <a:t>$</a:t>
-            </a:r>
-            <a:r>
-              <a:rPr lang="en-US" sz="2400" dirty="0" err="1"/>
-              <a:t>i</a:t>
-            </a:r>
-            <a:r>
-              <a:rPr lang="en-US" sz="2400" dirty="0"/>
-              <a:t>++;  /* the printed value would be</a:t>
-            </a:r>
-          </a:p>
-          <a:p>
-            <a:pPr defTabSz="510244">
+              <a:t> ($</a:t>
+            </a:r>
+            <a:r>
+              <a:rPr lang="en-US" sz="2400" dirty="0" err="1" smtClean="0"/>
+              <a:t>some_numbers</a:t>
+            </a:r>
+            <a:r>
+              <a:rPr lang="en-US" sz="2400" dirty="0" smtClean="0"/>
+              <a:t> as &amp;$value) {</a:t>
+            </a:r>
+          </a:p>
+          <a:p>
+            <a:pPr lvl="1" defTabSz="510244">
               <a:spcBef>
                 <a:spcPts val="788"/>
               </a:spcBef>
@@ -19983,24 +19856,16 @@
               </a:defRPr>
             </a:pPr>
             <a:r>
+              <a:rPr lang="en-US" sz="2400" dirty="0"/>
+              <a:t> </a:t>
+            </a:r>
+            <a:r>
               <a:rPr lang="en-US" sz="2400" dirty="0" smtClean="0"/>
-              <a:t>                   </a:t>
-            </a:r>
-            <a:r>
-              <a:rPr lang="en-US" sz="2400" dirty="0"/>
-              <a:t>$</a:t>
-            </a:r>
-            <a:r>
-              <a:rPr lang="en-US" sz="2400" dirty="0" err="1"/>
-              <a:t>i</a:t>
-            </a:r>
-            <a:r>
-              <a:rPr lang="en-US" sz="2400" dirty="0"/>
-              <a:t> before the increment</a:t>
-            </a:r>
-          </a:p>
-          <a:p>
-            <a:pPr defTabSz="510244">
+              <a:t>        $value = $value * 2;</a:t>
+            </a:r>
+          </a:p>
+          <a:p>
+            <a:pPr lvl="1" defTabSz="510244">
               <a:spcBef>
                 <a:spcPts val="788"/>
               </a:spcBef>
@@ -20017,12 +19882,12 @@
               </a:defRPr>
             </a:pPr>
             <a:r>
-              <a:rPr lang="en-US" sz="2400" dirty="0"/>
-              <a:t>                   (post-increment) */</a:t>
-            </a:r>
-          </a:p>
-          <a:p>
-            <a:pPr defTabSz="510244">
+              <a:rPr lang="en-US" sz="2400" dirty="0" smtClean="0"/>
+              <a:t>}</a:t>
+            </a:r>
+          </a:p>
+          <a:p>
+            <a:pPr lvl="1" defTabSz="510244">
               <a:spcBef>
                 <a:spcPts val="788"/>
               </a:spcBef>
@@ -20039,10 +19904,21 @@
               </a:defRPr>
             </a:pPr>
             <a:r>
-              <a:rPr lang="en-US" sz="2400" dirty="0"/>
-              <a:t>}</a:t>
-            </a:r>
-            <a:endParaRPr lang="en-US" sz="2400" dirty="0" smtClean="0"/>
+              <a:rPr lang="en-US" sz="2400" dirty="0" err="1" smtClean="0"/>
+              <a:t>var_dump</a:t>
+            </a:r>
+            <a:r>
+              <a:rPr lang="en-US" sz="2400" dirty="0" smtClean="0"/>
+              <a:t>($</a:t>
+            </a:r>
+            <a:r>
+              <a:rPr lang="en-US" sz="2400" dirty="0" err="1" smtClean="0"/>
+              <a:t>some_numbers</a:t>
+            </a:r>
+            <a:r>
+              <a:rPr lang="en-US" sz="2400" dirty="0" smtClean="0"/>
+              <a:t>);</a:t>
+            </a:r>
           </a:p>
           <a:p>
             <a:pPr lvl="1" defTabSz="510244">
@@ -20065,87 +19941,34 @@
           </a:p>
         </p:txBody>
       </p:sp>
-      <p:sp>
-        <p:nvSpPr>
-          <p:cNvPr id="3" name="TextBox 2"/>
-          <p:cNvSpPr txBox="1"/>
+      <p:pic>
+        <p:nvPicPr>
+          <p:cNvPr id="4" name="Picture 3"/>
+          <p:cNvPicPr>
+            <a:picLocks noChangeAspect="1"/>
+          </p:cNvPicPr>
           <p:nvPr/>
-        </p:nvSpPr>
+        </p:nvPicPr>
+        <p:blipFill>
+          <a:blip r:embed="rId3"/>
+          <a:stretch>
+            <a:fillRect/>
+          </a:stretch>
+        </p:blipFill>
         <p:spPr>
           <a:xfrm>
-            <a:off x="1043301" y="2403796"/>
-            <a:ext cx="102592" cy="471924"/>
+            <a:off x="6253688" y="4187744"/>
+            <a:ext cx="2458599" cy="2458599"/>
           </a:xfrm>
           <a:prstGeom prst="rect">
             <a:avLst/>
           </a:prstGeom>
-          <a:noFill/>
-          <a:ln w="12700" cap="flat">
-            <a:noFill/>
-            <a:miter lim="400000"/>
-          </a:ln>
-          <a:effectLst/>
-          <a:sp3d/>
-        </p:spPr>
-        <p:style>
-          <a:lnRef idx="0">
-            <a:scrgbClr r="0" g="0" b="0"/>
-          </a:lnRef>
-          <a:fillRef idx="0">
-            <a:scrgbClr r="0" g="0" b="0"/>
-          </a:fillRef>
-          <a:effectRef idx="0">
-            <a:scrgbClr r="0" g="0" b="0"/>
-          </a:effectRef>
-          <a:fontRef idx="none"/>
-        </p:style>
-        <p:txBody>
-          <a:bodyPr rot="0" spcFirstLastPara="1" vertOverflow="overflow" horzOverflow="overflow" vert="horz" wrap="none" lIns="50800" tIns="50800" rIns="50800" bIns="50800" numCol="1" spcCol="38100" rtlCol="0" anchor="ctr">
-            <a:spAutoFit/>
-          </a:bodyPr>
-          <a:lstStyle/>
-          <a:p>
-            <a:pPr marL="0" marR="0" indent="0" algn="l" defTabSz="1308100" rtl="0" fontAlgn="auto" latinLnBrk="0" hangingPunct="0">
-              <a:lnSpc>
-                <a:spcPct val="100000"/>
-              </a:lnSpc>
-              <a:spcBef>
-                <a:spcPts val="0"/>
-              </a:spcBef>
-              <a:spcAft>
-                <a:spcPts val="0"/>
-              </a:spcAft>
-              <a:buClrTx/>
-              <a:buSzTx/>
-              <a:buFontTx/>
-              <a:buNone/>
-              <a:tabLst/>
-            </a:pPr>
-            <a:endParaRPr kumimoji="0" lang="en-US" sz="2400" b="0" i="0" u="none" strike="noStrike" cap="none" spc="0" normalizeH="0" baseline="0" dirty="0">
-              <a:ln>
-                <a:noFill/>
-              </a:ln>
-              <a:solidFill>
-                <a:srgbClr val="FFFFFF"/>
-              </a:solidFill>
-              <a:effectLst/>
-              <a:uFill>
-                <a:solidFill>
-                  <a:srgbClr val="FFFFFF"/>
-                </a:solidFill>
-              </a:uFill>
-              <a:latin typeface="+mn-lt"/>
-              <a:ea typeface="+mn-ea"/>
-              <a:cs typeface="+mn-cs"/>
-              <a:sym typeface="Helvetica"/>
-            </a:endParaRPr>
-          </a:p>
-        </p:txBody>
-      </p:sp>
+        </p:spPr>
+      </p:pic>
     </p:spTree>
     <p:extLst>
       <p:ext uri="{BB962C8B-B14F-4D97-AF65-F5344CB8AC3E}">
-        <p14:creationId xmlns:p14="http://schemas.microsoft.com/office/powerpoint/2010/main" val="3055198221"/>
+        <p14:creationId xmlns:p14="http://schemas.microsoft.com/office/powerpoint/2010/main" val="406728250"/>
       </p:ext>
     </p:extLst>
   </p:cSld>
@@ -20228,7 +20051,7 @@
           <a:p>
             <a:r>
               <a:rPr lang="en-US" dirty="0" smtClean="0"/>
-              <a:t>Do…while</a:t>
+              <a:t>To traverse:</a:t>
             </a:r>
             <a:endParaRPr dirty="0"/>
           </a:p>
@@ -20279,7 +20102,7 @@
             </a:pPr>
             <a:r>
               <a:rPr lang="en-US" sz="2400" dirty="0" smtClean="0"/>
-              <a:t>This is PHP for “DO a thing WHILE this condition is TRUE”</a:t>
+              <a:t>You can also do “while” loops, as in “while x &lt; 10 do y;”. </a:t>
             </a:r>
           </a:p>
           <a:p>
@@ -20325,7 +20148,15 @@
             </a:pPr>
             <a:r>
               <a:rPr lang="en-US" sz="2400" dirty="0"/>
-              <a:t>do {</a:t>
+              <a:t>$</a:t>
+            </a:r>
+            <a:r>
+              <a:rPr lang="en-US" sz="2400" dirty="0" err="1"/>
+              <a:t>i</a:t>
+            </a:r>
+            <a:r>
+              <a:rPr lang="en-US" sz="2400" dirty="0"/>
+              <a:t> = 1;</a:t>
             </a:r>
           </a:p>
           <a:p>
@@ -20347,21 +20178,20 @@
             </a:pPr>
             <a:r>
               <a:rPr lang="en-US" sz="2400" dirty="0"/>
-              <a:t>   </a:t>
+              <a:t>while ($</a:t>
+            </a:r>
+            <a:r>
+              <a:rPr lang="en-US" sz="2400" dirty="0" err="1"/>
+              <a:t>i</a:t>
+            </a:r>
+            <a:r>
+              <a:rPr lang="en-US" sz="2400" dirty="0"/>
+              <a:t> &lt;= 10) </a:t>
             </a:r>
             <a:r>
               <a:rPr lang="en-US" sz="2400" dirty="0" smtClean="0"/>
-              <a:t>echo “The </a:t>
-            </a:r>
-            <a:r>
-              <a:rPr lang="en-US" sz="2400" dirty="0" err="1" smtClean="0"/>
-              <a:t>yankees</a:t>
-            </a:r>
-            <a:r>
-              <a:rPr lang="en-US" sz="2400" dirty="0" smtClean="0"/>
-              <a:t> suck!”</a:t>
-            </a:r>
-            <a:endParaRPr lang="en-US" sz="2400" dirty="0"/>
+              <a:t>{</a:t>
+            </a:r>
           </a:p>
           <a:p>
             <a:pPr defTabSz="510244">
@@ -20381,8 +20211,20 @@
               </a:defRPr>
             </a:pPr>
             <a:r>
+              <a:rPr lang="en-US" sz="2400" dirty="0" smtClean="0"/>
+              <a:t>echo </a:t>
+            </a:r>
+            <a:r>
               <a:rPr lang="en-US" sz="2400" dirty="0"/>
-              <a:t>}</a:t>
+              <a:t>$</a:t>
+            </a:r>
+            <a:r>
+              <a:rPr lang="en-US" sz="2400" dirty="0" err="1"/>
+              <a:t>i</a:t>
+            </a:r>
+            <a:r>
+              <a:rPr lang="en-US" sz="2400" dirty="0"/>
+              <a:t>++;  /* the printed value would be</a:t>
             </a:r>
           </a:p>
           <a:p>
@@ -20403,24 +20245,64 @@
               </a:defRPr>
             </a:pPr>
             <a:r>
+              <a:rPr lang="en-US" sz="2400" dirty="0" smtClean="0"/>
+              <a:t>                   </a:t>
+            </a:r>
+            <a:r>
               <a:rPr lang="en-US" sz="2400" dirty="0"/>
-              <a:t>while </a:t>
-            </a:r>
-            <a:r>
-              <a:rPr lang="en-US" sz="2400" dirty="0" smtClean="0"/>
-              <a:t>($</a:t>
-            </a:r>
-            <a:r>
-              <a:rPr lang="en-US" sz="2400" dirty="0" err="1" smtClean="0"/>
-              <a:t>phillies_win_record</a:t>
-            </a:r>
-            <a:r>
-              <a:rPr lang="en-US" sz="2400" dirty="0" smtClean="0"/>
-              <a:t> &lt; .500)</a:t>
+              <a:t>$</a:t>
+            </a:r>
+            <a:r>
+              <a:rPr lang="en-US" sz="2400" dirty="0" err="1"/>
+              <a:t>i</a:t>
             </a:r>
             <a:r>
               <a:rPr lang="en-US" sz="2400" dirty="0"/>
-              <a:t>;</a:t>
+              <a:t> before the increment</a:t>
+            </a:r>
+          </a:p>
+          <a:p>
+            <a:pPr defTabSz="510244">
+              <a:spcBef>
+                <a:spcPts val="788"/>
+              </a:spcBef>
+              <a:buSzPct val="70000"/>
+              <a:defRPr sz="2800">
+                <a:solidFill>
+                  <a:srgbClr val="000000"/>
+                </a:solidFill>
+                <a:uFill>
+                  <a:solidFill>
+                    <a:srgbClr val="000000"/>
+                  </a:solidFill>
+                </a:uFill>
+              </a:defRPr>
+            </a:pPr>
+            <a:r>
+              <a:rPr lang="en-US" sz="2400" dirty="0"/>
+              <a:t>                   (post-increment) */</a:t>
+            </a:r>
+          </a:p>
+          <a:p>
+            <a:pPr defTabSz="510244">
+              <a:spcBef>
+                <a:spcPts val="788"/>
+              </a:spcBef>
+              <a:buSzPct val="70000"/>
+              <a:defRPr sz="2800">
+                <a:solidFill>
+                  <a:srgbClr val="000000"/>
+                </a:solidFill>
+                <a:uFill>
+                  <a:solidFill>
+                    <a:srgbClr val="000000"/>
+                  </a:solidFill>
+                </a:uFill>
+              </a:defRPr>
+            </a:pPr>
+            <a:r>
+              <a:rPr lang="en-US" sz="2400" dirty="0"/>
+              <a:t>}</a:t>
             </a:r>
             <a:endParaRPr lang="en-US" sz="2400" dirty="0" smtClean="0"/>
           </a:p>
@@ -20522,34 +20404,10 @@
           </a:p>
         </p:txBody>
       </p:sp>
-      <p:pic>
-        <p:nvPicPr>
-          <p:cNvPr id="2" name="Picture 1"/>
-          <p:cNvPicPr>
-            <a:picLocks noChangeAspect="1"/>
-          </p:cNvPicPr>
-          <p:nvPr/>
-        </p:nvPicPr>
-        <p:blipFill>
-          <a:blip r:embed="rId3"/>
-          <a:stretch>
-            <a:fillRect/>
-          </a:stretch>
-        </p:blipFill>
-        <p:spPr>
-          <a:xfrm>
-            <a:off x="5841734" y="4550583"/>
-            <a:ext cx="2394215" cy="2099867"/>
-          </a:xfrm>
-          <a:prstGeom prst="rect">
-            <a:avLst/>
-          </a:prstGeom>
-        </p:spPr>
-      </p:pic>
     </p:spTree>
     <p:extLst>
       <p:ext uri="{BB962C8B-B14F-4D97-AF65-F5344CB8AC3E}">
-        <p14:creationId xmlns:p14="http://schemas.microsoft.com/office/powerpoint/2010/main" val="627082904"/>
+        <p14:creationId xmlns:p14="http://schemas.microsoft.com/office/powerpoint/2010/main" val="3055198221"/>
       </p:ext>
     </p:extLst>
   </p:cSld>
@@ -20632,7 +20490,7 @@
           <a:p>
             <a:r>
               <a:rPr lang="en-US" dirty="0" smtClean="0"/>
-              <a:t>Array tricks</a:t>
+              <a:t>Do…while</a:t>
             </a:r>
             <a:endParaRPr dirty="0"/>
           </a:p>
@@ -20663,11 +20521,13 @@
           <a:bodyPr lIns="0" tIns="0" rIns="0" bIns="0"/>
           <a:lstStyle/>
           <a:p>
-            <a:pPr lvl="1" defTabSz="510244">
+            <a:pPr marL="457200" indent="-457200" defTabSz="510244">
               <a:spcBef>
                 <a:spcPts val="788"/>
               </a:spcBef>
               <a:buSzPct val="70000"/>
+              <a:buFont typeface="Arial"/>
+              <a:buChar char="•"/>
               <a:defRPr sz="2800">
                 <a:solidFill>
                   <a:srgbClr val="000000"/>
@@ -20681,22 +20541,17 @@
             </a:pPr>
             <a:r>
               <a:rPr lang="en-US" sz="2400" dirty="0" smtClean="0"/>
-              <a:t>A quick note on anything that involves counting/looping:</a:t>
-            </a:r>
-            <a:br>
-              <a:rPr lang="en-US" sz="2400" dirty="0" smtClean="0"/>
-            </a:br>
-            <a:r>
-              <a:rPr lang="en-US" sz="2400" dirty="0" smtClean="0"/>
-              <a:t>	In PHP (and in all computer programming)- the first index of a list or array is the “0” portion….</a:t>
-            </a:r>
-          </a:p>
-          <a:p>
-            <a:pPr lvl="1" defTabSz="510244">
+              <a:t>This is PHP for “DO a thing WHILE this condition is TRUE”</a:t>
+            </a:r>
+          </a:p>
+          <a:p>
+            <a:pPr marL="457200" indent="-457200" defTabSz="510244">
               <a:spcBef>
                 <a:spcPts val="788"/>
               </a:spcBef>
               <a:buSzPct val="70000"/>
+              <a:buFont typeface="Arial"/>
+              <a:buChar char="•"/>
               <a:defRPr sz="2800">
                 <a:solidFill>
                   <a:srgbClr val="000000"/>
@@ -20710,11 +20565,11 @@
             </a:pPr>
             <a:r>
               <a:rPr lang="en-US" sz="2400" dirty="0" smtClean="0"/>
-              <a:t>So to return “fern” in this array:</a:t>
-            </a:r>
-          </a:p>
-          <a:p>
-            <a:pPr lvl="1" defTabSz="510244">
+              <a:t>The syntax for this is:</a:t>
+            </a:r>
+          </a:p>
+          <a:p>
+            <a:pPr defTabSz="510244">
               <a:spcBef>
                 <a:spcPts val="788"/>
               </a:spcBef>
@@ -20732,39 +20587,11 @@
             </a:pPr>
             <a:r>
               <a:rPr lang="en-US" sz="2400" dirty="0"/>
-              <a:t>	</a:t>
-            </a:r>
-            <a:r>
-              <a:rPr lang="en-US" sz="2400" dirty="0" smtClean="0"/>
-              <a:t>$</a:t>
-            </a:r>
-            <a:r>
-              <a:rPr lang="en-US" sz="2400" dirty="0" err="1" smtClean="0"/>
-              <a:t>myarray</a:t>
-            </a:r>
-            <a:r>
-              <a:rPr lang="en-US" sz="2400" dirty="0" smtClean="0"/>
-              <a:t> = array(“fern”, “</a:t>
-            </a:r>
-            <a:r>
-              <a:rPr lang="en-US" sz="2400" dirty="0" err="1" smtClean="0"/>
-              <a:t>vicki</a:t>
-            </a:r>
-            <a:r>
-              <a:rPr lang="en-US" sz="2400" dirty="0" smtClean="0"/>
-              <a:t>”, “</a:t>
-            </a:r>
-            <a:r>
-              <a:rPr lang="en-US" sz="2400" dirty="0" err="1" smtClean="0"/>
-              <a:t>wookie</a:t>
-            </a:r>
-            <a:r>
-              <a:rPr lang="en-US" sz="2400" dirty="0" smtClean="0"/>
-              <a:t>”)</a:t>
-            </a:r>
-          </a:p>
-          <a:p>
-            <a:pPr lvl="1" defTabSz="510244">
+              <a:t>do {</a:t>
+            </a:r>
+          </a:p>
+          <a:p>
+            <a:pPr defTabSz="510244">
               <a:spcBef>
                 <a:spcPts val="788"/>
               </a:spcBef>
@@ -20780,10 +20607,26 @@
                 </a:uFill>
               </a:defRPr>
             </a:pPr>
+            <a:r>
+              <a:rPr lang="en-US" sz="2400" dirty="0"/>
+              <a:t>   </a:t>
+            </a:r>
+            <a:r>
+              <a:rPr lang="en-US" sz="2400" dirty="0" smtClean="0"/>
+              <a:t>echo “The </a:t>
+            </a:r>
+            <a:r>
+              <a:rPr lang="en-US" sz="2400" dirty="0" err="1" smtClean="0"/>
+              <a:t>yankees</a:t>
+            </a:r>
+            <a:r>
+              <a:rPr lang="en-US" sz="2400" dirty="0" smtClean="0"/>
+              <a:t> suck!”</a:t>
+            </a:r>
             <a:endParaRPr lang="en-US" sz="2400" dirty="0"/>
           </a:p>
           <a:p>
-            <a:pPr lvl="1" defTabSz="510244">
+            <a:pPr defTabSz="510244">
               <a:spcBef>
                 <a:spcPts val="788"/>
               </a:spcBef>
@@ -20800,17 +20643,66 @@
               </a:defRPr>
             </a:pPr>
             <a:r>
+              <a:rPr lang="en-US" sz="2400" dirty="0"/>
+              <a:t>}</a:t>
+            </a:r>
+          </a:p>
+          <a:p>
+            <a:pPr defTabSz="510244">
+              <a:spcBef>
+                <a:spcPts val="788"/>
+              </a:spcBef>
+              <a:buSzPct val="70000"/>
+              <a:defRPr sz="2800">
+                <a:solidFill>
+                  <a:srgbClr val="000000"/>
+                </a:solidFill>
+                <a:uFill>
+                  <a:solidFill>
+                    <a:srgbClr val="000000"/>
+                  </a:solidFill>
+                </a:uFill>
+              </a:defRPr>
+            </a:pPr>
+            <a:r>
+              <a:rPr lang="en-US" sz="2400" dirty="0"/>
+              <a:t>while </a:t>
+            </a:r>
+            <a:r>
               <a:rPr lang="en-US" sz="2400" dirty="0" smtClean="0"/>
-              <a:t>You would do $</a:t>
+              <a:t>($</a:t>
             </a:r>
             <a:r>
               <a:rPr lang="en-US" sz="2400" dirty="0" err="1" smtClean="0"/>
-              <a:t>myarray</a:t>
+              <a:t>phillies_win_record</a:t>
             </a:r>
             <a:r>
               <a:rPr lang="en-US" sz="2400" dirty="0" smtClean="0"/>
-              <a:t>[0]</a:t>
-            </a:r>
+              <a:t> &lt; .500)</a:t>
+            </a:r>
+            <a:r>
+              <a:rPr lang="en-US" sz="2400" dirty="0"/>
+              <a:t>;</a:t>
+            </a:r>
+            <a:endParaRPr lang="en-US" sz="2400" dirty="0" smtClean="0"/>
+          </a:p>
+          <a:p>
+            <a:pPr lvl="1" defTabSz="510244">
+              <a:spcBef>
+                <a:spcPts val="788"/>
+              </a:spcBef>
+              <a:buSzPct val="70000"/>
+              <a:defRPr sz="2800">
+                <a:solidFill>
+                  <a:srgbClr val="000000"/>
+                </a:solidFill>
+                <a:uFill>
+                  <a:solidFill>
+                    <a:srgbClr val="000000"/>
+                  </a:solidFill>
+                </a:uFill>
+              </a:defRPr>
+            </a:pPr>
             <a:endParaRPr lang="en-US" sz="2400" dirty="0"/>
           </a:p>
         </p:txBody>
@@ -20892,10 +20784,34 @@
           </a:p>
         </p:txBody>
       </p:sp>
+      <p:pic>
+        <p:nvPicPr>
+          <p:cNvPr id="2" name="Picture 1"/>
+          <p:cNvPicPr>
+            <a:picLocks noChangeAspect="1"/>
+          </p:cNvPicPr>
+          <p:nvPr/>
+        </p:nvPicPr>
+        <p:blipFill>
+          <a:blip r:embed="rId3"/>
+          <a:stretch>
+            <a:fillRect/>
+          </a:stretch>
+        </p:blipFill>
+        <p:spPr>
+          <a:xfrm>
+            <a:off x="5841734" y="4550583"/>
+            <a:ext cx="2394215" cy="2099867"/>
+          </a:xfrm>
+          <a:prstGeom prst="rect">
+            <a:avLst/>
+          </a:prstGeom>
+        </p:spPr>
+      </p:pic>
     </p:spTree>
     <p:extLst>
       <p:ext uri="{BB962C8B-B14F-4D97-AF65-F5344CB8AC3E}">
-        <p14:creationId xmlns:p14="http://schemas.microsoft.com/office/powerpoint/2010/main" val="3380178325"/>
+        <p14:creationId xmlns:p14="http://schemas.microsoft.com/office/powerpoint/2010/main" val="627082904"/>
       </p:ext>
     </p:extLst>
   </p:cSld>
@@ -20978,7 +20894,7 @@
           <a:p>
             <a:r>
               <a:rPr lang="en-US" dirty="0" smtClean="0"/>
-              <a:t>Libraries</a:t>
+              <a:t>Array tricks</a:t>
             </a:r>
             <a:endParaRPr dirty="0"/>
           </a:p>
@@ -21027,7 +20943,14 @@
             </a:pPr>
             <a:r>
               <a:rPr lang="en-US" sz="2400" dirty="0" smtClean="0"/>
-              <a:t>In PHP you can import someone else’s code at will by putting “REQUIRE &lt;library name&gt; at the top of your code. </a:t>
+              <a:t>A quick note on anything that involves counting/looping:</a:t>
+            </a:r>
+            <a:br>
+              <a:rPr lang="en-US" sz="2400" dirty="0" smtClean="0"/>
+            </a:br>
+            <a:r>
+              <a:rPr lang="en-US" sz="2400" dirty="0" smtClean="0"/>
+              <a:t>	In PHP (and in all computer programming)- the first index of a list or array is the “0” portion….</a:t>
             </a:r>
           </a:p>
           <a:p>
@@ -21049,31 +20972,106 @@
             </a:pPr>
             <a:r>
               <a:rPr lang="en-US" sz="2400" dirty="0" smtClean="0"/>
-              <a:t>A </a:t>
-            </a:r>
-            <a:r>
-              <a:rPr lang="en-US" sz="2400" b="1" dirty="0" smtClean="0"/>
-              <a:t>library</a:t>
+              <a:t>So to return “fern” in this array:</a:t>
+            </a:r>
+          </a:p>
+          <a:p>
+            <a:pPr lvl="1" defTabSz="510244">
+              <a:spcBef>
+                <a:spcPts val="788"/>
+              </a:spcBef>
+              <a:buSzPct val="70000"/>
+              <a:defRPr sz="2800">
+                <a:solidFill>
+                  <a:srgbClr val="000000"/>
+                </a:solidFill>
+                <a:uFill>
+                  <a:solidFill>
+                    <a:srgbClr val="000000"/>
+                  </a:solidFill>
+                </a:uFill>
+              </a:defRPr>
+            </a:pPr>
+            <a:r>
+              <a:rPr lang="en-US" sz="2400" dirty="0"/>
+              <a:t>	</a:t>
             </a:r>
             <a:r>
               <a:rPr lang="en-US" sz="2400" dirty="0" smtClean="0"/>
-              <a:t> is a bunch of PHP code that some kind soul has already written for you. By </a:t>
-            </a:r>
-            <a:r>
-              <a:rPr lang="en-US" sz="2400" b="1" dirty="0" smtClean="0"/>
-              <a:t>requiring (or including)</a:t>
+              <a:t>$</a:t>
+            </a:r>
+            <a:r>
+              <a:rPr lang="en-US" sz="2400" dirty="0" err="1" smtClean="0"/>
+              <a:t>myarray</a:t>
             </a:r>
             <a:r>
               <a:rPr lang="en-US" sz="2400" dirty="0" smtClean="0"/>
-              <a:t> it you can steal it and use it in your own code in order to, for example, connect to a database (or read a </a:t>
+              <a:t> = array(“fern”, “</a:t>
             </a:r>
             <a:r>
               <a:rPr lang="en-US" sz="2400" dirty="0" err="1" smtClean="0"/>
-              <a:t>csv</a:t>
+              <a:t>vicki</a:t>
             </a:r>
             <a:r>
               <a:rPr lang="en-US" sz="2400" dirty="0" smtClean="0"/>
-              <a:t>).</a:t>
+              <a:t>”, “</a:t>
+            </a:r>
+            <a:r>
+              <a:rPr lang="en-US" sz="2400" dirty="0" err="1" smtClean="0"/>
+              <a:t>wookie</a:t>
+            </a:r>
+            <a:r>
+              <a:rPr lang="en-US" sz="2400" dirty="0" smtClean="0"/>
+              <a:t>”)</a:t>
+            </a:r>
+          </a:p>
+          <a:p>
+            <a:pPr lvl="1" defTabSz="510244">
+              <a:spcBef>
+                <a:spcPts val="788"/>
+              </a:spcBef>
+              <a:buSzPct val="70000"/>
+              <a:defRPr sz="2800">
+                <a:solidFill>
+                  <a:srgbClr val="000000"/>
+                </a:solidFill>
+                <a:uFill>
+                  <a:solidFill>
+                    <a:srgbClr val="000000"/>
+                  </a:solidFill>
+                </a:uFill>
+              </a:defRPr>
+            </a:pPr>
+            <a:endParaRPr lang="en-US" sz="2400" dirty="0"/>
+          </a:p>
+          <a:p>
+            <a:pPr lvl="1" defTabSz="510244">
+              <a:spcBef>
+                <a:spcPts val="788"/>
+              </a:spcBef>
+              <a:buSzPct val="70000"/>
+              <a:defRPr sz="2800">
+                <a:solidFill>
+                  <a:srgbClr val="000000"/>
+                </a:solidFill>
+                <a:uFill>
+                  <a:solidFill>
+                    <a:srgbClr val="000000"/>
+                  </a:solidFill>
+                </a:uFill>
+              </a:defRPr>
+            </a:pPr>
+            <a:r>
+              <a:rPr lang="en-US" sz="2400" dirty="0" smtClean="0"/>
+              <a:t>You would do $</a:t>
+            </a:r>
+            <a:r>
+              <a:rPr lang="en-US" sz="2400" dirty="0" err="1" smtClean="0"/>
+              <a:t>myarray</a:t>
+            </a:r>
+            <a:r>
+              <a:rPr lang="en-US" sz="2400" dirty="0" smtClean="0"/>
+              <a:t>[0]</a:t>
             </a:r>
             <a:endParaRPr lang="en-US" sz="2400" dirty="0"/>
           </a:p>
@@ -21156,111 +21154,10 @@
           </a:p>
         </p:txBody>
       </p:sp>
-      <p:sp>
-        <p:nvSpPr>
-          <p:cNvPr id="5" name="TextBox 4"/>
-          <p:cNvSpPr txBox="1"/>
-          <p:nvPr/>
-        </p:nvSpPr>
-        <p:spPr>
-          <a:xfrm>
-            <a:off x="695534" y="2434033"/>
-            <a:ext cx="102592" cy="471924"/>
-          </a:xfrm>
-          <a:prstGeom prst="rect">
-            <a:avLst/>
-          </a:prstGeom>
-          <a:noFill/>
-          <a:ln w="12700" cap="flat">
-            <a:noFill/>
-            <a:miter lim="400000"/>
-          </a:ln>
-          <a:effectLst/>
-          <a:sp3d/>
-        </p:spPr>
-        <p:style>
-          <a:lnRef idx="0">
-            <a:scrgbClr r="0" g="0" b="0"/>
-          </a:lnRef>
-          <a:fillRef idx="0">
-            <a:scrgbClr r="0" g="0" b="0"/>
-          </a:fillRef>
-          <a:effectRef idx="0">
-            <a:scrgbClr r="0" g="0" b="0"/>
-          </a:effectRef>
-          <a:fontRef idx="none"/>
-        </p:style>
-        <p:txBody>
-          <a:bodyPr rot="0" spcFirstLastPara="1" vertOverflow="overflow" horzOverflow="overflow" vert="horz" wrap="none" lIns="50800" tIns="50800" rIns="50800" bIns="50800" numCol="1" spcCol="38100" rtlCol="0" anchor="ctr">
-            <a:spAutoFit/>
-          </a:bodyPr>
-          <a:lstStyle/>
-          <a:p>
-            <a:pPr marL="0" marR="0" indent="0" algn="l" defTabSz="1308100" rtl="0" fontAlgn="auto" latinLnBrk="0" hangingPunct="0">
-              <a:lnSpc>
-                <a:spcPct val="100000"/>
-              </a:lnSpc>
-              <a:spcBef>
-                <a:spcPts val="0"/>
-              </a:spcBef>
-              <a:spcAft>
-                <a:spcPts val="0"/>
-              </a:spcAft>
-              <a:buClrTx/>
-              <a:buSzTx/>
-              <a:buFontTx/>
-              <a:buNone/>
-              <a:tabLst/>
-            </a:pPr>
-            <a:endParaRPr kumimoji="0" lang="en-US" sz="2400" b="0" i="0" u="none" strike="noStrike" cap="none" spc="0" normalizeH="0" baseline="0" dirty="0">
-              <a:ln>
-                <a:noFill/>
-              </a:ln>
-              <a:solidFill>
-                <a:srgbClr val="FFFFFF"/>
-              </a:solidFill>
-              <a:effectLst/>
-              <a:uFill>
-                <a:solidFill>
-                  <a:srgbClr val="FFFFFF"/>
-                </a:solidFill>
-              </a:uFill>
-              <a:latin typeface="+mn-lt"/>
-              <a:ea typeface="+mn-ea"/>
-              <a:cs typeface="+mn-cs"/>
-              <a:sym typeface="Helvetica"/>
-            </a:endParaRPr>
-          </a:p>
-        </p:txBody>
-      </p:sp>
-      <p:pic>
-        <p:nvPicPr>
-          <p:cNvPr id="2" name="Picture 1"/>
-          <p:cNvPicPr>
-            <a:picLocks noChangeAspect="1"/>
-          </p:cNvPicPr>
-          <p:nvPr/>
-        </p:nvPicPr>
-        <p:blipFill>
-          <a:blip r:embed="rId3"/>
-          <a:stretch>
-            <a:fillRect/>
-          </a:stretch>
-        </p:blipFill>
-        <p:spPr>
-          <a:xfrm>
-            <a:off x="3931276" y="4868046"/>
-            <a:ext cx="1944457" cy="1835029"/>
-          </a:xfrm>
-          <a:prstGeom prst="rect">
-            <a:avLst/>
-          </a:prstGeom>
-        </p:spPr>
-      </p:pic>
     </p:spTree>
     <p:extLst>
       <p:ext uri="{BB962C8B-B14F-4D97-AF65-F5344CB8AC3E}">
-        <p14:creationId xmlns:p14="http://schemas.microsoft.com/office/powerpoint/2010/main" val="2500385597"/>
+        <p14:creationId xmlns:p14="http://schemas.microsoft.com/office/powerpoint/2010/main" val="3380178325"/>
       </p:ext>
     </p:extLst>
   </p:cSld>
@@ -21343,7 +21240,7 @@
           <a:p>
             <a:r>
               <a:rPr lang="en-US" dirty="0" smtClean="0"/>
-              <a:t>frameworks</a:t>
+              <a:t>Libraries</a:t>
             </a:r>
             <a:endParaRPr dirty="0"/>
           </a:p>
@@ -21392,15 +21289,7 @@
             </a:pPr>
             <a:r>
               <a:rPr lang="en-US" sz="2400" dirty="0" smtClean="0"/>
-              <a:t>PHP has hundreds of </a:t>
-            </a:r>
-            <a:r>
-              <a:rPr lang="en-US" sz="2400" b="1" dirty="0" smtClean="0"/>
-              <a:t>frameworks</a:t>
-            </a:r>
-            <a:r>
-              <a:rPr lang="en-US" sz="2400" dirty="0" smtClean="0"/>
-              <a:t> which is just a fancy way of saying: pre-built packages with lots of useful things for organizing my code.</a:t>
+              <a:t>In PHP you can import someone else’s code at will by putting “REQUIRE &lt;library name&gt; at the top of your code. </a:t>
             </a:r>
           </a:p>
           <a:p>
@@ -21422,111 +21311,32 @@
             </a:pPr>
             <a:r>
               <a:rPr lang="en-US" sz="2400" dirty="0" smtClean="0"/>
-              <a:t>These </a:t>
+              <a:t>A </a:t>
             </a:r>
             <a:r>
               <a:rPr lang="en-US" sz="2400" b="1" dirty="0" smtClean="0"/>
-              <a:t>frameworks</a:t>
+              <a:t>library</a:t>
             </a:r>
             <a:r>
               <a:rPr lang="en-US" sz="2400" dirty="0" smtClean="0"/>
-              <a:t> include:</a:t>
-            </a:r>
-          </a:p>
-          <a:p>
-            <a:pPr lvl="1" defTabSz="510244">
-              <a:spcBef>
-                <a:spcPts val="788"/>
-              </a:spcBef>
-              <a:buSzPct val="70000"/>
-              <a:defRPr sz="2800">
-                <a:solidFill>
-                  <a:srgbClr val="000000"/>
-                </a:solidFill>
-                <a:uFill>
-                  <a:solidFill>
-                    <a:srgbClr val="000000"/>
-                  </a:solidFill>
-                </a:uFill>
-              </a:defRPr>
-            </a:pPr>
-            <a:r>
-              <a:rPr lang="en-US" sz="2400" dirty="0"/>
-              <a:t>	</a:t>
+              <a:t> is a bunch of PHP code that some kind soul has already written for you. By </a:t>
+            </a:r>
+            <a:r>
+              <a:rPr lang="en-US" sz="2400" b="1" dirty="0" smtClean="0"/>
+              <a:t>requiring (or including)</a:t>
             </a:r>
             <a:r>
               <a:rPr lang="en-US" sz="2400" dirty="0" smtClean="0"/>
-              <a:t>ZEND, </a:t>
+              <a:t> it you can steal it and use it in your own code in order to, for example, connect to a database (or read a </a:t>
             </a:r>
             <a:r>
               <a:rPr lang="en-US" sz="2400" dirty="0" err="1" smtClean="0"/>
-              <a:t>Symfony</a:t>
+              <a:t>csv</a:t>
             </a:r>
             <a:r>
               <a:rPr lang="en-US" sz="2400" dirty="0" smtClean="0"/>
-              <a:t>, </a:t>
-            </a:r>
-            <a:r>
-              <a:rPr lang="en-US" sz="2400" dirty="0" err="1" smtClean="0"/>
-              <a:t>CakePHP</a:t>
-            </a:r>
-            <a:r>
-              <a:rPr lang="en-US" sz="2400" dirty="0" smtClean="0"/>
-              <a:t>, </a:t>
-            </a:r>
-            <a:r>
-              <a:rPr lang="en-US" sz="2400" dirty="0" err="1" smtClean="0"/>
-              <a:t>CodeIgnitor</a:t>
-            </a:r>
-            <a:r>
-              <a:rPr lang="en-US" sz="2400" dirty="0" smtClean="0"/>
-              <a:t>, </a:t>
-            </a:r>
-            <a:r>
-              <a:rPr lang="en-US" sz="2400" dirty="0" err="1" smtClean="0"/>
-              <a:t>magento</a:t>
-            </a:r>
-            <a:endParaRPr lang="en-US" sz="2400" dirty="0" smtClean="0"/>
-          </a:p>
-          <a:p>
-            <a:pPr lvl="1" defTabSz="510244">
-              <a:spcBef>
-                <a:spcPts val="788"/>
-              </a:spcBef>
-              <a:buSzPct val="70000"/>
-              <a:defRPr sz="2800">
-                <a:solidFill>
-                  <a:srgbClr val="000000"/>
-                </a:solidFill>
-                <a:uFill>
-                  <a:solidFill>
-                    <a:srgbClr val="000000"/>
-                  </a:solidFill>
-                </a:uFill>
-              </a:defRPr>
-            </a:pPr>
-            <a:r>
-              <a:rPr lang="en-US" sz="2400" dirty="0" smtClean="0"/>
-              <a:t>Basically they get you lots of cool stuff that you can then REQUIRE in your code and organizes your code in a nice, readable way.</a:t>
-            </a:r>
-          </a:p>
-          <a:p>
-            <a:pPr lvl="1" defTabSz="510244">
-              <a:spcBef>
-                <a:spcPts val="788"/>
-              </a:spcBef>
-              <a:buSzPct val="70000"/>
-              <a:defRPr sz="2800">
-                <a:solidFill>
-                  <a:srgbClr val="000000"/>
-                </a:solidFill>
-                <a:uFill>
-                  <a:solidFill>
-                    <a:srgbClr val="000000"/>
-                  </a:solidFill>
-                </a:uFill>
-              </a:defRPr>
-            </a:pPr>
+              <a:t>).</a:t>
+            </a:r>
             <a:endParaRPr lang="en-US" sz="2400" dirty="0"/>
           </a:p>
         </p:txBody>
@@ -21685,10 +21495,34 @@
           </a:p>
         </p:txBody>
       </p:sp>
+      <p:pic>
+        <p:nvPicPr>
+          <p:cNvPr id="2" name="Picture 1"/>
+          <p:cNvPicPr>
+            <a:picLocks noChangeAspect="1"/>
+          </p:cNvPicPr>
+          <p:nvPr/>
+        </p:nvPicPr>
+        <p:blipFill>
+          <a:blip r:embed="rId3"/>
+          <a:stretch>
+            <a:fillRect/>
+          </a:stretch>
+        </p:blipFill>
+        <p:spPr>
+          <a:xfrm>
+            <a:off x="3931276" y="4868046"/>
+            <a:ext cx="1944457" cy="1835029"/>
+          </a:xfrm>
+          <a:prstGeom prst="rect">
+            <a:avLst/>
+          </a:prstGeom>
+        </p:spPr>
+      </p:pic>
     </p:spTree>
     <p:extLst>
       <p:ext uri="{BB962C8B-B14F-4D97-AF65-F5344CB8AC3E}">
-        <p14:creationId xmlns:p14="http://schemas.microsoft.com/office/powerpoint/2010/main" val="3070483815"/>
+        <p14:creationId xmlns:p14="http://schemas.microsoft.com/office/powerpoint/2010/main" val="2500385597"/>
       </p:ext>
     </p:extLst>
   </p:cSld>
@@ -21725,6 +21559,434 @@
       </p:grpSpPr>
       <p:sp>
         <p:nvSpPr>
+          <p:cNvPr id="293" name="Shape 293"/>
+          <p:cNvSpPr>
+            <a:spLocks noGrp="1"/>
+          </p:cNvSpPr>
+          <p:nvPr>
+            <p:ph type="body" idx="13"/>
+          </p:nvPr>
+        </p:nvSpPr>
+        <p:spPr>
+          <a:prstGeom prst="rect">
+            <a:avLst/>
+          </a:prstGeom>
+        </p:spPr>
+        <p:txBody>
+          <a:bodyPr/>
+          <a:lstStyle/>
+          <a:p>
+            <a:r>
+              <a:rPr lang="en-US" dirty="0" smtClean="0"/>
+              <a:t>Traversing data structures</a:t>
+            </a:r>
+            <a:endParaRPr dirty="0"/>
+          </a:p>
+        </p:txBody>
+      </p:sp>
+      <p:sp>
+        <p:nvSpPr>
+          <p:cNvPr id="294" name="Shape 294"/>
+          <p:cNvSpPr>
+            <a:spLocks noGrp="1"/>
+          </p:cNvSpPr>
+          <p:nvPr>
+            <p:ph type="title"/>
+          </p:nvPr>
+        </p:nvSpPr>
+        <p:spPr>
+          <a:prstGeom prst="rect">
+            <a:avLst/>
+          </a:prstGeom>
+        </p:spPr>
+        <p:txBody>
+          <a:bodyPr/>
+          <a:lstStyle/>
+          <a:p>
+            <a:r>
+              <a:rPr lang="en-US" dirty="0" smtClean="0"/>
+              <a:t>frameworks</a:t>
+            </a:r>
+            <a:endParaRPr dirty="0"/>
+          </a:p>
+        </p:txBody>
+      </p:sp>
+      <p:sp>
+        <p:nvSpPr>
+          <p:cNvPr id="295" name="Shape 295"/>
+          <p:cNvSpPr/>
+          <p:nvPr/>
+        </p:nvSpPr>
+        <p:spPr>
+          <a:xfrm>
+            <a:off x="462275" y="2051436"/>
+            <a:ext cx="8125271" cy="4177267"/>
+          </a:xfrm>
+          <a:prstGeom prst="rect">
+            <a:avLst/>
+          </a:prstGeom>
+          <a:ln w="12700"/>
+          <a:extLst>
+            <a:ext uri="{C572A759-6A51-4108-AA02-DFA0A04FC94B}">
+              <ma14:wrappingTextBoxFlag xmlns:ma14="http://schemas.microsoft.com/office/mac/drawingml/2011/main" val="1"/>
+            </a:ext>
+          </a:extLst>
+        </p:spPr>
+        <p:txBody>
+          <a:bodyPr lIns="0" tIns="0" rIns="0" bIns="0"/>
+          <a:lstStyle/>
+          <a:p>
+            <a:pPr lvl="1" defTabSz="510244">
+              <a:spcBef>
+                <a:spcPts val="788"/>
+              </a:spcBef>
+              <a:buSzPct val="70000"/>
+              <a:defRPr sz="2800">
+                <a:solidFill>
+                  <a:srgbClr val="000000"/>
+                </a:solidFill>
+                <a:uFill>
+                  <a:solidFill>
+                    <a:srgbClr val="000000"/>
+                  </a:solidFill>
+                </a:uFill>
+              </a:defRPr>
+            </a:pPr>
+            <a:r>
+              <a:rPr lang="en-US" sz="2400" dirty="0" smtClean="0"/>
+              <a:t>PHP has hundreds of </a:t>
+            </a:r>
+            <a:r>
+              <a:rPr lang="en-US" sz="2400" b="1" dirty="0" smtClean="0"/>
+              <a:t>frameworks</a:t>
+            </a:r>
+            <a:r>
+              <a:rPr lang="en-US" sz="2400" dirty="0" smtClean="0"/>
+              <a:t> which is just a fancy way of saying: pre-built packages with lots of useful things for organizing my code.</a:t>
+            </a:r>
+          </a:p>
+          <a:p>
+            <a:pPr lvl="1" defTabSz="510244">
+              <a:spcBef>
+                <a:spcPts val="788"/>
+              </a:spcBef>
+              <a:buSzPct val="70000"/>
+              <a:defRPr sz="2800">
+                <a:solidFill>
+                  <a:srgbClr val="000000"/>
+                </a:solidFill>
+                <a:uFill>
+                  <a:solidFill>
+                    <a:srgbClr val="000000"/>
+                  </a:solidFill>
+                </a:uFill>
+              </a:defRPr>
+            </a:pPr>
+            <a:r>
+              <a:rPr lang="en-US" sz="2400" dirty="0" smtClean="0"/>
+              <a:t>These </a:t>
+            </a:r>
+            <a:r>
+              <a:rPr lang="en-US" sz="2400" b="1" dirty="0" smtClean="0"/>
+              <a:t>frameworks</a:t>
+            </a:r>
+            <a:r>
+              <a:rPr lang="en-US" sz="2400" dirty="0" smtClean="0"/>
+              <a:t> include:</a:t>
+            </a:r>
+          </a:p>
+          <a:p>
+            <a:pPr lvl="1" defTabSz="510244">
+              <a:spcBef>
+                <a:spcPts val="788"/>
+              </a:spcBef>
+              <a:buSzPct val="70000"/>
+              <a:defRPr sz="2800">
+                <a:solidFill>
+                  <a:srgbClr val="000000"/>
+                </a:solidFill>
+                <a:uFill>
+                  <a:solidFill>
+                    <a:srgbClr val="000000"/>
+                  </a:solidFill>
+                </a:uFill>
+              </a:defRPr>
+            </a:pPr>
+            <a:r>
+              <a:rPr lang="en-US" sz="2400" dirty="0"/>
+              <a:t>	</a:t>
+            </a:r>
+            <a:r>
+              <a:rPr lang="en-US" sz="2400" dirty="0" smtClean="0"/>
+              <a:t>ZEND, </a:t>
+            </a:r>
+            <a:r>
+              <a:rPr lang="en-US" sz="2400" dirty="0" err="1" smtClean="0"/>
+              <a:t>Symfony</a:t>
+            </a:r>
+            <a:r>
+              <a:rPr lang="en-US" sz="2400" dirty="0" smtClean="0"/>
+              <a:t>, </a:t>
+            </a:r>
+            <a:r>
+              <a:rPr lang="en-US" sz="2400" dirty="0" err="1" smtClean="0"/>
+              <a:t>CakePHP</a:t>
+            </a:r>
+            <a:r>
+              <a:rPr lang="en-US" sz="2400" dirty="0" smtClean="0"/>
+              <a:t>, </a:t>
+            </a:r>
+            <a:r>
+              <a:rPr lang="en-US" sz="2400" dirty="0" err="1" smtClean="0"/>
+              <a:t>CodeIgnitor</a:t>
+            </a:r>
+            <a:r>
+              <a:rPr lang="en-US" sz="2400" dirty="0" smtClean="0"/>
+              <a:t>, </a:t>
+            </a:r>
+            <a:r>
+              <a:rPr lang="en-US" sz="2400" dirty="0" err="1" smtClean="0"/>
+              <a:t>magento</a:t>
+            </a:r>
+            <a:endParaRPr lang="en-US" sz="2400" dirty="0" smtClean="0"/>
+          </a:p>
+          <a:p>
+            <a:pPr lvl="1" defTabSz="510244">
+              <a:spcBef>
+                <a:spcPts val="788"/>
+              </a:spcBef>
+              <a:buSzPct val="70000"/>
+              <a:defRPr sz="2800">
+                <a:solidFill>
+                  <a:srgbClr val="000000"/>
+                </a:solidFill>
+                <a:uFill>
+                  <a:solidFill>
+                    <a:srgbClr val="000000"/>
+                  </a:solidFill>
+                </a:uFill>
+              </a:defRPr>
+            </a:pPr>
+            <a:r>
+              <a:rPr lang="en-US" sz="2400" dirty="0" smtClean="0"/>
+              <a:t>Basically they get you lots of cool stuff that you can then REQUIRE in your code and organizes your code in a nice, readable way.</a:t>
+            </a:r>
+          </a:p>
+          <a:p>
+            <a:pPr lvl="1" defTabSz="510244">
+              <a:spcBef>
+                <a:spcPts val="788"/>
+              </a:spcBef>
+              <a:buSzPct val="70000"/>
+              <a:defRPr sz="2800">
+                <a:solidFill>
+                  <a:srgbClr val="000000"/>
+                </a:solidFill>
+                <a:uFill>
+                  <a:solidFill>
+                    <a:srgbClr val="000000"/>
+                  </a:solidFill>
+                </a:uFill>
+              </a:defRPr>
+            </a:pPr>
+            <a:endParaRPr lang="en-US" sz="2400" dirty="0"/>
+          </a:p>
+        </p:txBody>
+      </p:sp>
+      <p:sp>
+        <p:nvSpPr>
+          <p:cNvPr id="3" name="TextBox 2"/>
+          <p:cNvSpPr txBox="1"/>
+          <p:nvPr/>
+        </p:nvSpPr>
+        <p:spPr>
+          <a:xfrm>
+            <a:off x="1043301" y="2403796"/>
+            <a:ext cx="102592" cy="471924"/>
+          </a:xfrm>
+          <a:prstGeom prst="rect">
+            <a:avLst/>
+          </a:prstGeom>
+          <a:noFill/>
+          <a:ln w="12700" cap="flat">
+            <a:noFill/>
+            <a:miter lim="400000"/>
+          </a:ln>
+          <a:effectLst/>
+          <a:sp3d/>
+        </p:spPr>
+        <p:style>
+          <a:lnRef idx="0">
+            <a:scrgbClr r="0" g="0" b="0"/>
+          </a:lnRef>
+          <a:fillRef idx="0">
+            <a:scrgbClr r="0" g="0" b="0"/>
+          </a:fillRef>
+          <a:effectRef idx="0">
+            <a:scrgbClr r="0" g="0" b="0"/>
+          </a:effectRef>
+          <a:fontRef idx="none"/>
+        </p:style>
+        <p:txBody>
+          <a:bodyPr rot="0" spcFirstLastPara="1" vertOverflow="overflow" horzOverflow="overflow" vert="horz" wrap="none" lIns="50800" tIns="50800" rIns="50800" bIns="50800" numCol="1" spcCol="38100" rtlCol="0" anchor="ctr">
+            <a:spAutoFit/>
+          </a:bodyPr>
+          <a:lstStyle/>
+          <a:p>
+            <a:pPr marL="0" marR="0" indent="0" algn="l" defTabSz="1308100" rtl="0" fontAlgn="auto" latinLnBrk="0" hangingPunct="0">
+              <a:lnSpc>
+                <a:spcPct val="100000"/>
+              </a:lnSpc>
+              <a:spcBef>
+                <a:spcPts val="0"/>
+              </a:spcBef>
+              <a:spcAft>
+                <a:spcPts val="0"/>
+              </a:spcAft>
+              <a:buClrTx/>
+              <a:buSzTx/>
+              <a:buFontTx/>
+              <a:buNone/>
+              <a:tabLst/>
+            </a:pPr>
+            <a:endParaRPr kumimoji="0" lang="en-US" sz="2400" b="0" i="0" u="none" strike="noStrike" cap="none" spc="0" normalizeH="0" baseline="0" dirty="0">
+              <a:ln>
+                <a:noFill/>
+              </a:ln>
+              <a:solidFill>
+                <a:srgbClr val="FFFFFF"/>
+              </a:solidFill>
+              <a:effectLst/>
+              <a:uFill>
+                <a:solidFill>
+                  <a:srgbClr val="FFFFFF"/>
+                </a:solidFill>
+              </a:uFill>
+              <a:latin typeface="+mn-lt"/>
+              <a:ea typeface="+mn-ea"/>
+              <a:cs typeface="+mn-cs"/>
+              <a:sym typeface="Helvetica"/>
+            </a:endParaRPr>
+          </a:p>
+        </p:txBody>
+      </p:sp>
+      <p:sp>
+        <p:nvSpPr>
+          <p:cNvPr id="5" name="TextBox 4"/>
+          <p:cNvSpPr txBox="1"/>
+          <p:nvPr/>
+        </p:nvSpPr>
+        <p:spPr>
+          <a:xfrm>
+            <a:off x="695534" y="2434033"/>
+            <a:ext cx="102592" cy="471924"/>
+          </a:xfrm>
+          <a:prstGeom prst="rect">
+            <a:avLst/>
+          </a:prstGeom>
+          <a:noFill/>
+          <a:ln w="12700" cap="flat">
+            <a:noFill/>
+            <a:miter lim="400000"/>
+          </a:ln>
+          <a:effectLst/>
+          <a:sp3d/>
+        </p:spPr>
+        <p:style>
+          <a:lnRef idx="0">
+            <a:scrgbClr r="0" g="0" b="0"/>
+          </a:lnRef>
+          <a:fillRef idx="0">
+            <a:scrgbClr r="0" g="0" b="0"/>
+          </a:fillRef>
+          <a:effectRef idx="0">
+            <a:scrgbClr r="0" g="0" b="0"/>
+          </a:effectRef>
+          <a:fontRef idx="none"/>
+        </p:style>
+        <p:txBody>
+          <a:bodyPr rot="0" spcFirstLastPara="1" vertOverflow="overflow" horzOverflow="overflow" vert="horz" wrap="none" lIns="50800" tIns="50800" rIns="50800" bIns="50800" numCol="1" spcCol="38100" rtlCol="0" anchor="ctr">
+            <a:spAutoFit/>
+          </a:bodyPr>
+          <a:lstStyle/>
+          <a:p>
+            <a:pPr marL="0" marR="0" indent="0" algn="l" defTabSz="1308100" rtl="0" fontAlgn="auto" latinLnBrk="0" hangingPunct="0">
+              <a:lnSpc>
+                <a:spcPct val="100000"/>
+              </a:lnSpc>
+              <a:spcBef>
+                <a:spcPts val="0"/>
+              </a:spcBef>
+              <a:spcAft>
+                <a:spcPts val="0"/>
+              </a:spcAft>
+              <a:buClrTx/>
+              <a:buSzTx/>
+              <a:buFontTx/>
+              <a:buNone/>
+              <a:tabLst/>
+            </a:pPr>
+            <a:endParaRPr kumimoji="0" lang="en-US" sz="2400" b="0" i="0" u="none" strike="noStrike" cap="none" spc="0" normalizeH="0" baseline="0" dirty="0">
+              <a:ln>
+                <a:noFill/>
+              </a:ln>
+              <a:solidFill>
+                <a:srgbClr val="FFFFFF"/>
+              </a:solidFill>
+              <a:effectLst/>
+              <a:uFill>
+                <a:solidFill>
+                  <a:srgbClr val="FFFFFF"/>
+                </a:solidFill>
+              </a:uFill>
+              <a:latin typeface="+mn-lt"/>
+              <a:ea typeface="+mn-ea"/>
+              <a:cs typeface="+mn-cs"/>
+              <a:sym typeface="Helvetica"/>
+            </a:endParaRPr>
+          </a:p>
+        </p:txBody>
+      </p:sp>
+    </p:spTree>
+    <p:extLst>
+      <p:ext uri="{BB962C8B-B14F-4D97-AF65-F5344CB8AC3E}">
+        <p14:creationId xmlns:p14="http://schemas.microsoft.com/office/powerpoint/2010/main" val="3070483815"/>
+      </p:ext>
+    </p:extLst>
+  </p:cSld>
+  <p:clrMapOvr>
+    <a:masterClrMapping/>
+  </p:clrMapOvr>
+  <p:transition xmlns:p14="http://schemas.microsoft.com/office/powerpoint/2010/main" spd="slow"/>
+  <p:timing>
+    <p:tnLst>
+      <p:par>
+        <p:cTn xmlns:p14="http://schemas.microsoft.com/office/powerpoint/2010/main" id="1" dur="indefinite" restart="never" nodeType="tmRoot"/>
+      </p:par>
+    </p:tnLst>
+  </p:timing>
+</p:sld>
+</file>
+
+<file path=ppt/slides/slide38.xml><?xml version="1.0" encoding="utf-8"?>
+<p:sld xmlns:a="http://schemas.openxmlformats.org/drawingml/2006/main" xmlns:r="http://schemas.openxmlformats.org/officeDocument/2006/relationships" xmlns:p="http://schemas.openxmlformats.org/presentationml/2006/main">
+  <p:cSld>
+    <p:spTree>
+      <p:nvGrpSpPr>
+        <p:cNvPr id="1" name=""/>
+        <p:cNvGrpSpPr/>
+        <p:nvPr/>
+      </p:nvGrpSpPr>
+      <p:grpSpPr>
+        <a:xfrm>
+          <a:off x="0" y="0"/>
+          <a:ext cx="0" cy="0"/>
+          <a:chOff x="0" y="0"/>
+          <a:chExt cx="0" cy="0"/>
+        </a:xfrm>
+      </p:grpSpPr>
+      <p:sp>
+        <p:nvSpPr>
           <p:cNvPr id="2" name="Text Placeholder 1"/>
           <p:cNvSpPr>
             <a:spLocks noGrp="1"/>
@@ -21799,7 +22061,7 @@
 </p:sld>
 </file>
 
-<file path=ppt/slides/slide38.xml><?xml version="1.0" encoding="utf-8"?>
+<file path=ppt/slides/slide39.xml><?xml version="1.0" encoding="utf-8"?>
 <p:sld xmlns:a="http://schemas.openxmlformats.org/drawingml/2006/main" xmlns:r="http://schemas.openxmlformats.org/officeDocument/2006/relationships" xmlns:p="http://schemas.openxmlformats.org/presentationml/2006/main">
   <p:cSld>
     <p:spTree>
@@ -22675,11 +22937,7 @@
             </a:r>
             <a:r>
               <a:rPr lang="en-US" b="1" dirty="0" smtClean="0"/>
-              <a:t>servers (send data) and clients (interpret data to pictures pleasing to the human </a:t>
-            </a:r>
-            <a:r>
-              <a:rPr lang="en-US" b="1" dirty="0" smtClean="0"/>
-              <a:t>eye)</a:t>
+              <a:t>servers (send data) and clients (interpret data to pictures pleasing to the human eye)</a:t>
             </a:r>
             <a:r>
               <a:rPr lang="en-US" dirty="0" smtClean="0"/>
@@ -22862,11 +23120,7 @@
             </a:pPr>
             <a:r>
               <a:rPr lang="en-US" dirty="0" smtClean="0"/>
-              <a:t>PHP </a:t>
-            </a:r>
-            <a:r>
-              <a:rPr lang="en-US" dirty="0" smtClean="0"/>
-              <a:t>talks to the </a:t>
+              <a:t>PHP talks to the </a:t>
             </a:r>
             <a:r>
               <a:rPr lang="en-US" b="1" dirty="0" smtClean="0"/>
